--- a/Entregaveis/ApresentacaoElectron.pptx
+++ b/Entregaveis/ApresentacaoElectron.pptx
@@ -225,7 +225,7 @@
             <a:fld id="{007580C7-3B55-4E5C-A9B0-711198A4104E}" type="datetimeFigureOut">
               <a:rPr lang="pt-PT" smtClean="0"/>
               <a:pPr/>
-              <a:t>22/04/2020</a:t>
+              <a:t>08/06/2020</a:t>
             </a:fld>
             <a:endParaRPr lang="pt-PT"/>
           </a:p>
@@ -537,7 +537,54 @@
           <a:bodyPr/>
           <a:lstStyle/>
           <a:p>
-            <a:endParaRPr lang="pt-PT" dirty="0"/>
+            <a:r>
+              <a:rPr lang="pt-PT" dirty="0"/>
+              <a:t>Apresentação da semana passada</a:t>
+            </a:r>
+          </a:p>
+          <a:p>
+            <a:r>
+              <a:rPr lang="pt-PT" dirty="0"/>
+              <a:t>Hoje venho falar sobre o </a:t>
+            </a:r>
+            <a:r>
+              <a:rPr lang="pt-PT" dirty="0" err="1"/>
+              <a:t>electron</a:t>
+            </a:r>
+            <a:r>
+              <a:rPr lang="pt-PT" dirty="0"/>
+              <a:t> que é uma </a:t>
+            </a:r>
+            <a:r>
+              <a:rPr lang="pt-PT" dirty="0" err="1"/>
+              <a:t>framework</a:t>
+            </a:r>
+            <a:r>
+              <a:rPr lang="pt-PT" dirty="0"/>
+              <a:t> para desenvolver aplicações.</a:t>
+            </a:r>
+          </a:p>
+          <a:p>
+            <a:r>
+              <a:rPr lang="pt-PT" dirty="0"/>
+              <a:t>Eu uso aplicações diariamente que foram feitas por esta </a:t>
+            </a:r>
+            <a:r>
+              <a:rPr lang="pt-PT" dirty="0" err="1"/>
+              <a:t>framework</a:t>
+            </a:r>
+            <a:r>
+              <a:rPr lang="pt-PT" dirty="0"/>
+              <a:t>, e nem tinha conhecimento da </a:t>
+            </a:r>
+            <a:r>
+              <a:rPr lang="pt-PT" dirty="0" err="1"/>
+              <a:t>exist~encia</a:t>
+            </a:r>
+            <a:r>
+              <a:rPr lang="pt-PT" dirty="0"/>
+              <a:t> dela, e devido a isto e outras particularidades achei que era um bom tema para partilhar com vocês.</a:t>
+            </a:r>
           </a:p>
         </p:txBody>
       </p:sp>
@@ -624,53 +671,26 @@
           <a:p>
             <a:r>
               <a:rPr lang="pt-PT" dirty="0"/>
-              <a:t>Além do core set de ferramenta do </a:t>
-            </a:r>
-            <a:r>
-              <a:rPr lang="pt-PT" dirty="0" err="1"/>
-              <a:t>Electron</a:t>
-            </a:r>
+              <a:t>1- De forma simplista pode ser visto como um web browser capaz de interagir com o “</a:t>
+            </a:r>
+            <a:r>
+              <a:rPr lang="pt-PT" i="1" dirty="0"/>
+              <a:t>file </a:t>
+            </a:r>
+            <a:r>
+              <a:rPr lang="pt-PT" i="1" dirty="0" err="1"/>
+              <a:t>system</a:t>
+            </a:r>
+            <a:r>
+              <a:rPr lang="pt-PT" i="1" dirty="0"/>
+              <a:t>”.</a:t>
+            </a:r>
+          </a:p>
+          <a:p>
             <a:r>
               <a:rPr lang="pt-PT" dirty="0"/>
-              <a:t>, é possível de utilizar</a:t>
-            </a:r>
-          </a:p>
-          <a:p>
-            <a:r>
-              <a:rPr lang="pt-PT" dirty="0"/>
-              <a:t>1- as ferramentas do </a:t>
-            </a:r>
-            <a:r>
-              <a:rPr lang="pt-PT" dirty="0" err="1"/>
-              <a:t>Chromium</a:t>
-            </a:r>
-            <a:r>
-              <a:rPr lang="pt-PT" dirty="0"/>
-              <a:t>.</a:t>
-            </a:r>
-          </a:p>
-          <a:p>
-            <a:r>
-              <a:rPr lang="pt-PT" dirty="0"/>
-              <a:t>2- todos os módulos do </a:t>
-            </a:r>
-            <a:r>
-              <a:rPr lang="pt-PT" dirty="0" err="1"/>
-              <a:t>NodeJS</a:t>
-            </a:r>
-            <a:r>
-              <a:rPr lang="pt-PT" dirty="0"/>
-              <a:t>.</a:t>
-            </a:r>
-          </a:p>
-          <a:p>
-            <a:r>
-              <a:rPr lang="pt-PT" dirty="0"/>
-              <a:t>O que significa que desenvolvedores que tenham uma preferência num determinado módulo ou pacote, podem utilizá-lo na aplicação desktop como se trata-se de uma aplicação web.</a:t>
-            </a:r>
-          </a:p>
-          <a:p>
-            <a:endParaRPr lang="pt-PT" dirty="0"/>
+              <a:t>2- E este web browser faz parte de um pacote da aplicação, que faz com que toda a gente corra o aplicativo sobre as mesmas condições, independentemente do sistema operativo que estão a utilizar.</a:t>
+            </a:r>
           </a:p>
         </p:txBody>
       </p:sp>
@@ -692,7 +712,7 @@
             <a:fld id="{FC77E7C4-E54C-465D-ABEB-E0CB3A6B840B}" type="slidenum">
               <a:rPr lang="pt-PT" smtClean="0"/>
               <a:pPr/>
-              <a:t>11</a:t>
+              <a:t>10</a:t>
             </a:fld>
             <a:endParaRPr lang="pt-PT"/>
           </a:p>
@@ -701,7 +721,7 @@
     </p:spTree>
     <p:extLst>
       <p:ext uri="{BB962C8B-B14F-4D97-AF65-F5344CB8AC3E}">
-        <p14:creationId xmlns:p14="http://schemas.microsoft.com/office/powerpoint/2010/main" val="1869131865"/>
+        <p14:creationId xmlns:p14="http://schemas.microsoft.com/office/powerpoint/2010/main" val="3248588812"/>
       </p:ext>
     </p:extLst>
   </p:cSld>
@@ -755,6 +775,54 @@
           <a:bodyPr/>
           <a:lstStyle/>
           <a:p>
+            <a:r>
+              <a:rPr lang="pt-PT" dirty="0"/>
+              <a:t>Além do core set de ferramentas do </a:t>
+            </a:r>
+            <a:r>
+              <a:rPr lang="pt-PT" dirty="0" err="1"/>
+              <a:t>Electron</a:t>
+            </a:r>
+            <a:r>
+              <a:rPr lang="pt-PT" dirty="0"/>
+              <a:t>, é possível de utilizar</a:t>
+            </a:r>
+          </a:p>
+          <a:p>
+            <a:r>
+              <a:rPr lang="pt-PT" dirty="0"/>
+              <a:t>1- as ferramentas do </a:t>
+            </a:r>
+            <a:r>
+              <a:rPr lang="pt-PT" dirty="0" err="1"/>
+              <a:t>Chromium</a:t>
+            </a:r>
+            <a:r>
+              <a:rPr lang="pt-PT" dirty="0"/>
+              <a:t>.</a:t>
+            </a:r>
+          </a:p>
+          <a:p>
+            <a:r>
+              <a:rPr lang="pt-PT" dirty="0"/>
+              <a:t>2- todos os módulos do </a:t>
+            </a:r>
+            <a:r>
+              <a:rPr lang="pt-PT" dirty="0" err="1"/>
+              <a:t>NodeJS</a:t>
+            </a:r>
+            <a:r>
+              <a:rPr lang="pt-PT" dirty="0"/>
+              <a:t> (que são extremamente vastos).</a:t>
+            </a:r>
+          </a:p>
+          <a:p>
+            <a:r>
+              <a:rPr lang="pt-PT" dirty="0"/>
+              <a:t>O que significa que desenvolvedores que tenham uma preferência num determinado módulo ou pacote, podem utilizá-lo na aplicação desktop como se trata-se de uma aplicação web.</a:t>
+            </a:r>
+          </a:p>
+          <a:p>
             <a:endParaRPr lang="pt-PT" dirty="0"/>
           </a:p>
         </p:txBody>
@@ -777,7 +845,7 @@
             <a:fld id="{FC77E7C4-E54C-465D-ABEB-E0CB3A6B840B}" type="slidenum">
               <a:rPr lang="pt-PT" smtClean="0"/>
               <a:pPr/>
-              <a:t>12</a:t>
+              <a:t>11</a:t>
             </a:fld>
             <a:endParaRPr lang="pt-PT"/>
           </a:p>
@@ -786,7 +854,7 @@
     </p:spTree>
     <p:extLst>
       <p:ext uri="{BB962C8B-B14F-4D97-AF65-F5344CB8AC3E}">
-        <p14:creationId xmlns:p14="http://schemas.microsoft.com/office/powerpoint/2010/main" val="965189166"/>
+        <p14:creationId xmlns:p14="http://schemas.microsoft.com/office/powerpoint/2010/main" val="1869131865"/>
       </p:ext>
     </p:extLst>
   </p:cSld>
@@ -840,373 +908,6 @@
           <a:bodyPr/>
           <a:lstStyle/>
           <a:p>
-            <a:pPr marL="0" marR="0" lvl="0" indent="0" algn="just" defTabSz="914400" rtl="0" eaLnBrk="1" fontAlgn="auto" latinLnBrk="0" hangingPunct="1">
-              <a:lnSpc>
-                <a:spcPct val="100000"/>
-              </a:lnSpc>
-              <a:spcBef>
-                <a:spcPts val="0"/>
-              </a:spcBef>
-              <a:spcAft>
-                <a:spcPts val="0"/>
-              </a:spcAft>
-              <a:buClrTx/>
-              <a:buSzTx/>
-              <a:buFontTx/>
-              <a:buNone/>
-              <a:tabLst/>
-              <a:defRPr/>
-            </a:pPr>
-            <a:r>
-              <a:rPr lang="pt-PT" sz="1100" dirty="0"/>
-              <a:t>In web </a:t>
-            </a:r>
-            <a:r>
-              <a:rPr lang="pt-PT" sz="1100" dirty="0" err="1"/>
-              <a:t>pages</a:t>
-            </a:r>
-            <a:r>
-              <a:rPr lang="pt-PT" sz="1100" dirty="0"/>
-              <a:t>, </a:t>
-            </a:r>
-            <a:r>
-              <a:rPr lang="pt-PT" sz="1100" dirty="0" err="1"/>
-              <a:t>calling</a:t>
-            </a:r>
-            <a:r>
-              <a:rPr lang="pt-PT" sz="1100" dirty="0"/>
-              <a:t> </a:t>
-            </a:r>
-            <a:r>
-              <a:rPr lang="pt-PT" sz="1100" dirty="0" err="1"/>
-              <a:t>native</a:t>
-            </a:r>
-            <a:r>
-              <a:rPr lang="pt-PT" sz="1100" dirty="0"/>
-              <a:t> GUI </a:t>
-            </a:r>
-            <a:r>
-              <a:rPr lang="pt-PT" sz="1100" dirty="0" err="1"/>
-              <a:t>related</a:t>
-            </a:r>
-            <a:r>
-              <a:rPr lang="pt-PT" sz="1100" dirty="0"/>
-              <a:t> </a:t>
-            </a:r>
-            <a:r>
-              <a:rPr lang="pt-PT" sz="1100" dirty="0" err="1"/>
-              <a:t>APIs</a:t>
-            </a:r>
-            <a:r>
-              <a:rPr lang="pt-PT" sz="1100" dirty="0"/>
-              <a:t> </a:t>
-            </a:r>
-            <a:r>
-              <a:rPr lang="pt-PT" sz="1100" dirty="0" err="1"/>
-              <a:t>is</a:t>
-            </a:r>
-            <a:r>
-              <a:rPr lang="pt-PT" sz="1100" dirty="0"/>
-              <a:t> </a:t>
-            </a:r>
-            <a:r>
-              <a:rPr lang="pt-PT" sz="1100" dirty="0" err="1"/>
-              <a:t>not</a:t>
-            </a:r>
-            <a:r>
-              <a:rPr lang="pt-PT" sz="1100" dirty="0"/>
-              <a:t> </a:t>
-            </a:r>
-            <a:r>
-              <a:rPr lang="pt-PT" sz="1100" dirty="0" err="1"/>
-              <a:t>allowed</a:t>
-            </a:r>
-            <a:r>
-              <a:rPr lang="pt-PT" sz="1100" dirty="0"/>
-              <a:t> </a:t>
-            </a:r>
-            <a:r>
-              <a:rPr lang="pt-PT" sz="1100" dirty="0" err="1"/>
-              <a:t>because</a:t>
-            </a:r>
-            <a:r>
-              <a:rPr lang="pt-PT" sz="1100" dirty="0"/>
-              <a:t> </a:t>
-            </a:r>
-            <a:r>
-              <a:rPr lang="pt-PT" sz="1100" dirty="0" err="1"/>
-              <a:t>managign</a:t>
-            </a:r>
-            <a:r>
-              <a:rPr lang="pt-PT" sz="1100" dirty="0"/>
-              <a:t> </a:t>
-            </a:r>
-            <a:r>
-              <a:rPr lang="pt-PT" sz="1100" dirty="0" err="1"/>
-              <a:t>native</a:t>
-            </a:r>
-            <a:r>
-              <a:rPr lang="pt-PT" sz="1100" dirty="0"/>
-              <a:t> GUI </a:t>
-            </a:r>
-            <a:r>
-              <a:rPr lang="pt-PT" sz="1100" dirty="0" err="1"/>
-              <a:t>resources</a:t>
-            </a:r>
-            <a:r>
-              <a:rPr lang="pt-PT" sz="1100" dirty="0"/>
-              <a:t> in web </a:t>
-            </a:r>
-            <a:r>
-              <a:rPr lang="pt-PT" sz="1100" dirty="0" err="1"/>
-              <a:t>pages</a:t>
-            </a:r>
-            <a:r>
-              <a:rPr lang="pt-PT" sz="1100" dirty="0"/>
-              <a:t> </a:t>
-            </a:r>
-            <a:r>
-              <a:rPr lang="pt-PT" sz="1100" dirty="0" err="1"/>
-              <a:t>is</a:t>
-            </a:r>
-            <a:r>
-              <a:rPr lang="pt-PT" sz="1100" dirty="0"/>
-              <a:t> </a:t>
-            </a:r>
-            <a:r>
-              <a:rPr lang="pt-PT" sz="1100" dirty="0" err="1"/>
-              <a:t>very</a:t>
-            </a:r>
-            <a:r>
-              <a:rPr lang="pt-PT" sz="1100" dirty="0"/>
-              <a:t> </a:t>
-            </a:r>
-            <a:r>
-              <a:rPr lang="pt-PT" sz="1100" dirty="0" err="1"/>
-              <a:t>dangerous</a:t>
-            </a:r>
-            <a:r>
-              <a:rPr lang="pt-PT" sz="1100" dirty="0"/>
-              <a:t> </a:t>
-            </a:r>
-            <a:r>
-              <a:rPr lang="pt-PT" sz="1100" dirty="0" err="1"/>
-              <a:t>and</a:t>
-            </a:r>
-            <a:r>
-              <a:rPr lang="pt-PT" sz="1100" dirty="0"/>
-              <a:t> </a:t>
-            </a:r>
-            <a:r>
-              <a:rPr lang="pt-PT" sz="1100" dirty="0" err="1"/>
-              <a:t>it</a:t>
-            </a:r>
-            <a:r>
-              <a:rPr lang="pt-PT" sz="1100" dirty="0"/>
-              <a:t> </a:t>
-            </a:r>
-            <a:r>
-              <a:rPr lang="pt-PT" sz="1100" dirty="0" err="1"/>
-              <a:t>is</a:t>
-            </a:r>
-            <a:r>
-              <a:rPr lang="pt-PT" sz="1100" dirty="0"/>
-              <a:t> </a:t>
-            </a:r>
-            <a:r>
-              <a:rPr lang="pt-PT" sz="1100" dirty="0" err="1"/>
-              <a:t>easy</a:t>
-            </a:r>
-            <a:r>
-              <a:rPr lang="pt-PT" sz="1100" dirty="0"/>
-              <a:t> to </a:t>
-            </a:r>
-            <a:r>
-              <a:rPr lang="pt-PT" sz="1100" dirty="0" err="1"/>
-              <a:t>leak</a:t>
-            </a:r>
-            <a:r>
-              <a:rPr lang="pt-PT" sz="1100" dirty="0"/>
-              <a:t> </a:t>
-            </a:r>
-            <a:r>
-              <a:rPr lang="pt-PT" sz="1100" dirty="0" err="1"/>
-              <a:t>resources</a:t>
-            </a:r>
-            <a:r>
-              <a:rPr lang="pt-PT" sz="1100" dirty="0"/>
-              <a:t>. To </a:t>
-            </a:r>
-            <a:r>
-              <a:rPr lang="pt-PT" sz="1100" dirty="0" err="1"/>
-              <a:t>perform</a:t>
-            </a:r>
-            <a:r>
-              <a:rPr lang="pt-PT" sz="1100" dirty="0"/>
-              <a:t> GUI </a:t>
-            </a:r>
-            <a:r>
-              <a:rPr lang="pt-PT" sz="1100" dirty="0" err="1"/>
-              <a:t>operations</a:t>
-            </a:r>
-            <a:r>
-              <a:rPr lang="pt-PT" sz="1100" dirty="0"/>
-              <a:t> in a web </a:t>
-            </a:r>
-            <a:r>
-              <a:rPr lang="pt-PT" sz="1100" dirty="0" err="1"/>
-              <a:t>page</a:t>
-            </a:r>
-            <a:r>
-              <a:rPr lang="pt-PT" sz="1100" dirty="0"/>
-              <a:t>, </a:t>
-            </a:r>
-            <a:r>
-              <a:rPr lang="pt-PT" sz="1100" dirty="0" err="1"/>
-              <a:t>the</a:t>
-            </a:r>
-            <a:r>
-              <a:rPr lang="pt-PT" sz="1100" dirty="0"/>
-              <a:t> render </a:t>
-            </a:r>
-            <a:r>
-              <a:rPr lang="pt-PT" sz="1100" dirty="0" err="1"/>
-              <a:t>process</a:t>
-            </a:r>
-            <a:r>
-              <a:rPr lang="pt-PT" sz="1100" dirty="0"/>
-              <a:t> </a:t>
-            </a:r>
-            <a:r>
-              <a:rPr lang="pt-PT" sz="1100" dirty="0" err="1"/>
-              <a:t>of</a:t>
-            </a:r>
-            <a:r>
-              <a:rPr lang="pt-PT" sz="1100" dirty="0"/>
-              <a:t> </a:t>
-            </a:r>
-            <a:r>
-              <a:rPr lang="pt-PT" sz="1100" dirty="0" err="1"/>
-              <a:t>the</a:t>
-            </a:r>
-            <a:r>
-              <a:rPr lang="pt-PT" sz="1100" dirty="0"/>
-              <a:t> web </a:t>
-            </a:r>
-            <a:r>
-              <a:rPr lang="pt-PT" sz="1100" dirty="0" err="1"/>
-              <a:t>page</a:t>
-            </a:r>
-            <a:r>
-              <a:rPr lang="pt-PT" sz="1100" dirty="0"/>
-              <a:t> must </a:t>
-            </a:r>
-            <a:r>
-              <a:rPr lang="pt-PT" sz="1100" dirty="0" err="1"/>
-              <a:t>communicate</a:t>
-            </a:r>
-            <a:r>
-              <a:rPr lang="pt-PT" sz="1100" dirty="0"/>
-              <a:t> </a:t>
-            </a:r>
-            <a:r>
-              <a:rPr lang="pt-PT" sz="1100" dirty="0" err="1"/>
-              <a:t>with</a:t>
-            </a:r>
-            <a:r>
-              <a:rPr lang="pt-PT" sz="1100" dirty="0"/>
-              <a:t> </a:t>
-            </a:r>
-            <a:r>
-              <a:rPr lang="pt-PT" sz="1100" dirty="0" err="1"/>
-              <a:t>the</a:t>
-            </a:r>
-            <a:r>
-              <a:rPr lang="pt-PT" sz="1100" dirty="0"/>
-              <a:t> </a:t>
-            </a:r>
-            <a:r>
-              <a:rPr lang="pt-PT" sz="1100" dirty="0" err="1"/>
-              <a:t>main</a:t>
-            </a:r>
-            <a:r>
-              <a:rPr lang="pt-PT" sz="1100" dirty="0"/>
-              <a:t> </a:t>
-            </a:r>
-            <a:r>
-              <a:rPr lang="pt-PT" sz="1100" dirty="0" err="1"/>
-              <a:t>process</a:t>
-            </a:r>
-            <a:r>
-              <a:rPr lang="pt-PT" sz="1100" dirty="0"/>
-              <a:t> to </a:t>
-            </a:r>
-            <a:r>
-              <a:rPr lang="pt-PT" sz="1100" dirty="0" err="1"/>
-              <a:t>request</a:t>
-            </a:r>
-            <a:r>
-              <a:rPr lang="pt-PT" sz="1100" dirty="0"/>
-              <a:t> </a:t>
-            </a:r>
-            <a:r>
-              <a:rPr lang="pt-PT" sz="1100" dirty="0" err="1"/>
-              <a:t>that</a:t>
-            </a:r>
-            <a:r>
-              <a:rPr lang="pt-PT" sz="1100" dirty="0"/>
-              <a:t> </a:t>
-            </a:r>
-            <a:r>
-              <a:rPr lang="pt-PT" sz="1100" dirty="0" err="1"/>
-              <a:t>the</a:t>
-            </a:r>
-            <a:r>
-              <a:rPr lang="pt-PT" sz="1100" dirty="0"/>
-              <a:t> </a:t>
-            </a:r>
-            <a:r>
-              <a:rPr lang="pt-PT" sz="1100" dirty="0" err="1"/>
-              <a:t>main</a:t>
-            </a:r>
-            <a:r>
-              <a:rPr lang="pt-PT" sz="1100" dirty="0"/>
-              <a:t> </a:t>
-            </a:r>
-            <a:r>
-              <a:rPr lang="pt-PT" sz="1100" dirty="0" err="1"/>
-              <a:t>process</a:t>
-            </a:r>
-            <a:r>
-              <a:rPr lang="pt-PT" sz="1100" dirty="0"/>
-              <a:t> </a:t>
-            </a:r>
-            <a:r>
-              <a:rPr lang="pt-PT" sz="1100" dirty="0" err="1"/>
-              <a:t>perform</a:t>
-            </a:r>
-            <a:r>
-              <a:rPr lang="pt-PT" sz="1100" dirty="0"/>
-              <a:t> </a:t>
-            </a:r>
-            <a:r>
-              <a:rPr lang="pt-PT" sz="1100" dirty="0" err="1"/>
-              <a:t>those</a:t>
-            </a:r>
-            <a:r>
-              <a:rPr lang="pt-PT" sz="1100" dirty="0"/>
-              <a:t> </a:t>
-            </a:r>
-            <a:r>
-              <a:rPr lang="pt-PT" sz="1100" dirty="0" err="1"/>
-              <a:t>operations</a:t>
-            </a:r>
-            <a:r>
-              <a:rPr lang="pt-PT" sz="1100" dirty="0"/>
-              <a:t>.</a:t>
-            </a:r>
-          </a:p>
-          <a:p>
             <a:endParaRPr lang="pt-PT" dirty="0"/>
           </a:p>
         </p:txBody>
@@ -1229,7 +930,7 @@
             <a:fld id="{FC77E7C4-E54C-465D-ABEB-E0CB3A6B840B}" type="slidenum">
               <a:rPr lang="pt-PT" smtClean="0"/>
               <a:pPr/>
-              <a:t>13</a:t>
+              <a:t>12</a:t>
             </a:fld>
             <a:endParaRPr lang="pt-PT"/>
           </a:p>
@@ -1238,7 +939,7 @@
     </p:spTree>
     <p:extLst>
       <p:ext uri="{BB962C8B-B14F-4D97-AF65-F5344CB8AC3E}">
-        <p14:creationId xmlns:p14="http://schemas.microsoft.com/office/powerpoint/2010/main" val="2457170372"/>
+        <p14:creationId xmlns:p14="http://schemas.microsoft.com/office/powerpoint/2010/main" val="965189166"/>
       </p:ext>
     </p:extLst>
   </p:cSld>
@@ -1292,63 +993,749 @@
           <a:bodyPr/>
           <a:lstStyle/>
           <a:p>
+            <a:pPr algn="just"/>
             <a:r>
               <a:rPr lang="pt-PT" sz="1100" dirty="0"/>
-              <a:t>1- Uma aplicação </a:t>
+              <a:t>1 - À semelhança de uma aplicação web existe um </a:t>
+            </a:r>
+            <a:r>
+              <a:rPr lang="pt-PT" sz="1100" i="1" dirty="0"/>
+              <a:t>script </a:t>
+            </a:r>
+            <a:r>
+              <a:rPr lang="pt-PT" sz="1100" i="1" dirty="0" err="1"/>
+              <a:t>package.json</a:t>
+            </a:r>
+            <a:r>
+              <a:rPr lang="pt-PT" sz="1100" i="1" dirty="0"/>
+              <a:t> </a:t>
+            </a:r>
+            <a:r>
+              <a:rPr lang="pt-PT" sz="1100" dirty="0"/>
+              <a:t>que é considerado como o </a:t>
+            </a:r>
+            <a:r>
+              <a:rPr lang="pt-PT" sz="1100" dirty="0">
+                <a:effectLst>
+                  <a:outerShdw blurRad="38100" dist="38100" dir="2700000" algn="tl">
+                    <a:srgbClr val="000000">
+                      <a:alpha val="43137"/>
+                    </a:srgbClr>
+                  </a:outerShdw>
+                </a:effectLst>
+              </a:rPr>
+              <a:t>Processo</a:t>
+            </a:r>
+            <a:r>
+              <a:rPr lang="pt-PT" sz="1100" dirty="0"/>
+              <a:t> </a:t>
+            </a:r>
+            <a:r>
+              <a:rPr lang="pt-PT" sz="1100" dirty="0" err="1">
+                <a:effectLst>
+                  <a:outerShdw blurRad="38100" dist="38100" dir="2700000" algn="tl">
+                    <a:srgbClr val="000000">
+                      <a:alpha val="43137"/>
+                    </a:srgbClr>
+                  </a:outerShdw>
+                </a:effectLst>
+              </a:rPr>
+              <a:t>Main</a:t>
+            </a:r>
+            <a:r>
+              <a:rPr lang="pt-PT" sz="1100" i="1" dirty="0">
+                <a:effectLst>
+                  <a:outerShdw blurRad="38100" dist="38100" dir="2700000" algn="tl">
+                    <a:srgbClr val="000000">
+                      <a:alpha val="43137"/>
+                    </a:srgbClr>
+                  </a:outerShdw>
+                </a:effectLst>
+              </a:rPr>
+              <a:t> – só existe um único </a:t>
+            </a:r>
+            <a:endParaRPr lang="pt-PT" sz="1100" dirty="0"/>
+          </a:p>
+          <a:p>
+            <a:pPr algn="just"/>
+            <a:r>
+              <a:rPr lang="pt-PT" sz="1100" dirty="0"/>
+              <a:t>2 - O </a:t>
+            </a:r>
+            <a:r>
+              <a:rPr lang="pt-PT" sz="1100" i="1" dirty="0" err="1"/>
+              <a:t>scrip</a:t>
+            </a:r>
+            <a:r>
+              <a:rPr lang="pt-PT" sz="1100" dirty="0"/>
+              <a:t> que corre o </a:t>
+            </a:r>
+            <a:r>
+              <a:rPr lang="pt-PT" sz="1100" dirty="0" err="1">
+                <a:effectLst>
+                  <a:outerShdw blurRad="38100" dist="38100" dir="2700000" algn="tl">
+                    <a:srgbClr val="000000">
+                      <a:alpha val="43137"/>
+                    </a:srgbClr>
+                  </a:outerShdw>
+                </a:effectLst>
+              </a:rPr>
+              <a:t>Main</a:t>
+            </a:r>
+            <a:r>
+              <a:rPr lang="pt-PT" sz="1100" dirty="0"/>
+              <a:t> pode gerar um GUI através de criação de páginas web, e é responsável pela gestão da interação do GUI nativo do sistema operativo.</a:t>
+            </a:r>
+          </a:p>
+          <a:p>
+            <a:pPr algn="just"/>
+            <a:r>
+              <a:rPr lang="pt-PT" sz="1100" dirty="0"/>
+              <a:t>3 - As páginas web são criadas com o </a:t>
             </a:r>
             <a:r>
               <a:rPr lang="pt-PT" sz="1100" dirty="0" err="1"/>
+              <a:t>Chromium</a:t>
+            </a:r>
+            <a:r>
+              <a:rPr lang="pt-PT" sz="1100" dirty="0"/>
+              <a:t>, e desta forma partilham a mesma arquitetura de </a:t>
+            </a:r>
+            <a:r>
+              <a:rPr lang="pt-PT" sz="1100" dirty="0" err="1"/>
+              <a:t>multi-processo</a:t>
+            </a:r>
+            <a:r>
+              <a:rPr lang="pt-PT" sz="1100" dirty="0"/>
+              <a:t>, ou seja, cada página tem o seu próprio p</a:t>
+            </a:r>
+            <a:r>
+              <a:rPr lang="pt-PT" sz="1100" dirty="0">
+                <a:effectLst>
+                  <a:outerShdw blurRad="38100" dist="38100" dir="2700000" algn="tl">
+                    <a:srgbClr val="000000">
+                      <a:alpha val="43137"/>
+                    </a:srgbClr>
+                  </a:outerShdw>
+                </a:effectLst>
+              </a:rPr>
+              <a:t>rocesso de </a:t>
+            </a:r>
+            <a:r>
+              <a:rPr lang="pt-PT" sz="1100" dirty="0" err="1">
+                <a:effectLst>
+                  <a:outerShdw blurRad="38100" dist="38100" dir="2700000" algn="tl">
+                    <a:srgbClr val="000000">
+                      <a:alpha val="43137"/>
+                    </a:srgbClr>
+                  </a:outerShdw>
+                </a:effectLst>
+              </a:rPr>
+              <a:t>Renderização</a:t>
+            </a:r>
+            <a:r>
+              <a:rPr lang="pt-PT" sz="1100" dirty="0"/>
+              <a:t>.</a:t>
+            </a:r>
+          </a:p>
+          <a:p>
+            <a:pPr algn="just"/>
+            <a:r>
+              <a:rPr lang="pt-PT" sz="1100" dirty="0"/>
+              <a:t>4 - O </a:t>
+            </a:r>
+            <a:r>
+              <a:rPr lang="pt-PT" sz="1100" dirty="0">
+                <a:effectLst>
+                  <a:outerShdw blurRad="38100" dist="38100" dir="2700000" algn="tl">
+                    <a:srgbClr val="000000">
+                      <a:alpha val="43137"/>
+                    </a:srgbClr>
+                  </a:outerShdw>
+                </a:effectLst>
+              </a:rPr>
+              <a:t>Processo de </a:t>
+            </a:r>
+            <a:r>
+              <a:rPr lang="pt-PT" sz="1100" dirty="0" err="1">
+                <a:effectLst>
+                  <a:outerShdw blurRad="38100" dist="38100" dir="2700000" algn="tl">
+                    <a:srgbClr val="000000">
+                      <a:alpha val="43137"/>
+                    </a:srgbClr>
+                  </a:outerShdw>
+                </a:effectLst>
+              </a:rPr>
+              <a:t>Renderização</a:t>
+            </a:r>
+            <a:r>
+              <a:rPr lang="pt-PT" sz="1100" dirty="0">
+                <a:effectLst>
+                  <a:outerShdw blurRad="38100" dist="38100" dir="2700000" algn="tl">
+                    <a:srgbClr val="000000">
+                      <a:alpha val="43137"/>
+                    </a:srgbClr>
+                  </a:outerShdw>
+                </a:effectLst>
+              </a:rPr>
+              <a:t> </a:t>
+            </a:r>
+            <a:r>
+              <a:rPr lang="pt-PT" sz="1100" dirty="0"/>
+              <a:t>utiliza um ficheiro HTML que referência os ficheiros comuns de CSS, JavaScript, imagens, etc. e </a:t>
+            </a:r>
+            <a:r>
+              <a:rPr lang="pt-PT" sz="1100" dirty="0" err="1"/>
+              <a:t>rendariza-o</a:t>
+            </a:r>
+            <a:r>
+              <a:rPr lang="pt-PT" sz="1100" dirty="0"/>
+              <a:t> numa janela.</a:t>
+            </a:r>
+          </a:p>
+          <a:p>
+            <a:pPr algn="just"/>
+            <a:r>
+              <a:rPr lang="pt-PT" sz="1100" dirty="0"/>
+              <a:t>5 - Em browser normais, as páginas web geralmente correm num ambiente contido e não são autorizadas a aceder aos recursos nativos. Porém como o </a:t>
+            </a:r>
+            <a:r>
+              <a:rPr lang="pt-PT" sz="1100" dirty="0" err="1">
+                <a:effectLst>
+                  <a:outerShdw blurRad="38100" dist="38100" dir="2700000" algn="tl">
+                    <a:srgbClr val="000000">
+                      <a:alpha val="43137"/>
+                    </a:srgbClr>
+                  </a:outerShdw>
+                </a:effectLst>
+              </a:rPr>
               <a:t>Electron</a:t>
             </a:r>
             <a:r>
-              <a:rPr lang="pt-PT" sz="1100" baseline="0" dirty="0"/>
-              <a:t> é executada independe mente do sistema operativo utilizado.</a:t>
-            </a:r>
-          </a:p>
-          <a:p>
-            <a:r>
-              <a:rPr lang="pt-PT" sz="1100" baseline="0" dirty="0"/>
-              <a:t>2- É menor porque os desenvolvedores não precisam de programar em várias SO ou browsers.</a:t>
-            </a:r>
+              <a:rPr lang="pt-PT" sz="1100" dirty="0"/>
+              <a:t> utiliza a API do Node.js nas páginas web, tem a capacidade de executar operações de mais baixo nível.</a:t>
+            </a:r>
+          </a:p>
+          <a:p>
+            <a:pPr marL="0" marR="0" lvl="0" indent="0" algn="just" defTabSz="914400" rtl="0" eaLnBrk="1" fontAlgn="auto" latinLnBrk="0" hangingPunct="1">
+              <a:lnSpc>
+                <a:spcPct val="100000"/>
+              </a:lnSpc>
+              <a:spcBef>
+                <a:spcPts val="0"/>
+              </a:spcBef>
+              <a:spcAft>
+                <a:spcPts val="0"/>
+              </a:spcAft>
+              <a:buClrTx/>
+              <a:buSzTx/>
+              <a:buFontTx/>
+              <a:buNone/>
+              <a:tabLst/>
+              <a:defRPr/>
+            </a:pPr>
             <a:endParaRPr lang="pt-PT" sz="1100" dirty="0"/>
           </a:p>
           <a:p>
+            <a:pPr marL="0" marR="0" lvl="0" indent="0" algn="just" defTabSz="914400" rtl="0" eaLnBrk="1" fontAlgn="auto" latinLnBrk="0" hangingPunct="1">
+              <a:lnSpc>
+                <a:spcPct val="100000"/>
+              </a:lnSpc>
+              <a:spcBef>
+                <a:spcPts val="0"/>
+              </a:spcBef>
+              <a:spcAft>
+                <a:spcPts val="0"/>
+              </a:spcAft>
+              <a:buClrTx/>
+              <a:buSzTx/>
+              <a:buFontTx/>
+              <a:buNone/>
+              <a:tabLst/>
+              <a:defRPr/>
+            </a:pPr>
             <a:r>
               <a:rPr lang="pt-PT" sz="1100" dirty="0"/>
-              <a:t>3- É incrível que seja possível criar aplicativos desktop utilizando somente</a:t>
-            </a:r>
-            <a:r>
-              <a:rPr lang="pt-PT" sz="1100" baseline="0" dirty="0"/>
-              <a:t> ferramenta web. São mais fáceis de aprender e dá a possibilidade de web </a:t>
-            </a:r>
-            <a:r>
-              <a:rPr lang="pt-PT" sz="1100" baseline="0" dirty="0" err="1"/>
-              <a:t>developers</a:t>
-            </a:r>
-            <a:r>
-              <a:rPr lang="pt-PT" sz="1100" baseline="0" dirty="0"/>
-              <a:t> de criar aplicações poderosas.</a:t>
-            </a:r>
-          </a:p>
-          <a:p>
-            <a:r>
-              <a:rPr lang="pt-PT" sz="1100" baseline="0" dirty="0"/>
-              <a:t>4- Enquanto as aplicações web apenas podem fazer download para o sistema de arquivo do computador, aplicações </a:t>
-            </a:r>
-            <a:r>
-              <a:rPr lang="pt-PT" sz="1100" baseline="0" dirty="0" err="1"/>
-              <a:t>Electron</a:t>
-            </a:r>
-            <a:r>
-              <a:rPr lang="pt-PT" sz="1100" baseline="0" dirty="0"/>
-              <a:t> podem aceder a todo o sistema de arquivo, ler e gravar dado.</a:t>
-            </a:r>
-          </a:p>
-          <a:p>
-            <a:r>
-              <a:rPr lang="pt-PT" sz="1100" baseline="0" dirty="0"/>
-              <a:t>5- Grande parte dos clientes não vai voltar para o site para fazer download das novas atualizações da aplicação, por isso se deve implementar algum tipo de atualização automática.</a:t>
-            </a:r>
+              <a:t>In web </a:t>
+            </a:r>
+            <a:r>
+              <a:rPr lang="pt-PT" sz="1100" dirty="0" err="1"/>
+              <a:t>pages</a:t>
+            </a:r>
+            <a:r>
+              <a:rPr lang="pt-PT" sz="1100" dirty="0"/>
+              <a:t>, </a:t>
+            </a:r>
+            <a:r>
+              <a:rPr lang="pt-PT" sz="1100" dirty="0" err="1"/>
+              <a:t>calling</a:t>
+            </a:r>
+            <a:r>
+              <a:rPr lang="pt-PT" sz="1100" dirty="0"/>
+              <a:t> </a:t>
+            </a:r>
+            <a:r>
+              <a:rPr lang="pt-PT" sz="1100" dirty="0" err="1"/>
+              <a:t>native</a:t>
+            </a:r>
+            <a:r>
+              <a:rPr lang="pt-PT" sz="1100" dirty="0"/>
+              <a:t> GUI </a:t>
+            </a:r>
+            <a:r>
+              <a:rPr lang="pt-PT" sz="1100" dirty="0" err="1"/>
+              <a:t>related</a:t>
+            </a:r>
+            <a:r>
+              <a:rPr lang="pt-PT" sz="1100" dirty="0"/>
+              <a:t> </a:t>
+            </a:r>
+            <a:r>
+              <a:rPr lang="pt-PT" sz="1100" dirty="0" err="1"/>
+              <a:t>APIs</a:t>
+            </a:r>
+            <a:r>
+              <a:rPr lang="pt-PT" sz="1100" dirty="0"/>
+              <a:t> </a:t>
+            </a:r>
+            <a:r>
+              <a:rPr lang="pt-PT" sz="1100" dirty="0" err="1"/>
+              <a:t>is</a:t>
+            </a:r>
+            <a:r>
+              <a:rPr lang="pt-PT" sz="1100" dirty="0"/>
+              <a:t> </a:t>
+            </a:r>
+            <a:r>
+              <a:rPr lang="pt-PT" sz="1100" dirty="0" err="1"/>
+              <a:t>not</a:t>
+            </a:r>
+            <a:r>
+              <a:rPr lang="pt-PT" sz="1100" dirty="0"/>
+              <a:t> </a:t>
+            </a:r>
+            <a:r>
+              <a:rPr lang="pt-PT" sz="1100" dirty="0" err="1"/>
+              <a:t>allowed</a:t>
+            </a:r>
+            <a:r>
+              <a:rPr lang="pt-PT" sz="1100" dirty="0"/>
+              <a:t> </a:t>
+            </a:r>
+            <a:r>
+              <a:rPr lang="pt-PT" sz="1100" dirty="0" err="1"/>
+              <a:t>because</a:t>
+            </a:r>
+            <a:r>
+              <a:rPr lang="pt-PT" sz="1100" dirty="0"/>
+              <a:t> </a:t>
+            </a:r>
+            <a:r>
+              <a:rPr lang="pt-PT" sz="1100" dirty="0" err="1"/>
+              <a:t>managign</a:t>
+            </a:r>
+            <a:r>
+              <a:rPr lang="pt-PT" sz="1100" dirty="0"/>
+              <a:t> </a:t>
+            </a:r>
+            <a:r>
+              <a:rPr lang="pt-PT" sz="1100" dirty="0" err="1"/>
+              <a:t>native</a:t>
+            </a:r>
+            <a:r>
+              <a:rPr lang="pt-PT" sz="1100" dirty="0"/>
+              <a:t> GUI </a:t>
+            </a:r>
+            <a:r>
+              <a:rPr lang="pt-PT" sz="1100" dirty="0" err="1"/>
+              <a:t>resources</a:t>
+            </a:r>
+            <a:r>
+              <a:rPr lang="pt-PT" sz="1100" dirty="0"/>
+              <a:t> in web </a:t>
+            </a:r>
+            <a:r>
+              <a:rPr lang="pt-PT" sz="1100" dirty="0" err="1"/>
+              <a:t>pages</a:t>
+            </a:r>
+            <a:r>
+              <a:rPr lang="pt-PT" sz="1100" dirty="0"/>
+              <a:t> </a:t>
+            </a:r>
+            <a:r>
+              <a:rPr lang="pt-PT" sz="1100" dirty="0" err="1"/>
+              <a:t>is</a:t>
+            </a:r>
+            <a:r>
+              <a:rPr lang="pt-PT" sz="1100" dirty="0"/>
+              <a:t> </a:t>
+            </a:r>
+            <a:r>
+              <a:rPr lang="pt-PT" sz="1100" dirty="0" err="1"/>
+              <a:t>very</a:t>
+            </a:r>
+            <a:r>
+              <a:rPr lang="pt-PT" sz="1100" dirty="0"/>
+              <a:t> </a:t>
+            </a:r>
+            <a:r>
+              <a:rPr lang="pt-PT" sz="1100" dirty="0" err="1"/>
+              <a:t>dangerous</a:t>
+            </a:r>
+            <a:r>
+              <a:rPr lang="pt-PT" sz="1100" dirty="0"/>
+              <a:t> </a:t>
+            </a:r>
+            <a:r>
+              <a:rPr lang="pt-PT" sz="1100" dirty="0" err="1"/>
+              <a:t>and</a:t>
+            </a:r>
+            <a:r>
+              <a:rPr lang="pt-PT" sz="1100" dirty="0"/>
+              <a:t> </a:t>
+            </a:r>
+            <a:r>
+              <a:rPr lang="pt-PT" sz="1100" dirty="0" err="1"/>
+              <a:t>it</a:t>
+            </a:r>
+            <a:r>
+              <a:rPr lang="pt-PT" sz="1100" dirty="0"/>
+              <a:t> </a:t>
+            </a:r>
+            <a:r>
+              <a:rPr lang="pt-PT" sz="1100" dirty="0" err="1"/>
+              <a:t>is</a:t>
+            </a:r>
+            <a:r>
+              <a:rPr lang="pt-PT" sz="1100" dirty="0"/>
+              <a:t> </a:t>
+            </a:r>
+            <a:r>
+              <a:rPr lang="pt-PT" sz="1100" dirty="0" err="1"/>
+              <a:t>easy</a:t>
+            </a:r>
+            <a:r>
+              <a:rPr lang="pt-PT" sz="1100" dirty="0"/>
+              <a:t> to </a:t>
+            </a:r>
+            <a:r>
+              <a:rPr lang="pt-PT" sz="1100" dirty="0" err="1"/>
+              <a:t>leak</a:t>
+            </a:r>
+            <a:r>
+              <a:rPr lang="pt-PT" sz="1100" dirty="0"/>
+              <a:t> </a:t>
+            </a:r>
+            <a:r>
+              <a:rPr lang="pt-PT" sz="1100" dirty="0" err="1"/>
+              <a:t>resources</a:t>
+            </a:r>
+            <a:r>
+              <a:rPr lang="pt-PT" sz="1100" dirty="0"/>
+              <a:t>. To </a:t>
+            </a:r>
+            <a:r>
+              <a:rPr lang="pt-PT" sz="1100" dirty="0" err="1"/>
+              <a:t>perform</a:t>
+            </a:r>
+            <a:r>
+              <a:rPr lang="pt-PT" sz="1100" dirty="0"/>
+              <a:t> GUI </a:t>
+            </a:r>
+            <a:r>
+              <a:rPr lang="pt-PT" sz="1100" dirty="0" err="1"/>
+              <a:t>operations</a:t>
+            </a:r>
+            <a:r>
+              <a:rPr lang="pt-PT" sz="1100" dirty="0"/>
+              <a:t> in a web </a:t>
+            </a:r>
+            <a:r>
+              <a:rPr lang="pt-PT" sz="1100" dirty="0" err="1"/>
+              <a:t>page</a:t>
+            </a:r>
+            <a:r>
+              <a:rPr lang="pt-PT" sz="1100" dirty="0"/>
+              <a:t>, </a:t>
+            </a:r>
+            <a:r>
+              <a:rPr lang="pt-PT" sz="1100" dirty="0" err="1"/>
+              <a:t>the</a:t>
+            </a:r>
+            <a:r>
+              <a:rPr lang="pt-PT" sz="1100" dirty="0"/>
+              <a:t> render </a:t>
+            </a:r>
+            <a:r>
+              <a:rPr lang="pt-PT" sz="1100" dirty="0" err="1"/>
+              <a:t>process</a:t>
+            </a:r>
+            <a:r>
+              <a:rPr lang="pt-PT" sz="1100" dirty="0"/>
+              <a:t> </a:t>
+            </a:r>
+            <a:r>
+              <a:rPr lang="pt-PT" sz="1100" dirty="0" err="1"/>
+              <a:t>of</a:t>
+            </a:r>
+            <a:r>
+              <a:rPr lang="pt-PT" sz="1100" dirty="0"/>
+              <a:t> </a:t>
+            </a:r>
+            <a:r>
+              <a:rPr lang="pt-PT" sz="1100" dirty="0" err="1"/>
+              <a:t>the</a:t>
+            </a:r>
+            <a:r>
+              <a:rPr lang="pt-PT" sz="1100" dirty="0"/>
+              <a:t> web </a:t>
+            </a:r>
+            <a:r>
+              <a:rPr lang="pt-PT" sz="1100" dirty="0" err="1"/>
+              <a:t>page</a:t>
+            </a:r>
+            <a:r>
+              <a:rPr lang="pt-PT" sz="1100" dirty="0"/>
+              <a:t> must </a:t>
+            </a:r>
+            <a:r>
+              <a:rPr lang="pt-PT" sz="1100" dirty="0" err="1"/>
+              <a:t>communicate</a:t>
+            </a:r>
+            <a:r>
+              <a:rPr lang="pt-PT" sz="1100" dirty="0"/>
+              <a:t> </a:t>
+            </a:r>
+            <a:r>
+              <a:rPr lang="pt-PT" sz="1100" dirty="0" err="1"/>
+              <a:t>with</a:t>
+            </a:r>
+            <a:r>
+              <a:rPr lang="pt-PT" sz="1100" dirty="0"/>
+              <a:t> </a:t>
+            </a:r>
+            <a:r>
+              <a:rPr lang="pt-PT" sz="1100" dirty="0" err="1"/>
+              <a:t>the</a:t>
+            </a:r>
+            <a:r>
+              <a:rPr lang="pt-PT" sz="1100" dirty="0"/>
+              <a:t> </a:t>
+            </a:r>
+            <a:r>
+              <a:rPr lang="pt-PT" sz="1100" dirty="0" err="1"/>
+              <a:t>main</a:t>
+            </a:r>
+            <a:r>
+              <a:rPr lang="pt-PT" sz="1100" dirty="0"/>
+              <a:t> </a:t>
+            </a:r>
+            <a:r>
+              <a:rPr lang="pt-PT" sz="1100" dirty="0" err="1"/>
+              <a:t>process</a:t>
+            </a:r>
+            <a:r>
+              <a:rPr lang="pt-PT" sz="1100" dirty="0"/>
+              <a:t> to </a:t>
+            </a:r>
+            <a:r>
+              <a:rPr lang="pt-PT" sz="1100" dirty="0" err="1"/>
+              <a:t>request</a:t>
+            </a:r>
+            <a:r>
+              <a:rPr lang="pt-PT" sz="1100" dirty="0"/>
+              <a:t> </a:t>
+            </a:r>
+            <a:r>
+              <a:rPr lang="pt-PT" sz="1100" dirty="0" err="1"/>
+              <a:t>that</a:t>
+            </a:r>
+            <a:r>
+              <a:rPr lang="pt-PT" sz="1100" dirty="0"/>
+              <a:t> </a:t>
+            </a:r>
+            <a:r>
+              <a:rPr lang="pt-PT" sz="1100" dirty="0" err="1"/>
+              <a:t>the</a:t>
+            </a:r>
+            <a:r>
+              <a:rPr lang="pt-PT" sz="1100" dirty="0"/>
+              <a:t> </a:t>
+            </a:r>
+            <a:r>
+              <a:rPr lang="pt-PT" sz="1100" dirty="0" err="1"/>
+              <a:t>main</a:t>
+            </a:r>
+            <a:r>
+              <a:rPr lang="pt-PT" sz="1100" dirty="0"/>
+              <a:t> </a:t>
+            </a:r>
+            <a:r>
+              <a:rPr lang="pt-PT" sz="1100" dirty="0" err="1"/>
+              <a:t>process</a:t>
+            </a:r>
+            <a:r>
+              <a:rPr lang="pt-PT" sz="1100" dirty="0"/>
+              <a:t> </a:t>
+            </a:r>
+            <a:r>
+              <a:rPr lang="pt-PT" sz="1100" dirty="0" err="1"/>
+              <a:t>perform</a:t>
+            </a:r>
+            <a:r>
+              <a:rPr lang="pt-PT" sz="1100" dirty="0"/>
+              <a:t> </a:t>
+            </a:r>
+            <a:r>
+              <a:rPr lang="pt-PT" sz="1100" dirty="0" err="1"/>
+              <a:t>those</a:t>
+            </a:r>
+            <a:r>
+              <a:rPr lang="pt-PT" sz="1100" dirty="0"/>
+              <a:t> </a:t>
+            </a:r>
+            <a:r>
+              <a:rPr lang="pt-PT" sz="1100" dirty="0" err="1"/>
+              <a:t>operations</a:t>
+            </a:r>
+            <a:r>
+              <a:rPr lang="pt-PT" sz="1100" dirty="0"/>
+              <a:t>.</a:t>
+            </a:r>
+          </a:p>
+          <a:p>
+            <a:pPr marL="0" marR="0" lvl="0" indent="0" algn="just" defTabSz="914400" rtl="0" eaLnBrk="1" fontAlgn="auto" latinLnBrk="0" hangingPunct="1">
+              <a:lnSpc>
+                <a:spcPct val="100000"/>
+              </a:lnSpc>
+              <a:spcBef>
+                <a:spcPts val="0"/>
+              </a:spcBef>
+              <a:spcAft>
+                <a:spcPts val="0"/>
+              </a:spcAft>
+              <a:buClrTx/>
+              <a:buSzTx/>
+              <a:buFontTx/>
+              <a:buNone/>
+              <a:tabLst/>
+              <a:defRPr/>
+            </a:pPr>
+            <a:endParaRPr lang="pt-PT" sz="1100" dirty="0"/>
+          </a:p>
+          <a:p>
+            <a:pPr marL="0" marR="0" lvl="0" indent="0" algn="just" defTabSz="914400" rtl="0" eaLnBrk="1" fontAlgn="auto" latinLnBrk="0" hangingPunct="1">
+              <a:lnSpc>
+                <a:spcPct val="100000"/>
+              </a:lnSpc>
+              <a:spcBef>
+                <a:spcPts val="0"/>
+              </a:spcBef>
+              <a:spcAft>
+                <a:spcPts val="0"/>
+              </a:spcAft>
+              <a:buClrTx/>
+              <a:buSzTx/>
+              <a:buFontTx/>
+              <a:buNone/>
+              <a:tabLst/>
+              <a:defRPr/>
+            </a:pPr>
+            <a:r>
+              <a:rPr lang="pt-PT" sz="1100" dirty="0" err="1"/>
+              <a:t>Blink</a:t>
+            </a:r>
+            <a:r>
+              <a:rPr lang="pt-PT" sz="1100" dirty="0"/>
+              <a:t> (</a:t>
+            </a:r>
+            <a:r>
+              <a:rPr lang="pt-PT" sz="1100" dirty="0" err="1"/>
+              <a:t>Chrombrowseriun</a:t>
+            </a:r>
+            <a:r>
+              <a:rPr lang="pt-PT" sz="1100" dirty="0"/>
+              <a:t> </a:t>
+            </a:r>
+            <a:r>
+              <a:rPr lang="pt-PT" sz="1100" dirty="0" err="1"/>
+              <a:t>engine</a:t>
+            </a:r>
+            <a:r>
+              <a:rPr lang="pt-PT" sz="1100" dirty="0"/>
+              <a:t>)</a:t>
+            </a:r>
+          </a:p>
+          <a:p>
+            <a:pPr marL="0" marR="0" lvl="0" indent="0" algn="just" defTabSz="914400" rtl="0" eaLnBrk="1" fontAlgn="auto" latinLnBrk="0" hangingPunct="1">
+              <a:lnSpc>
+                <a:spcPct val="100000"/>
+              </a:lnSpc>
+              <a:spcBef>
+                <a:spcPts val="0"/>
+              </a:spcBef>
+              <a:spcAft>
+                <a:spcPts val="0"/>
+              </a:spcAft>
+              <a:buClrTx/>
+              <a:buSzTx/>
+              <a:buFontTx/>
+              <a:buNone/>
+              <a:tabLst/>
+              <a:defRPr/>
+            </a:pPr>
+            <a:r>
+              <a:rPr lang="pt-PT" sz="1100" dirty="0"/>
+              <a:t>V8 (JavaScript </a:t>
+            </a:r>
+            <a:r>
+              <a:rPr lang="pt-PT" sz="1100" dirty="0" err="1"/>
+              <a:t>engine</a:t>
+            </a:r>
+            <a:r>
+              <a:rPr lang="pt-PT" sz="1100" dirty="0"/>
+              <a:t>) -&gt; </a:t>
+            </a:r>
+            <a:r>
+              <a:rPr lang="pt-PT" sz="1100" dirty="0" err="1"/>
+              <a:t>written</a:t>
+            </a:r>
+            <a:r>
+              <a:rPr lang="pt-PT" sz="1100" dirty="0"/>
+              <a:t> in C++, </a:t>
+            </a:r>
+            <a:r>
+              <a:rPr lang="pt-PT" sz="1100" dirty="0" err="1"/>
+              <a:t>implements</a:t>
+            </a:r>
+            <a:r>
+              <a:rPr lang="pt-PT" sz="1100" dirty="0"/>
+              <a:t> </a:t>
+            </a:r>
+            <a:r>
+              <a:rPr lang="pt-PT" sz="1100" dirty="0" err="1"/>
+              <a:t>ECMAscript</a:t>
+            </a:r>
+            <a:r>
+              <a:rPr lang="pt-PT" sz="1100" dirty="0"/>
+              <a:t> </a:t>
+            </a:r>
+            <a:r>
+              <a:rPr lang="pt-PT" sz="1100" dirty="0" err="1"/>
+              <a:t>and</a:t>
+            </a:r>
+            <a:r>
+              <a:rPr lang="pt-PT" sz="1100" dirty="0"/>
+              <a:t> </a:t>
+            </a:r>
+            <a:r>
+              <a:rPr lang="pt-PT" sz="1100" dirty="0" err="1"/>
+              <a:t>WebAssembly</a:t>
+            </a:r>
+            <a:endParaRPr lang="pt-PT" sz="1100" dirty="0"/>
+          </a:p>
+          <a:p>
+            <a:endParaRPr lang="pt-PT" dirty="0"/>
           </a:p>
         </p:txBody>
       </p:sp>
@@ -1370,7 +1757,7 @@
             <a:fld id="{FC77E7C4-E54C-465D-ABEB-E0CB3A6B840B}" type="slidenum">
               <a:rPr lang="pt-PT" smtClean="0"/>
               <a:pPr/>
-              <a:t>14</a:t>
+              <a:t>13</a:t>
             </a:fld>
             <a:endParaRPr lang="pt-PT"/>
           </a:p>
@@ -1379,7 +1766,7 @@
     </p:spTree>
     <p:extLst>
       <p:ext uri="{BB962C8B-B14F-4D97-AF65-F5344CB8AC3E}">
-        <p14:creationId xmlns:p14="http://schemas.microsoft.com/office/powerpoint/2010/main" val="4291768620"/>
+        <p14:creationId xmlns:p14="http://schemas.microsoft.com/office/powerpoint/2010/main" val="2457170372"/>
       </p:ext>
     </p:extLst>
   </p:cSld>
@@ -1434,178 +1821,86 @@
           <a:lstStyle/>
           <a:p>
             <a:r>
-              <a:rPr lang="en-US" sz="1200" b="0" i="0" kern="1200" dirty="0">
-                <a:solidFill>
-                  <a:schemeClr val="tx1"/>
-                </a:solidFill>
-                <a:latin typeface="+mn-lt"/>
-                <a:ea typeface="+mn-ea"/>
-                <a:cs typeface="+mn-cs"/>
-              </a:rPr>
-              <a:t>In computer</a:t>
-            </a:r>
-            <a:r>
-              <a:rPr lang="en-US" sz="1200" b="0" i="0" kern="1200" baseline="0" dirty="0">
-                <a:solidFill>
-                  <a:schemeClr val="tx1"/>
-                </a:solidFill>
-                <a:latin typeface="+mn-lt"/>
-                <a:ea typeface="+mn-ea"/>
-                <a:cs typeface="+mn-cs"/>
-              </a:rPr>
-              <a:t> science</a:t>
-            </a:r>
-            <a:r>
-              <a:rPr lang="en-US" sz="1200" b="0" i="0" kern="1200" dirty="0">
-                <a:solidFill>
-                  <a:schemeClr val="tx1"/>
-                </a:solidFill>
-                <a:latin typeface="+mn-lt"/>
-                <a:ea typeface="+mn-ea"/>
-                <a:cs typeface="+mn-cs"/>
-              </a:rPr>
-              <a:t>, </a:t>
-            </a:r>
-            <a:r>
-              <a:rPr lang="en-US" sz="1200" b="1" i="0" kern="1200" dirty="0">
-                <a:solidFill>
-                  <a:schemeClr val="tx1"/>
-                </a:solidFill>
-                <a:latin typeface="+mn-lt"/>
-                <a:ea typeface="+mn-ea"/>
-                <a:cs typeface="+mn-cs"/>
-              </a:rPr>
-              <a:t>overhead</a:t>
-            </a:r>
-            <a:r>
-              <a:rPr lang="en-US" sz="1200" b="0" i="0" kern="1200" dirty="0">
-                <a:solidFill>
-                  <a:schemeClr val="tx1"/>
-                </a:solidFill>
-                <a:latin typeface="+mn-lt"/>
-                <a:ea typeface="+mn-ea"/>
-                <a:cs typeface="+mn-cs"/>
-              </a:rPr>
-              <a:t> is any combination of excess or indirect computation time, memory, bandwidth, or other resources that are required to perform a specific </a:t>
-            </a:r>
-            <a:r>
-              <a:rPr lang="en-US" sz="1200" b="0" i="0" u="none" strike="noStrike" kern="1200" dirty="0">
-                <a:solidFill>
-                  <a:schemeClr val="tx1"/>
-                </a:solidFill>
-                <a:latin typeface="+mn-lt"/>
-                <a:ea typeface="+mn-ea"/>
-                <a:cs typeface="+mn-cs"/>
-              </a:rPr>
-              <a:t>task.</a:t>
-            </a:r>
-            <a:endParaRPr lang="pt-PT" dirty="0"/>
-          </a:p>
-          <a:p>
-            <a:endParaRPr lang="pt-PT" dirty="0"/>
-          </a:p>
-          <a:p>
-            <a:r>
-              <a:rPr lang="pt-PT" dirty="0"/>
-              <a:t>1- Todas</a:t>
-            </a:r>
-            <a:r>
-              <a:rPr lang="pt-PT" baseline="0" dirty="0"/>
-              <a:t> as aplicações têm a sua versão do </a:t>
-            </a:r>
-            <a:r>
-              <a:rPr lang="pt-PT" baseline="0" dirty="0" err="1"/>
-              <a:t>Chromium</a:t>
-            </a:r>
-            <a:r>
-              <a:rPr lang="pt-PT" baseline="0" dirty="0"/>
-              <a:t> (que tem praticamente composto por 20 milhões de linhas de código), o que significa que uma simples aplicação tipo “</a:t>
-            </a:r>
-            <a:r>
-              <a:rPr lang="pt-PT" baseline="0" dirty="0" err="1"/>
-              <a:t>Hello</a:t>
-            </a:r>
-            <a:r>
-              <a:rPr lang="pt-PT" baseline="0" dirty="0"/>
-              <a:t> </a:t>
-            </a:r>
-            <a:r>
-              <a:rPr lang="pt-PT" baseline="0" dirty="0" err="1"/>
-              <a:t>World</a:t>
-            </a:r>
-            <a:r>
-              <a:rPr lang="pt-PT" baseline="0" dirty="0"/>
-              <a:t>!” no </a:t>
-            </a:r>
-            <a:r>
-              <a:rPr lang="pt-PT" baseline="0" dirty="0" err="1"/>
+              <a:rPr lang="pt-PT" sz="1100" dirty="0"/>
+              <a:t>1- Uma aplicação </a:t>
+            </a:r>
+            <a:r>
+              <a:rPr lang="pt-PT" sz="1100" dirty="0" err="1"/>
               <a:t>Electron</a:t>
             </a:r>
             <a:r>
-              <a:rPr lang="pt-PT" baseline="0" dirty="0"/>
-              <a:t> ocuparia 100mb de espaço.</a:t>
-            </a:r>
-          </a:p>
-          <a:p>
-            <a:r>
-              <a:rPr lang="pt-PT" baseline="0" dirty="0"/>
-              <a:t>2- Como as aplicações web são executadas em </a:t>
-            </a:r>
-            <a:r>
-              <a:rPr lang="pt-PT" baseline="0" dirty="0" err="1"/>
-              <a:t>Chromium</a:t>
-            </a:r>
-            <a:r>
-              <a:rPr lang="pt-PT" baseline="0" dirty="0"/>
-              <a:t> </a:t>
-            </a:r>
-            <a:r>
-              <a:rPr lang="pt-PT" baseline="0" dirty="0" err="1"/>
-              <a:t>engine</a:t>
-            </a:r>
-            <a:r>
-              <a:rPr lang="pt-PT" baseline="0" dirty="0"/>
-              <a:t> podem estar vulneráveis a ataques de web comuns, como cross-site </a:t>
-            </a:r>
-            <a:r>
-              <a:rPr lang="pt-PT" baseline="0" dirty="0" err="1"/>
-              <a:t>scripting</a:t>
-            </a:r>
-            <a:r>
-              <a:rPr lang="pt-PT" baseline="0" dirty="0"/>
-              <a:t> (em algumas versões de </a:t>
-            </a:r>
-            <a:r>
-              <a:rPr lang="pt-PT" baseline="0" dirty="0" err="1"/>
+              <a:rPr lang="pt-PT" sz="1100" baseline="0" dirty="0"/>
+              <a:t> é executada </a:t>
+            </a:r>
+            <a:r>
+              <a:rPr lang="pt-PT" sz="1100" baseline="0" dirty="0" err="1"/>
+              <a:t>independemente</a:t>
+            </a:r>
+            <a:r>
+              <a:rPr lang="pt-PT" sz="1100" baseline="0" dirty="0"/>
+              <a:t> do sistema operativo utilizado.</a:t>
+            </a:r>
+          </a:p>
+          <a:p>
+            <a:r>
+              <a:rPr lang="pt-PT" sz="1100" baseline="0" dirty="0"/>
+              <a:t>2- É menor porque os desenvolvedores não precisam de programar em várias SO ou browsers.</a:t>
+            </a:r>
+            <a:endParaRPr lang="pt-PT" sz="1100" dirty="0"/>
+          </a:p>
+          <a:p>
+            <a:r>
+              <a:rPr lang="pt-PT" sz="1100" dirty="0"/>
+              <a:t>3- É incrível que seja possível criar aplicativos desktop utilizando somente</a:t>
+            </a:r>
+            <a:r>
+              <a:rPr lang="pt-PT" sz="1100" baseline="0" dirty="0"/>
+              <a:t> ferramenta web. São mais fáceis de aprender e dá a possibilidade de web </a:t>
+            </a:r>
+            <a:r>
+              <a:rPr lang="pt-PT" sz="1100" baseline="0" dirty="0" err="1"/>
+              <a:t>developers</a:t>
+            </a:r>
+            <a:r>
+              <a:rPr lang="pt-PT" sz="1100" baseline="0" dirty="0"/>
+              <a:t> de criar aplicações poderosas.</a:t>
+            </a:r>
+          </a:p>
+          <a:p>
+            <a:r>
+              <a:rPr lang="pt-PT" sz="1100" baseline="0" dirty="0"/>
+              <a:t>4- Enquanto as aplicações web apenas podem fazer download para o computador, as aplicações </a:t>
+            </a:r>
+            <a:r>
+              <a:rPr lang="pt-PT" sz="1100" baseline="0" dirty="0" err="1"/>
               <a:t>Electron</a:t>
             </a:r>
             <a:r>
-              <a:rPr lang="pt-PT" baseline="0" dirty="0"/>
-              <a:t>).</a:t>
-            </a:r>
-          </a:p>
-          <a:p>
-            <a:r>
-              <a:rPr lang="pt-PT" baseline="0" dirty="0"/>
-              <a:t>3- O </a:t>
-            </a:r>
-            <a:r>
-              <a:rPr lang="pt-PT" baseline="0" dirty="0" err="1"/>
-              <a:t>Electron</a:t>
-            </a:r>
-            <a:r>
-              <a:rPr lang="pt-PT" baseline="0" dirty="0"/>
-              <a:t> empacota o código num único ficheiro ASAR, onde é relativamente fácil de extrair o código fonte, uma vez que o </a:t>
-            </a:r>
-            <a:r>
-              <a:rPr lang="pt-PT" baseline="0" dirty="0" err="1"/>
-              <a:t>JavaScript</a:t>
-            </a:r>
-            <a:r>
-              <a:rPr lang="pt-PT" baseline="0" dirty="0"/>
-              <a:t> nunca foi feito para ocultar código. É possível proteger o código mas com custo significativo de perda de desempenho.</a:t>
-            </a:r>
-            <a:endParaRPr lang="pt-PT" dirty="0"/>
+              <a:rPr lang="pt-PT" sz="1100" baseline="0" dirty="0"/>
+              <a:t> podem aceder a todo o </a:t>
+            </a:r>
+            <a:r>
+              <a:rPr lang="pt-PT" sz="1100" i="1" baseline="0" dirty="0"/>
+              <a:t>“file </a:t>
+            </a:r>
+            <a:r>
+              <a:rPr lang="pt-PT" sz="1100" i="1" baseline="0" dirty="0" err="1"/>
+              <a:t>system</a:t>
+            </a:r>
+            <a:r>
+              <a:rPr lang="pt-PT" sz="1100" i="1" baseline="0" dirty="0"/>
+              <a:t>”, </a:t>
+            </a:r>
+            <a:r>
+              <a:rPr lang="pt-PT" sz="1100" baseline="0" dirty="0"/>
+              <a:t>ler e gravar dados.</a:t>
+            </a:r>
+          </a:p>
+          <a:p>
+            <a:r>
+              <a:rPr lang="pt-PT" sz="1100" baseline="0" dirty="0"/>
+              <a:t>5- Grande parte dos clientes não vai voltar para o site para fazer download das novas atualizações da aplicação, por isso se deve implementar algum tipo de atualização automática.</a:t>
+            </a:r>
           </a:p>
         </p:txBody>
       </p:sp>
@@ -1627,7 +1922,7 @@
             <a:fld id="{FC77E7C4-E54C-465D-ABEB-E0CB3A6B840B}" type="slidenum">
               <a:rPr lang="pt-PT" smtClean="0"/>
               <a:pPr/>
-              <a:t>15</a:t>
+              <a:t>14</a:t>
             </a:fld>
             <a:endParaRPr lang="pt-PT"/>
           </a:p>
@@ -1691,6 +1986,263 @@
           <a:lstStyle/>
           <a:p>
             <a:r>
+              <a:rPr lang="en-US" sz="1200" b="0" i="0" kern="1200" dirty="0">
+                <a:solidFill>
+                  <a:schemeClr val="tx1"/>
+                </a:solidFill>
+                <a:latin typeface="+mn-lt"/>
+                <a:ea typeface="+mn-ea"/>
+                <a:cs typeface="+mn-cs"/>
+              </a:rPr>
+              <a:t>In computer</a:t>
+            </a:r>
+            <a:r>
+              <a:rPr lang="en-US" sz="1200" b="0" i="0" kern="1200" baseline="0" dirty="0">
+                <a:solidFill>
+                  <a:schemeClr val="tx1"/>
+                </a:solidFill>
+                <a:latin typeface="+mn-lt"/>
+                <a:ea typeface="+mn-ea"/>
+                <a:cs typeface="+mn-cs"/>
+              </a:rPr>
+              <a:t> science</a:t>
+            </a:r>
+            <a:r>
+              <a:rPr lang="en-US" sz="1200" b="0" i="0" kern="1200" dirty="0">
+                <a:solidFill>
+                  <a:schemeClr val="tx1"/>
+                </a:solidFill>
+                <a:latin typeface="+mn-lt"/>
+                <a:ea typeface="+mn-ea"/>
+                <a:cs typeface="+mn-cs"/>
+              </a:rPr>
+              <a:t>, </a:t>
+            </a:r>
+            <a:r>
+              <a:rPr lang="en-US" sz="1200" b="1" i="0" kern="1200" dirty="0">
+                <a:solidFill>
+                  <a:schemeClr val="tx1"/>
+                </a:solidFill>
+                <a:latin typeface="+mn-lt"/>
+                <a:ea typeface="+mn-ea"/>
+                <a:cs typeface="+mn-cs"/>
+              </a:rPr>
+              <a:t>overhead</a:t>
+            </a:r>
+            <a:r>
+              <a:rPr lang="en-US" sz="1200" b="0" i="0" kern="1200" dirty="0">
+                <a:solidFill>
+                  <a:schemeClr val="tx1"/>
+                </a:solidFill>
+                <a:latin typeface="+mn-lt"/>
+                <a:ea typeface="+mn-ea"/>
+                <a:cs typeface="+mn-cs"/>
+              </a:rPr>
+              <a:t> is any combination of excess or indirect computation time, memory, bandwidth, or other resources that are required to perform a specific </a:t>
+            </a:r>
+            <a:r>
+              <a:rPr lang="en-US" sz="1200" b="0" i="0" u="none" strike="noStrike" kern="1200" dirty="0">
+                <a:solidFill>
+                  <a:schemeClr val="tx1"/>
+                </a:solidFill>
+                <a:latin typeface="+mn-lt"/>
+                <a:ea typeface="+mn-ea"/>
+                <a:cs typeface="+mn-cs"/>
+              </a:rPr>
+              <a:t>task.</a:t>
+            </a:r>
+            <a:endParaRPr lang="pt-PT" dirty="0"/>
+          </a:p>
+          <a:p>
+            <a:endParaRPr lang="pt-PT" dirty="0"/>
+          </a:p>
+          <a:p>
+            <a:r>
+              <a:rPr lang="pt-PT" dirty="0"/>
+              <a:t>1- Todas</a:t>
+            </a:r>
+            <a:r>
+              <a:rPr lang="pt-PT" baseline="0" dirty="0"/>
+              <a:t> as aplicações têm a sua versão do </a:t>
+            </a:r>
+            <a:r>
+              <a:rPr lang="pt-PT" baseline="0" dirty="0" err="1"/>
+              <a:t>Chromium</a:t>
+            </a:r>
+            <a:r>
+              <a:rPr lang="pt-PT" baseline="0" dirty="0"/>
+              <a:t> (que tem praticamente composto por 20 milhões de linhas de código), o que significa que uma simples aplicação tipo “</a:t>
+            </a:r>
+            <a:r>
+              <a:rPr lang="pt-PT" baseline="0" dirty="0" err="1"/>
+              <a:t>Hello</a:t>
+            </a:r>
+            <a:r>
+              <a:rPr lang="pt-PT" baseline="0" dirty="0"/>
+              <a:t> </a:t>
+            </a:r>
+            <a:r>
+              <a:rPr lang="pt-PT" baseline="0" dirty="0" err="1"/>
+              <a:t>World</a:t>
+            </a:r>
+            <a:r>
+              <a:rPr lang="pt-PT" baseline="0" dirty="0"/>
+              <a:t>!” no </a:t>
+            </a:r>
+            <a:r>
+              <a:rPr lang="pt-PT" baseline="0" dirty="0" err="1"/>
+              <a:t>Electron</a:t>
+            </a:r>
+            <a:r>
+              <a:rPr lang="pt-PT" baseline="0" dirty="0"/>
+              <a:t> ocuparia 100mb de espaço.</a:t>
+            </a:r>
+          </a:p>
+          <a:p>
+            <a:r>
+              <a:rPr lang="pt-PT" baseline="0" dirty="0"/>
+              <a:t>2- Como as aplicações web são executadas em </a:t>
+            </a:r>
+            <a:r>
+              <a:rPr lang="pt-PT" baseline="0" dirty="0" err="1"/>
+              <a:t>Chromium</a:t>
+            </a:r>
+            <a:r>
+              <a:rPr lang="pt-PT" baseline="0" dirty="0"/>
+              <a:t> </a:t>
+            </a:r>
+            <a:r>
+              <a:rPr lang="pt-PT" baseline="0" dirty="0" err="1"/>
+              <a:t>engine</a:t>
+            </a:r>
+            <a:r>
+              <a:rPr lang="pt-PT" baseline="0" dirty="0"/>
+              <a:t> podem estar vulneráveis a ataques de web comuns, como cross-site </a:t>
+            </a:r>
+            <a:r>
+              <a:rPr lang="pt-PT" baseline="0" dirty="0" err="1"/>
+              <a:t>scripting</a:t>
+            </a:r>
+            <a:r>
+              <a:rPr lang="pt-PT" baseline="0" dirty="0"/>
+              <a:t> (em algumas versões de </a:t>
+            </a:r>
+            <a:r>
+              <a:rPr lang="pt-PT" baseline="0" dirty="0" err="1"/>
+              <a:t>Electron</a:t>
+            </a:r>
+            <a:r>
+              <a:rPr lang="pt-PT" baseline="0" dirty="0"/>
+              <a:t>).</a:t>
+            </a:r>
+          </a:p>
+          <a:p>
+            <a:r>
+              <a:rPr lang="pt-PT" baseline="0" dirty="0"/>
+              <a:t>3- O </a:t>
+            </a:r>
+            <a:r>
+              <a:rPr lang="pt-PT" baseline="0" dirty="0" err="1"/>
+              <a:t>Electron</a:t>
+            </a:r>
+            <a:r>
+              <a:rPr lang="pt-PT" baseline="0" dirty="0"/>
+              <a:t> empacota o código num único ficheiro ASAR, onde é relativamente fácil de extrair o código fonte, uma vez que o </a:t>
+            </a:r>
+            <a:r>
+              <a:rPr lang="pt-PT" baseline="0" dirty="0" err="1"/>
+              <a:t>JavaScript</a:t>
+            </a:r>
+            <a:r>
+              <a:rPr lang="pt-PT" baseline="0" dirty="0"/>
+              <a:t> nunca foi feito para ocultar código. É possível proteger o código mas com custo significativo de perda de desempenho.</a:t>
+            </a:r>
+            <a:endParaRPr lang="pt-PT" dirty="0"/>
+          </a:p>
+        </p:txBody>
+      </p:sp>
+      <p:sp>
+        <p:nvSpPr>
+          <p:cNvPr id="4" name="Marcador de Posição do Número do Diapositivo 3"/>
+          <p:cNvSpPr>
+            <a:spLocks noGrp="1"/>
+          </p:cNvSpPr>
+          <p:nvPr>
+            <p:ph type="sldNum" sz="quarter" idx="5"/>
+          </p:nvPr>
+        </p:nvSpPr>
+        <p:spPr/>
+        <p:txBody>
+          <a:bodyPr/>
+          <a:lstStyle/>
+          <a:p>
+            <a:fld id="{FC77E7C4-E54C-465D-ABEB-E0CB3A6B840B}" type="slidenum">
+              <a:rPr lang="pt-PT" smtClean="0"/>
+              <a:pPr/>
+              <a:t>15</a:t>
+            </a:fld>
+            <a:endParaRPr lang="pt-PT"/>
+          </a:p>
+        </p:txBody>
+      </p:sp>
+    </p:spTree>
+    <p:extLst>
+      <p:ext uri="{BB962C8B-B14F-4D97-AF65-F5344CB8AC3E}">
+        <p14:creationId xmlns:p14="http://schemas.microsoft.com/office/powerpoint/2010/main" val="4291768620"/>
+      </p:ext>
+    </p:extLst>
+  </p:cSld>
+  <p:clrMapOvr>
+    <a:masterClrMapping/>
+  </p:clrMapOvr>
+</p:notes>
+</file>
+
+<file path=ppt/notesSlides/notesSlide16.xml><?xml version="1.0" encoding="utf-8"?>
+<p:notes xmlns:a="http://schemas.openxmlformats.org/drawingml/2006/main" xmlns:r="http://schemas.openxmlformats.org/officeDocument/2006/relationships" xmlns:p="http://schemas.openxmlformats.org/presentationml/2006/main">
+  <p:cSld>
+    <p:spTree>
+      <p:nvGrpSpPr>
+        <p:cNvPr id="1" name=""/>
+        <p:cNvGrpSpPr/>
+        <p:nvPr/>
+      </p:nvGrpSpPr>
+      <p:grpSpPr>
+        <a:xfrm>
+          <a:off x="0" y="0"/>
+          <a:ext cx="0" cy="0"/>
+          <a:chOff x="0" y="0"/>
+          <a:chExt cx="0" cy="0"/>
+        </a:xfrm>
+      </p:grpSpPr>
+      <p:sp>
+        <p:nvSpPr>
+          <p:cNvPr id="2" name="Marcador de Posição da Imagem do Diapositivo 1"/>
+          <p:cNvSpPr>
+            <a:spLocks noGrp="1" noRot="1" noChangeAspect="1"/>
+          </p:cNvSpPr>
+          <p:nvPr>
+            <p:ph type="sldImg"/>
+          </p:nvPr>
+        </p:nvSpPr>
+        <p:spPr/>
+      </p:sp>
+      <p:sp>
+        <p:nvSpPr>
+          <p:cNvPr id="3" name="Marcador de Posição de Notas 2"/>
+          <p:cNvSpPr>
+            <a:spLocks noGrp="1"/>
+          </p:cNvSpPr>
+          <p:nvPr>
+            <p:ph type="body" idx="1"/>
+          </p:nvPr>
+        </p:nvSpPr>
+        <p:spPr/>
+        <p:txBody>
+          <a:bodyPr/>
+          <a:lstStyle/>
+          <a:p>
+            <a:r>
               <a:rPr lang="pt-PT" dirty="0"/>
               <a:t>Muitas das aplicações que usamos no dia a dia são feitas com </a:t>
             </a:r>
@@ -1742,7 +2294,7 @@
 </p:notes>
 </file>
 
-<file path=ppt/notesSlides/notesSlide16.xml><?xml version="1.0" encoding="utf-8"?>
+<file path=ppt/notesSlides/notesSlide17.xml><?xml version="1.0" encoding="utf-8"?>
 <p:notes xmlns:a="http://schemas.openxmlformats.org/drawingml/2006/main" xmlns:r="http://schemas.openxmlformats.org/officeDocument/2006/relationships" xmlns:p="http://schemas.openxmlformats.org/presentationml/2006/main">
   <p:cSld>
     <p:spTree>
@@ -1871,1264 +2423,85 @@
           <a:bodyPr/>
           <a:lstStyle/>
           <a:p>
-            <a:pPr marL="0" indent="0" algn="just">
-              <a:buFont typeface="Arial" panose="020B0604020202020204" pitchFamily="34" charset="0"/>
-              <a:buNone/>
-            </a:pPr>
-            <a:r>
-              <a:rPr lang="en-US" sz="1200" b="0" i="0" kern="1200" dirty="0">
-                <a:solidFill>
-                  <a:schemeClr val="tx1"/>
-                </a:solidFill>
-                <a:effectLst/>
-                <a:latin typeface="+mn-lt"/>
-                <a:ea typeface="+mn-ea"/>
-                <a:cs typeface="+mn-cs"/>
-              </a:rPr>
-              <a:t>1- </a:t>
-            </a:r>
-            <a:r>
-              <a:rPr lang="en-US" sz="1200" b="0" i="0" kern="1200" dirty="0" err="1">
-                <a:solidFill>
-                  <a:schemeClr val="tx1"/>
-                </a:solidFill>
-                <a:effectLst/>
-                <a:latin typeface="+mn-lt"/>
-                <a:ea typeface="+mn-ea"/>
-                <a:cs typeface="+mn-cs"/>
-              </a:rPr>
-              <a:t>Geralmente</a:t>
-            </a:r>
-            <a:r>
-              <a:rPr lang="en-US" sz="1200" b="0" i="0" kern="1200" dirty="0">
-                <a:solidFill>
-                  <a:schemeClr val="tx1"/>
-                </a:solidFill>
-                <a:effectLst/>
-                <a:latin typeface="+mn-lt"/>
-                <a:ea typeface="+mn-ea"/>
-                <a:cs typeface="+mn-cs"/>
-              </a:rPr>
-              <a:t> as </a:t>
-            </a:r>
-            <a:r>
-              <a:rPr lang="en-US" sz="1200" b="0" i="0" kern="1200" dirty="0" err="1">
-                <a:solidFill>
-                  <a:schemeClr val="tx1"/>
-                </a:solidFill>
-                <a:effectLst/>
-                <a:latin typeface="+mn-lt"/>
-                <a:ea typeface="+mn-ea"/>
-                <a:cs typeface="+mn-cs"/>
-              </a:rPr>
-              <a:t>aplicações</a:t>
-            </a:r>
-            <a:r>
-              <a:rPr lang="en-US" sz="1200" b="0" i="0" kern="1200" dirty="0">
-                <a:solidFill>
-                  <a:schemeClr val="tx1"/>
-                </a:solidFill>
-                <a:effectLst/>
-                <a:latin typeface="+mn-lt"/>
-                <a:ea typeface="+mn-ea"/>
-                <a:cs typeface="+mn-cs"/>
-              </a:rPr>
-              <a:t> Desktop </a:t>
-            </a:r>
-            <a:r>
-              <a:rPr lang="en-US" sz="1200" b="0" i="0" kern="1200" dirty="0" err="1">
-                <a:solidFill>
-                  <a:schemeClr val="tx1"/>
-                </a:solidFill>
-                <a:effectLst/>
-                <a:latin typeface="+mn-lt"/>
-                <a:ea typeface="+mn-ea"/>
-                <a:cs typeface="+mn-cs"/>
-              </a:rPr>
-              <a:t>estão</a:t>
-            </a:r>
-            <a:r>
-              <a:rPr lang="en-US" sz="1200" b="0" i="0" kern="1200" dirty="0">
-                <a:solidFill>
-                  <a:schemeClr val="tx1"/>
-                </a:solidFill>
-                <a:effectLst/>
-                <a:latin typeface="+mn-lt"/>
-                <a:ea typeface="+mn-ea"/>
-                <a:cs typeface="+mn-cs"/>
-              </a:rPr>
-              <a:t> </a:t>
-            </a:r>
-            <a:r>
-              <a:rPr lang="en-US" sz="1200" b="0" i="0" kern="1200" dirty="0" err="1">
-                <a:solidFill>
-                  <a:schemeClr val="tx1"/>
-                </a:solidFill>
-                <a:effectLst/>
-                <a:latin typeface="+mn-lt"/>
-                <a:ea typeface="+mn-ea"/>
-                <a:cs typeface="+mn-cs"/>
-              </a:rPr>
-              <a:t>limitadas</a:t>
-            </a:r>
-            <a:r>
-              <a:rPr lang="en-US" sz="1200" b="0" i="0" kern="1200" dirty="0">
-                <a:solidFill>
-                  <a:schemeClr val="tx1"/>
-                </a:solidFill>
-                <a:effectLst/>
-                <a:latin typeface="+mn-lt"/>
-                <a:ea typeface="+mn-ea"/>
-                <a:cs typeface="+mn-cs"/>
-              </a:rPr>
-              <a:t> </a:t>
-            </a:r>
-            <a:r>
-              <a:rPr lang="en-US" sz="1200" b="0" i="0" kern="1200" dirty="0" err="1">
-                <a:solidFill>
-                  <a:schemeClr val="tx1"/>
-                </a:solidFill>
-                <a:effectLst/>
-                <a:latin typeface="+mn-lt"/>
-                <a:ea typeface="+mn-ea"/>
-                <a:cs typeface="+mn-cs"/>
-              </a:rPr>
-              <a:t>pelo</a:t>
-            </a:r>
-            <a:r>
-              <a:rPr lang="en-US" sz="1200" b="0" i="0" kern="1200" dirty="0">
-                <a:solidFill>
-                  <a:schemeClr val="tx1"/>
-                </a:solidFill>
-                <a:effectLst/>
-                <a:latin typeface="+mn-lt"/>
-                <a:ea typeface="+mn-ea"/>
-                <a:cs typeface="+mn-cs"/>
-              </a:rPr>
-              <a:t> </a:t>
-            </a:r>
-            <a:r>
-              <a:rPr lang="en-US" sz="1200" b="1" i="0" kern="1200" dirty="0">
-                <a:solidFill>
-                  <a:schemeClr val="tx1"/>
-                </a:solidFill>
-                <a:effectLst/>
-                <a:latin typeface="+mn-lt"/>
-                <a:ea typeface="+mn-ea"/>
-                <a:cs typeface="+mn-cs"/>
-              </a:rPr>
-              <a:t>HARDWARE</a:t>
-            </a:r>
-            <a:r>
-              <a:rPr lang="en-US" sz="1200" b="0" i="0" kern="1200" dirty="0">
-                <a:solidFill>
-                  <a:schemeClr val="tx1"/>
-                </a:solidFill>
-                <a:effectLst/>
-                <a:latin typeface="+mn-lt"/>
-                <a:ea typeface="+mn-ea"/>
-                <a:cs typeface="+mn-cs"/>
-              </a:rPr>
-              <a:t> </a:t>
-            </a:r>
-            <a:r>
-              <a:rPr lang="en-US" sz="1200" b="0" i="0" kern="1200" dirty="0" err="1">
-                <a:solidFill>
-                  <a:schemeClr val="tx1"/>
-                </a:solidFill>
-                <a:effectLst/>
-                <a:latin typeface="+mn-lt"/>
-                <a:ea typeface="+mn-ea"/>
-                <a:cs typeface="+mn-cs"/>
-              </a:rPr>
-              <a:t>onde</a:t>
-            </a:r>
-            <a:r>
-              <a:rPr lang="en-US" sz="1200" b="0" i="0" kern="1200" dirty="0">
-                <a:solidFill>
-                  <a:schemeClr val="tx1"/>
-                </a:solidFill>
-                <a:effectLst/>
-                <a:latin typeface="+mn-lt"/>
-                <a:ea typeface="+mn-ea"/>
-                <a:cs typeface="+mn-cs"/>
-              </a:rPr>
-              <a:t> </a:t>
-            </a:r>
-            <a:r>
-              <a:rPr lang="en-US" sz="1200" b="0" i="0" kern="1200" dirty="0" err="1">
-                <a:solidFill>
-                  <a:schemeClr val="tx1"/>
-                </a:solidFill>
-                <a:effectLst/>
-                <a:latin typeface="+mn-lt"/>
-                <a:ea typeface="+mn-ea"/>
-                <a:cs typeface="+mn-cs"/>
-              </a:rPr>
-              <a:t>correm</a:t>
-            </a:r>
-            <a:r>
-              <a:rPr lang="en-US" sz="1200" b="0" i="0" kern="1200" dirty="0">
-                <a:solidFill>
-                  <a:schemeClr val="tx1"/>
-                </a:solidFill>
-                <a:effectLst/>
-                <a:latin typeface="+mn-lt"/>
-                <a:ea typeface="+mn-ea"/>
-                <a:cs typeface="+mn-cs"/>
-              </a:rPr>
-              <a:t>.</a:t>
-            </a:r>
-          </a:p>
-          <a:p>
-            <a:pPr marL="0" indent="0" algn="just">
-              <a:buFont typeface="Arial" panose="020B0604020202020204" pitchFamily="34" charset="0"/>
-              <a:buNone/>
-            </a:pPr>
-            <a:r>
-              <a:rPr lang="en-US" sz="1200" b="0" i="0" kern="1200" dirty="0">
-                <a:solidFill>
-                  <a:schemeClr val="tx1"/>
-                </a:solidFill>
-                <a:effectLst/>
-                <a:latin typeface="+mn-lt"/>
-                <a:ea typeface="+mn-ea"/>
-                <a:cs typeface="+mn-cs"/>
-              </a:rPr>
-              <a:t>2- </a:t>
-            </a:r>
-            <a:r>
-              <a:rPr lang="en-US" sz="1200" b="0" i="0" kern="1200" dirty="0" err="1">
-                <a:solidFill>
-                  <a:schemeClr val="tx1"/>
-                </a:solidFill>
-                <a:effectLst/>
-                <a:latin typeface="+mn-lt"/>
-                <a:ea typeface="+mn-ea"/>
-                <a:cs typeface="+mn-cs"/>
-              </a:rPr>
-              <a:t>Tem</a:t>
-            </a:r>
-            <a:r>
-              <a:rPr lang="en-US" sz="1200" b="0" i="0" kern="1200" dirty="0">
-                <a:solidFill>
-                  <a:schemeClr val="tx1"/>
-                </a:solidFill>
-                <a:effectLst/>
-                <a:latin typeface="+mn-lt"/>
-                <a:ea typeface="+mn-ea"/>
-                <a:cs typeface="+mn-cs"/>
-              </a:rPr>
-              <a:t> de ser </a:t>
-            </a:r>
-            <a:r>
-              <a:rPr lang="en-US" sz="1200" b="1" i="0" kern="1200" dirty="0">
-                <a:solidFill>
-                  <a:schemeClr val="tx1"/>
-                </a:solidFill>
-                <a:effectLst/>
-                <a:latin typeface="+mn-lt"/>
-                <a:ea typeface="+mn-ea"/>
-                <a:cs typeface="+mn-cs"/>
-              </a:rPr>
-              <a:t>INSTALADAS</a:t>
-            </a:r>
-            <a:r>
-              <a:rPr lang="en-US" sz="1200" b="0" i="0" kern="1200" dirty="0">
-                <a:solidFill>
-                  <a:schemeClr val="tx1"/>
-                </a:solidFill>
-                <a:effectLst/>
-                <a:latin typeface="+mn-lt"/>
-                <a:ea typeface="+mn-ea"/>
-                <a:cs typeface="+mn-cs"/>
-              </a:rPr>
-              <a:t> num </a:t>
-            </a:r>
-            <a:r>
-              <a:rPr lang="en-US" sz="1200" b="0" i="0" kern="1200" dirty="0" err="1">
-                <a:solidFill>
-                  <a:schemeClr val="tx1"/>
-                </a:solidFill>
-                <a:effectLst/>
-                <a:latin typeface="+mn-lt"/>
-                <a:ea typeface="+mn-ea"/>
-                <a:cs typeface="+mn-cs"/>
-              </a:rPr>
-              <a:t>sistema</a:t>
-            </a:r>
-            <a:r>
-              <a:rPr lang="en-US" sz="1200" b="0" i="0" kern="1200" dirty="0">
-                <a:solidFill>
-                  <a:schemeClr val="tx1"/>
-                </a:solidFill>
-                <a:effectLst/>
-                <a:latin typeface="+mn-lt"/>
-                <a:ea typeface="+mn-ea"/>
-                <a:cs typeface="+mn-cs"/>
-              </a:rPr>
-              <a:t> </a:t>
-            </a:r>
-            <a:r>
-              <a:rPr lang="en-US" sz="1200" b="0" i="0" kern="1200" dirty="0" err="1">
-                <a:solidFill>
-                  <a:schemeClr val="tx1"/>
-                </a:solidFill>
-                <a:effectLst/>
-                <a:latin typeface="+mn-lt"/>
-                <a:ea typeface="+mn-ea"/>
-                <a:cs typeface="+mn-cs"/>
-              </a:rPr>
-              <a:t>operativo</a:t>
-            </a:r>
-            <a:r>
-              <a:rPr lang="en-US" sz="1200" b="0" i="0" kern="1200" dirty="0">
-                <a:solidFill>
-                  <a:schemeClr val="tx1"/>
-                </a:solidFill>
-                <a:effectLst/>
-                <a:latin typeface="+mn-lt"/>
-                <a:ea typeface="+mn-ea"/>
-                <a:cs typeface="+mn-cs"/>
-              </a:rPr>
-              <a:t> </a:t>
-            </a:r>
-            <a:r>
-              <a:rPr lang="en-US" sz="1200" b="0" i="0" kern="1200" dirty="0" err="1">
-                <a:solidFill>
-                  <a:schemeClr val="tx1"/>
-                </a:solidFill>
-                <a:effectLst/>
-                <a:latin typeface="+mn-lt"/>
-                <a:ea typeface="+mn-ea"/>
-                <a:cs typeface="+mn-cs"/>
-              </a:rPr>
-              <a:t>específico</a:t>
-            </a:r>
-            <a:r>
-              <a:rPr lang="en-US" sz="1200" b="0" i="0" kern="1200" dirty="0">
-                <a:solidFill>
-                  <a:schemeClr val="tx1"/>
-                </a:solidFill>
-                <a:effectLst/>
-                <a:latin typeface="+mn-lt"/>
-                <a:ea typeface="+mn-ea"/>
-                <a:cs typeface="+mn-cs"/>
-              </a:rPr>
+            <a:r>
+              <a:rPr lang="pt-PT" dirty="0"/>
+              <a:t>1 – Na introdução não vamos abordar sobre o </a:t>
+            </a:r>
+            <a:r>
+              <a:rPr lang="pt-PT" dirty="0" err="1"/>
+              <a:t>Electron</a:t>
+            </a:r>
+            <a:r>
+              <a:rPr lang="pt-PT" dirty="0"/>
+              <a:t> em si, mas sim sobre alguns desafios que existem em geral na fase de desenvolvimento de aplicações, isto com o objetivo então de introduzir o </a:t>
+            </a:r>
+            <a:r>
+              <a:rPr lang="pt-PT" dirty="0" err="1"/>
+              <a:t>Electron</a:t>
+            </a:r>
+            <a:r>
+              <a:rPr lang="pt-PT" dirty="0"/>
+              <a:t> e como pode ele resolver estes flagelos</a:t>
+            </a:r>
+          </a:p>
+          <a:p>
+            <a:r>
+              <a:rPr lang="pt-PT" dirty="0"/>
+              <a:t>2 – Na segunda parte aí sim, vamos falar sobre o </a:t>
+            </a:r>
+            <a:r>
+              <a:rPr lang="pt-PT" dirty="0" err="1"/>
+              <a:t>Electron</a:t>
+            </a:r>
+            <a:r>
+              <a:rPr lang="pt-PT" dirty="0"/>
               <a:t>, </a:t>
             </a:r>
             <a:r>
-              <a:rPr lang="en-US" sz="1200" b="0" i="0" kern="1200" dirty="0" err="1">
-                <a:solidFill>
-                  <a:schemeClr val="tx1"/>
-                </a:solidFill>
-                <a:effectLst/>
-                <a:latin typeface="+mn-lt"/>
-                <a:ea typeface="+mn-ea"/>
-                <a:cs typeface="+mn-cs"/>
-              </a:rPr>
-              <a:t>onde</a:t>
-            </a:r>
-            <a:r>
-              <a:rPr lang="en-US" sz="1200" b="0" i="0" kern="1200" dirty="0">
-                <a:solidFill>
-                  <a:schemeClr val="tx1"/>
-                </a:solidFill>
-                <a:effectLst/>
-                <a:latin typeface="+mn-lt"/>
-                <a:ea typeface="+mn-ea"/>
-                <a:cs typeface="+mn-cs"/>
-              </a:rPr>
-              <a:t> </a:t>
-            </a:r>
-            <a:r>
-              <a:rPr lang="en-US" sz="1200" b="0" i="0" kern="1200" dirty="0" err="1">
-                <a:solidFill>
-                  <a:schemeClr val="tx1"/>
-                </a:solidFill>
-                <a:effectLst/>
-                <a:latin typeface="+mn-lt"/>
-                <a:ea typeface="+mn-ea"/>
-                <a:cs typeface="+mn-cs"/>
-              </a:rPr>
-              <a:t>ele</a:t>
-            </a:r>
-            <a:r>
-              <a:rPr lang="en-US" sz="1200" b="0" i="0" kern="1200" dirty="0">
-                <a:solidFill>
-                  <a:schemeClr val="tx1"/>
-                </a:solidFill>
-                <a:effectLst/>
-                <a:latin typeface="+mn-lt"/>
-                <a:ea typeface="+mn-ea"/>
-                <a:cs typeface="+mn-cs"/>
-              </a:rPr>
-              <a:t> </a:t>
-            </a:r>
-            <a:r>
-              <a:rPr lang="en-US" sz="1200" b="0" i="0" kern="1200" dirty="0" err="1">
-                <a:solidFill>
-                  <a:schemeClr val="tx1"/>
-                </a:solidFill>
-                <a:effectLst/>
-                <a:latin typeface="+mn-lt"/>
-                <a:ea typeface="+mn-ea"/>
-                <a:cs typeface="+mn-cs"/>
-              </a:rPr>
-              <a:t>próprio</a:t>
-            </a:r>
-            <a:r>
-              <a:rPr lang="en-US" sz="1200" b="0" i="0" kern="1200" dirty="0">
-                <a:solidFill>
-                  <a:schemeClr val="tx1"/>
-                </a:solidFill>
-                <a:effectLst/>
-                <a:latin typeface="+mn-lt"/>
-                <a:ea typeface="+mn-ea"/>
-                <a:cs typeface="+mn-cs"/>
-              </a:rPr>
-              <a:t> </a:t>
-            </a:r>
-            <a:r>
-              <a:rPr lang="en-US" sz="1200" b="0" i="0" kern="1200" dirty="0" err="1">
-                <a:solidFill>
-                  <a:schemeClr val="tx1"/>
-                </a:solidFill>
-                <a:effectLst/>
-                <a:latin typeface="+mn-lt"/>
-                <a:ea typeface="+mn-ea"/>
-                <a:cs typeface="+mn-cs"/>
-              </a:rPr>
-              <a:t>pode</a:t>
-            </a:r>
-            <a:r>
-              <a:rPr lang="en-US" sz="1200" b="0" i="0" kern="1200" dirty="0">
-                <a:solidFill>
-                  <a:schemeClr val="tx1"/>
-                </a:solidFill>
-                <a:effectLst/>
-                <a:latin typeface="+mn-lt"/>
-                <a:ea typeface="+mn-ea"/>
-                <a:cs typeface="+mn-cs"/>
-              </a:rPr>
-              <a:t> </a:t>
-            </a:r>
-            <a:r>
-              <a:rPr lang="en-US" sz="1200" b="0" i="0" kern="1200" dirty="0" err="1">
-                <a:solidFill>
-                  <a:schemeClr val="tx1"/>
-                </a:solidFill>
-                <a:effectLst/>
-                <a:latin typeface="+mn-lt"/>
-                <a:ea typeface="+mn-ea"/>
-                <a:cs typeface="+mn-cs"/>
-              </a:rPr>
-              <a:t>ter</a:t>
-            </a:r>
-            <a:r>
-              <a:rPr lang="en-US" sz="1200" b="0" i="0" kern="1200" dirty="0">
-                <a:solidFill>
-                  <a:schemeClr val="tx1"/>
-                </a:solidFill>
-                <a:effectLst/>
-                <a:latin typeface="+mn-lt"/>
-                <a:ea typeface="+mn-ea"/>
-                <a:cs typeface="+mn-cs"/>
-              </a:rPr>
-              <a:t> </a:t>
-            </a:r>
-            <a:r>
-              <a:rPr lang="en-US" sz="1200" b="0" i="0" kern="1200" dirty="0" err="1">
-                <a:solidFill>
-                  <a:schemeClr val="tx1"/>
-                </a:solidFill>
-                <a:effectLst/>
-                <a:latin typeface="+mn-lt"/>
-                <a:ea typeface="+mn-ea"/>
-                <a:cs typeface="+mn-cs"/>
-              </a:rPr>
-              <a:t>restrições</a:t>
-            </a:r>
-            <a:r>
-              <a:rPr lang="en-US" sz="1200" b="0" i="0" kern="1200" dirty="0">
-                <a:solidFill>
-                  <a:schemeClr val="tx1"/>
-                </a:solidFill>
-                <a:effectLst/>
-                <a:latin typeface="+mn-lt"/>
-                <a:ea typeface="+mn-ea"/>
-                <a:cs typeface="+mn-cs"/>
-              </a:rPr>
-              <a:t> de hardware para </a:t>
-            </a:r>
-            <a:r>
-              <a:rPr lang="en-US" sz="1200" b="0" i="0" kern="1200" dirty="0" err="1">
-                <a:solidFill>
-                  <a:schemeClr val="tx1"/>
-                </a:solidFill>
-                <a:effectLst/>
-                <a:latin typeface="+mn-lt"/>
-                <a:ea typeface="+mn-ea"/>
-                <a:cs typeface="+mn-cs"/>
-              </a:rPr>
-              <a:t>garantir</a:t>
-            </a:r>
-            <a:r>
-              <a:rPr lang="en-US" sz="1200" b="0" i="0" kern="1200" dirty="0">
-                <a:solidFill>
-                  <a:schemeClr val="tx1"/>
-                </a:solidFill>
-                <a:effectLst/>
-                <a:latin typeface="+mn-lt"/>
-                <a:ea typeface="+mn-ea"/>
-                <a:cs typeface="+mn-cs"/>
-              </a:rPr>
-              <a:t> o </a:t>
-            </a:r>
-            <a:r>
-              <a:rPr lang="en-US" sz="1200" b="0" i="0" kern="1200" dirty="0" err="1">
-                <a:solidFill>
-                  <a:schemeClr val="tx1"/>
-                </a:solidFill>
-                <a:effectLst/>
-                <a:latin typeface="+mn-lt"/>
-                <a:ea typeface="+mn-ea"/>
-                <a:cs typeface="+mn-cs"/>
-              </a:rPr>
-              <a:t>bom</a:t>
-            </a:r>
-            <a:r>
-              <a:rPr lang="en-US" sz="1200" b="0" i="0" kern="1200" dirty="0">
-                <a:solidFill>
-                  <a:schemeClr val="tx1"/>
-                </a:solidFill>
-                <a:effectLst/>
-                <a:latin typeface="+mn-lt"/>
-                <a:ea typeface="+mn-ea"/>
-                <a:cs typeface="+mn-cs"/>
-              </a:rPr>
-              <a:t> </a:t>
-            </a:r>
-            <a:r>
-              <a:rPr lang="en-US" sz="1200" b="0" i="0" kern="1200" dirty="0" err="1">
-                <a:solidFill>
-                  <a:schemeClr val="tx1"/>
-                </a:solidFill>
-                <a:effectLst/>
-                <a:latin typeface="+mn-lt"/>
-                <a:ea typeface="+mn-ea"/>
-                <a:cs typeface="+mn-cs"/>
-              </a:rPr>
-              <a:t>funcionamento</a:t>
-            </a:r>
-            <a:r>
-              <a:rPr lang="en-US" sz="1200" b="0" i="0" kern="1200" dirty="0">
-                <a:solidFill>
-                  <a:schemeClr val="tx1"/>
-                </a:solidFill>
-                <a:effectLst/>
-                <a:latin typeface="+mn-lt"/>
-                <a:ea typeface="+mn-ea"/>
-                <a:cs typeface="+mn-cs"/>
-              </a:rPr>
-              <a:t>.</a:t>
-            </a:r>
-          </a:p>
-          <a:p>
-            <a:pPr marL="0" indent="0" algn="just">
-              <a:buFont typeface="Arial" panose="020B0604020202020204" pitchFamily="34" charset="0"/>
-              <a:buNone/>
-            </a:pPr>
-            <a:r>
-              <a:rPr lang="en-US" sz="1200" b="0" i="0" kern="1200" dirty="0">
-                <a:solidFill>
-                  <a:schemeClr val="tx1"/>
-                </a:solidFill>
-                <a:effectLst/>
-                <a:latin typeface="+mn-lt"/>
-                <a:ea typeface="+mn-ea"/>
-                <a:cs typeface="+mn-cs"/>
-              </a:rPr>
-              <a:t>3- São </a:t>
-            </a:r>
-            <a:r>
-              <a:rPr lang="en-US" sz="1200" b="0" i="0" kern="1200" dirty="0" err="1">
-                <a:solidFill>
-                  <a:schemeClr val="tx1"/>
-                </a:solidFill>
-                <a:effectLst/>
-                <a:latin typeface="+mn-lt"/>
-                <a:ea typeface="+mn-ea"/>
-                <a:cs typeface="+mn-cs"/>
-              </a:rPr>
-              <a:t>recorrentes</a:t>
-            </a:r>
-            <a:r>
-              <a:rPr lang="en-US" sz="1200" b="0" i="0" kern="1200" dirty="0">
-                <a:solidFill>
-                  <a:schemeClr val="tx1"/>
-                </a:solidFill>
-                <a:effectLst/>
-                <a:latin typeface="+mn-lt"/>
-                <a:ea typeface="+mn-ea"/>
-                <a:cs typeface="+mn-cs"/>
-              </a:rPr>
-              <a:t> </a:t>
-            </a:r>
-            <a:r>
-              <a:rPr lang="en-US" sz="1200" b="0" i="0" kern="1200" dirty="0" err="1">
-                <a:solidFill>
-                  <a:schemeClr val="tx1"/>
-                </a:solidFill>
-                <a:effectLst/>
-                <a:latin typeface="+mn-lt"/>
-                <a:ea typeface="+mn-ea"/>
-                <a:cs typeface="+mn-cs"/>
-              </a:rPr>
-              <a:t>os</a:t>
-            </a:r>
-            <a:r>
-              <a:rPr lang="en-US" sz="1200" b="0" i="0" kern="1200" dirty="0">
-                <a:solidFill>
-                  <a:schemeClr val="tx1"/>
-                </a:solidFill>
-                <a:effectLst/>
-                <a:latin typeface="+mn-lt"/>
-                <a:ea typeface="+mn-ea"/>
-                <a:cs typeface="+mn-cs"/>
-              </a:rPr>
-              <a:t> </a:t>
-            </a:r>
-            <a:r>
-              <a:rPr lang="en-US" sz="1200" b="1" i="0" kern="1200" dirty="0">
-                <a:solidFill>
-                  <a:schemeClr val="tx1"/>
-                </a:solidFill>
-                <a:effectLst/>
-                <a:latin typeface="+mn-lt"/>
-                <a:ea typeface="+mn-ea"/>
-                <a:cs typeface="+mn-cs"/>
-              </a:rPr>
-              <a:t>UPDATES</a:t>
-            </a:r>
-            <a:r>
-              <a:rPr lang="en-US" sz="1200" b="0" i="0" kern="1200" dirty="0">
-                <a:solidFill>
-                  <a:schemeClr val="tx1"/>
-                </a:solidFill>
-                <a:effectLst/>
-                <a:latin typeface="+mn-lt"/>
-                <a:ea typeface="+mn-ea"/>
-                <a:cs typeface="+mn-cs"/>
-              </a:rPr>
-              <a:t> </a:t>
-            </a:r>
-            <a:r>
-              <a:rPr lang="en-US" sz="1200" b="0" i="0" kern="1200" dirty="0" err="1">
-                <a:solidFill>
-                  <a:schemeClr val="tx1"/>
-                </a:solidFill>
-                <a:effectLst/>
-                <a:latin typeface="+mn-lt"/>
-                <a:ea typeface="+mn-ea"/>
-                <a:cs typeface="+mn-cs"/>
-              </a:rPr>
-              <a:t>nas</a:t>
-            </a:r>
-            <a:r>
-              <a:rPr lang="en-US" sz="1200" b="0" i="0" kern="1200" dirty="0">
-                <a:solidFill>
-                  <a:schemeClr val="tx1"/>
-                </a:solidFill>
-                <a:effectLst/>
-                <a:latin typeface="+mn-lt"/>
-                <a:ea typeface="+mn-ea"/>
-                <a:cs typeface="+mn-cs"/>
-              </a:rPr>
-              <a:t> </a:t>
-            </a:r>
-            <a:r>
-              <a:rPr lang="en-US" sz="1200" b="0" i="0" kern="1200" dirty="0" err="1">
-                <a:solidFill>
-                  <a:schemeClr val="tx1"/>
-                </a:solidFill>
-                <a:effectLst/>
-                <a:latin typeface="+mn-lt"/>
-                <a:ea typeface="+mn-ea"/>
-                <a:cs typeface="+mn-cs"/>
-              </a:rPr>
-              <a:t>aplicações</a:t>
-            </a:r>
-            <a:r>
-              <a:rPr lang="en-US" sz="1200" b="0" i="0" kern="1200" dirty="0">
-                <a:solidFill>
-                  <a:schemeClr val="tx1"/>
-                </a:solidFill>
-                <a:effectLst/>
-                <a:latin typeface="+mn-lt"/>
-                <a:ea typeface="+mn-ea"/>
-                <a:cs typeface="+mn-cs"/>
-              </a:rPr>
-              <a:t> </a:t>
-            </a:r>
-            <a:r>
-              <a:rPr lang="en-US" sz="1200" b="0" i="0" kern="1200" dirty="0" err="1">
-                <a:solidFill>
-                  <a:schemeClr val="tx1"/>
-                </a:solidFill>
-                <a:effectLst/>
-                <a:latin typeface="+mn-lt"/>
-                <a:ea typeface="+mn-ea"/>
-                <a:cs typeface="+mn-cs"/>
-              </a:rPr>
-              <a:t>são</a:t>
-            </a:r>
-            <a:r>
-              <a:rPr lang="en-US" sz="1200" b="0" i="0" kern="1200" dirty="0">
-                <a:solidFill>
-                  <a:schemeClr val="tx1"/>
-                </a:solidFill>
-                <a:effectLst/>
-                <a:latin typeface="+mn-lt"/>
-                <a:ea typeface="+mn-ea"/>
-                <a:cs typeface="+mn-cs"/>
-              </a:rPr>
-              <a:t> </a:t>
-            </a:r>
-            <a:r>
-              <a:rPr lang="en-US" sz="1200" b="0" i="0" kern="1200" dirty="0" err="1">
-                <a:solidFill>
-                  <a:schemeClr val="tx1"/>
-                </a:solidFill>
-                <a:effectLst/>
-                <a:latin typeface="+mn-lt"/>
-                <a:ea typeface="+mn-ea"/>
-                <a:cs typeface="+mn-cs"/>
-              </a:rPr>
-              <a:t>feitas</a:t>
-            </a:r>
-            <a:r>
-              <a:rPr lang="en-US" sz="1200" b="0" i="0" kern="1200" dirty="0">
-                <a:solidFill>
-                  <a:schemeClr val="tx1"/>
-                </a:solidFill>
-                <a:effectLst/>
-                <a:latin typeface="+mn-lt"/>
-                <a:ea typeface="+mn-ea"/>
-                <a:cs typeface="+mn-cs"/>
-              </a:rPr>
-              <a:t> </a:t>
-            </a:r>
-            <a:r>
-              <a:rPr lang="en-US" sz="1200" b="0" i="0" kern="1200" dirty="0" err="1">
-                <a:solidFill>
-                  <a:schemeClr val="tx1"/>
-                </a:solidFill>
-                <a:effectLst/>
-                <a:latin typeface="+mn-lt"/>
-                <a:ea typeface="+mn-ea"/>
-                <a:cs typeface="+mn-cs"/>
-              </a:rPr>
-              <a:t>pelo</a:t>
-            </a:r>
-            <a:r>
-              <a:rPr lang="en-US" sz="1200" b="0" i="0" kern="1200" dirty="0">
-                <a:solidFill>
-                  <a:schemeClr val="tx1"/>
-                </a:solidFill>
-                <a:effectLst/>
-                <a:latin typeface="+mn-lt"/>
-                <a:ea typeface="+mn-ea"/>
-                <a:cs typeface="+mn-cs"/>
-              </a:rPr>
-              <a:t> </a:t>
-            </a:r>
-            <a:r>
-              <a:rPr lang="en-US" sz="1200" b="0" i="0" kern="1200" dirty="0" err="1">
-                <a:solidFill>
-                  <a:schemeClr val="tx1"/>
-                </a:solidFill>
-                <a:effectLst/>
-                <a:latin typeface="+mn-lt"/>
-                <a:ea typeface="+mn-ea"/>
-                <a:cs typeface="+mn-cs"/>
-              </a:rPr>
-              <a:t>utilizador</a:t>
-            </a:r>
-            <a:r>
-              <a:rPr lang="en-US" sz="1200" b="0" i="0" kern="1200" dirty="0">
-                <a:solidFill>
-                  <a:schemeClr val="tx1"/>
-                </a:solidFill>
-                <a:effectLst/>
-                <a:latin typeface="+mn-lt"/>
-                <a:ea typeface="+mn-ea"/>
-                <a:cs typeface="+mn-cs"/>
-              </a:rPr>
-              <a:t> </a:t>
-            </a:r>
-            <a:r>
-              <a:rPr lang="en-US" sz="1200" b="0" i="0" kern="1200" dirty="0" err="1">
-                <a:solidFill>
-                  <a:schemeClr val="tx1"/>
-                </a:solidFill>
-                <a:effectLst/>
-                <a:latin typeface="+mn-lt"/>
-                <a:ea typeface="+mn-ea"/>
-                <a:cs typeface="+mn-cs"/>
-              </a:rPr>
-              <a:t>na</a:t>
-            </a:r>
-            <a:r>
-              <a:rPr lang="en-US" sz="1200" b="0" i="0" kern="1200" dirty="0">
-                <a:solidFill>
-                  <a:schemeClr val="tx1"/>
-                </a:solidFill>
-                <a:effectLst/>
-                <a:latin typeface="+mn-lt"/>
-                <a:ea typeface="+mn-ea"/>
-                <a:cs typeface="+mn-cs"/>
-              </a:rPr>
-              <a:t> </a:t>
-            </a:r>
-            <a:r>
-              <a:rPr lang="en-US" sz="1200" b="0" i="0" kern="1200" dirty="0" err="1">
-                <a:solidFill>
-                  <a:schemeClr val="tx1"/>
-                </a:solidFill>
-                <a:effectLst/>
-                <a:latin typeface="+mn-lt"/>
-                <a:ea typeface="+mn-ea"/>
-                <a:cs typeface="+mn-cs"/>
-              </a:rPr>
-              <a:t>sua</a:t>
-            </a:r>
-            <a:r>
-              <a:rPr lang="en-US" sz="1200" b="0" i="0" kern="1200" dirty="0">
-                <a:solidFill>
-                  <a:schemeClr val="tx1"/>
-                </a:solidFill>
-                <a:effectLst/>
-                <a:latin typeface="+mn-lt"/>
-                <a:ea typeface="+mn-ea"/>
-                <a:cs typeface="+mn-cs"/>
-              </a:rPr>
-              <a:t> propria </a:t>
-            </a:r>
-            <a:r>
-              <a:rPr lang="en-US" sz="1200" b="0" i="0" kern="1200" dirty="0" err="1">
-                <a:solidFill>
-                  <a:schemeClr val="tx1"/>
-                </a:solidFill>
-                <a:effectLst/>
-                <a:latin typeface="+mn-lt"/>
-                <a:ea typeface="+mn-ea"/>
-                <a:cs typeface="+mn-cs"/>
-              </a:rPr>
-              <a:t>instalação</a:t>
-            </a:r>
-            <a:r>
-              <a:rPr lang="en-US" sz="1200" b="0" i="0" kern="1200" dirty="0">
-                <a:solidFill>
-                  <a:schemeClr val="tx1"/>
-                </a:solidFill>
-                <a:effectLst/>
-                <a:latin typeface="+mn-lt"/>
-                <a:ea typeface="+mn-ea"/>
-                <a:cs typeface="+mn-cs"/>
-              </a:rPr>
-              <a:t>, </a:t>
-            </a:r>
-            <a:r>
-              <a:rPr lang="en-US" sz="1200" b="0" i="0" kern="1200" dirty="0" err="1">
-                <a:solidFill>
-                  <a:schemeClr val="tx1"/>
-                </a:solidFill>
-                <a:effectLst/>
-                <a:latin typeface="+mn-lt"/>
-                <a:ea typeface="+mn-ea"/>
-                <a:cs typeface="+mn-cs"/>
-              </a:rPr>
-              <a:t>além</a:t>
-            </a:r>
-            <a:r>
-              <a:rPr lang="en-US" sz="1200" b="0" i="0" kern="1200" dirty="0">
-                <a:solidFill>
-                  <a:schemeClr val="tx1"/>
-                </a:solidFill>
-                <a:effectLst/>
-                <a:latin typeface="+mn-lt"/>
-                <a:ea typeface="+mn-ea"/>
-                <a:cs typeface="+mn-cs"/>
-              </a:rPr>
-              <a:t> de que </a:t>
-            </a:r>
-            <a:r>
-              <a:rPr lang="en-US" sz="1200" b="0" i="0" kern="1200" dirty="0" err="1">
-                <a:solidFill>
-                  <a:schemeClr val="tx1"/>
-                </a:solidFill>
-                <a:effectLst/>
-                <a:latin typeface="+mn-lt"/>
-                <a:ea typeface="+mn-ea"/>
-                <a:cs typeface="+mn-cs"/>
-              </a:rPr>
-              <a:t>estas</a:t>
-            </a:r>
-            <a:r>
-              <a:rPr lang="en-US" sz="1200" b="0" i="0" kern="1200" dirty="0">
-                <a:solidFill>
-                  <a:schemeClr val="tx1"/>
-                </a:solidFill>
-                <a:effectLst/>
-                <a:latin typeface="+mn-lt"/>
-                <a:ea typeface="+mn-ea"/>
-                <a:cs typeface="+mn-cs"/>
-              </a:rPr>
-              <a:t> </a:t>
-            </a:r>
-            <a:r>
-              <a:rPr lang="en-US" sz="1200" b="0" i="0" kern="1200" dirty="0" err="1">
-                <a:solidFill>
-                  <a:schemeClr val="tx1"/>
-                </a:solidFill>
-                <a:effectLst/>
-                <a:latin typeface="+mn-lt"/>
-                <a:ea typeface="+mn-ea"/>
-                <a:cs typeface="+mn-cs"/>
-              </a:rPr>
-              <a:t>mesmas</a:t>
-            </a:r>
-            <a:r>
-              <a:rPr lang="en-US" sz="1200" b="0" i="0" kern="1200" dirty="0">
-                <a:solidFill>
-                  <a:schemeClr val="tx1"/>
-                </a:solidFill>
-                <a:effectLst/>
-                <a:latin typeface="+mn-lt"/>
-                <a:ea typeface="+mn-ea"/>
-                <a:cs typeface="+mn-cs"/>
-              </a:rPr>
-              <a:t> </a:t>
-            </a:r>
-            <a:r>
-              <a:rPr lang="en-US" sz="1200" b="0" i="0" kern="1200" dirty="0" err="1">
-                <a:solidFill>
-                  <a:schemeClr val="tx1"/>
-                </a:solidFill>
-                <a:effectLst/>
-                <a:latin typeface="+mn-lt"/>
-                <a:ea typeface="+mn-ea"/>
-                <a:cs typeface="+mn-cs"/>
-              </a:rPr>
-              <a:t>atualizações</a:t>
-            </a:r>
-            <a:r>
-              <a:rPr lang="en-US" sz="1200" b="0" i="0" kern="1200" dirty="0">
-                <a:solidFill>
-                  <a:schemeClr val="tx1"/>
-                </a:solidFill>
-                <a:effectLst/>
-                <a:latin typeface="+mn-lt"/>
-                <a:ea typeface="+mn-ea"/>
-                <a:cs typeface="+mn-cs"/>
-              </a:rPr>
-              <a:t> </a:t>
-            </a:r>
-            <a:r>
-              <a:rPr lang="en-US" sz="1200" b="0" i="0" kern="1200" dirty="0" err="1">
-                <a:solidFill>
-                  <a:schemeClr val="tx1"/>
-                </a:solidFill>
-                <a:effectLst/>
-                <a:latin typeface="+mn-lt"/>
-                <a:ea typeface="+mn-ea"/>
-                <a:cs typeface="+mn-cs"/>
-              </a:rPr>
-              <a:t>podem</a:t>
-            </a:r>
-            <a:r>
-              <a:rPr lang="en-US" sz="1200" b="0" i="0" kern="1200" dirty="0">
-                <a:solidFill>
-                  <a:schemeClr val="tx1"/>
-                </a:solidFill>
-                <a:effectLst/>
-                <a:latin typeface="+mn-lt"/>
-                <a:ea typeface="+mn-ea"/>
-                <a:cs typeface="+mn-cs"/>
-              </a:rPr>
-              <a:t> </a:t>
-            </a:r>
-            <a:r>
-              <a:rPr lang="en-US" sz="1200" b="0" i="0" kern="1200" dirty="0" err="1">
-                <a:solidFill>
-                  <a:schemeClr val="tx1"/>
-                </a:solidFill>
-                <a:effectLst/>
-                <a:latin typeface="+mn-lt"/>
-                <a:ea typeface="+mn-ea"/>
-                <a:cs typeface="+mn-cs"/>
-              </a:rPr>
-              <a:t>necessitar</a:t>
-            </a:r>
-            <a:r>
-              <a:rPr lang="en-US" sz="1200" b="0" i="0" kern="1200" dirty="0">
-                <a:solidFill>
-                  <a:schemeClr val="tx1"/>
-                </a:solidFill>
-                <a:effectLst/>
-                <a:latin typeface="+mn-lt"/>
-                <a:ea typeface="+mn-ea"/>
-                <a:cs typeface="+mn-cs"/>
-              </a:rPr>
-              <a:t> de </a:t>
-            </a:r>
-            <a:r>
-              <a:rPr lang="en-US" sz="1200" b="0" i="0" kern="1200" dirty="0" err="1">
-                <a:solidFill>
-                  <a:schemeClr val="tx1"/>
-                </a:solidFill>
-                <a:effectLst/>
-                <a:latin typeface="+mn-lt"/>
-                <a:ea typeface="+mn-ea"/>
-                <a:cs typeface="+mn-cs"/>
-              </a:rPr>
-              <a:t>melhoramentos</a:t>
-            </a:r>
-            <a:r>
-              <a:rPr lang="en-US" sz="1200" b="0" i="0" kern="1200" dirty="0">
-                <a:solidFill>
-                  <a:schemeClr val="tx1"/>
-                </a:solidFill>
-                <a:effectLst/>
-                <a:latin typeface="+mn-lt"/>
-                <a:ea typeface="+mn-ea"/>
-                <a:cs typeface="+mn-cs"/>
-              </a:rPr>
-              <a:t> a </a:t>
-            </a:r>
-            <a:r>
-              <a:rPr lang="en-US" sz="1200" b="0" i="0" kern="1200" dirty="0" err="1">
-                <a:solidFill>
-                  <a:schemeClr val="tx1"/>
-                </a:solidFill>
-                <a:effectLst/>
-                <a:latin typeface="+mn-lt"/>
-                <a:ea typeface="+mn-ea"/>
-                <a:cs typeface="+mn-cs"/>
-              </a:rPr>
-              <a:t>níveis</a:t>
-            </a:r>
-            <a:r>
-              <a:rPr lang="en-US" sz="1200" b="0" i="0" kern="1200" dirty="0">
-                <a:solidFill>
-                  <a:schemeClr val="tx1"/>
-                </a:solidFill>
-                <a:effectLst/>
-                <a:latin typeface="+mn-lt"/>
-                <a:ea typeface="+mn-ea"/>
-                <a:cs typeface="+mn-cs"/>
-              </a:rPr>
-              <a:t> de hardware </a:t>
-            </a:r>
-            <a:r>
-              <a:rPr lang="en-US" sz="1200" b="0" i="0" kern="1200" dirty="0" err="1">
-                <a:solidFill>
-                  <a:schemeClr val="tx1"/>
-                </a:solidFill>
-                <a:effectLst/>
-                <a:latin typeface="+mn-lt"/>
-                <a:ea typeface="+mn-ea"/>
-                <a:cs typeface="+mn-cs"/>
-              </a:rPr>
-              <a:t>ou</a:t>
-            </a:r>
-            <a:r>
-              <a:rPr lang="en-US" sz="1200" b="0" i="0" kern="1200" dirty="0">
-                <a:solidFill>
-                  <a:schemeClr val="tx1"/>
-                </a:solidFill>
-                <a:effectLst/>
-                <a:latin typeface="+mn-lt"/>
-                <a:ea typeface="+mn-ea"/>
-                <a:cs typeface="+mn-cs"/>
-              </a:rPr>
-              <a:t> </a:t>
-            </a:r>
-            <a:r>
-              <a:rPr lang="en-US" sz="1200" b="0" i="0" kern="1200" dirty="0" err="1">
-                <a:solidFill>
-                  <a:schemeClr val="tx1"/>
-                </a:solidFill>
-                <a:effectLst/>
-                <a:latin typeface="+mn-lt"/>
-                <a:ea typeface="+mn-ea"/>
-                <a:cs typeface="+mn-cs"/>
-              </a:rPr>
-              <a:t>outras</a:t>
-            </a:r>
-            <a:r>
-              <a:rPr lang="en-US" sz="1200" b="0" i="0" kern="1200" dirty="0">
-                <a:solidFill>
-                  <a:schemeClr val="tx1"/>
-                </a:solidFill>
-                <a:effectLst/>
-                <a:latin typeface="+mn-lt"/>
-                <a:ea typeface="+mn-ea"/>
-                <a:cs typeface="+mn-cs"/>
-              </a:rPr>
-              <a:t> </a:t>
-            </a:r>
-            <a:r>
-              <a:rPr lang="en-US" sz="1200" b="0" i="0" kern="1200" dirty="0" err="1">
-                <a:solidFill>
-                  <a:schemeClr val="tx1"/>
-                </a:solidFill>
-                <a:effectLst/>
-                <a:latin typeface="+mn-lt"/>
-                <a:ea typeface="+mn-ea"/>
-                <a:cs typeface="+mn-cs"/>
-              </a:rPr>
-              <a:t>mudanças</a:t>
-            </a:r>
-            <a:r>
-              <a:rPr lang="en-US" sz="1200" b="0" i="0" kern="1200" dirty="0">
-                <a:solidFill>
-                  <a:schemeClr val="tx1"/>
-                </a:solidFill>
-                <a:effectLst/>
-                <a:latin typeface="+mn-lt"/>
-                <a:ea typeface="+mn-ea"/>
-                <a:cs typeface="+mn-cs"/>
-              </a:rPr>
-              <a:t> para </a:t>
-            </a:r>
-            <a:r>
-              <a:rPr lang="en-US" sz="1200" b="0" i="0" kern="1200" dirty="0" err="1">
-                <a:solidFill>
-                  <a:schemeClr val="tx1"/>
-                </a:solidFill>
-                <a:effectLst/>
-                <a:latin typeface="+mn-lt"/>
-                <a:ea typeface="+mn-ea"/>
-                <a:cs typeface="+mn-cs"/>
-              </a:rPr>
-              <a:t>garatir</a:t>
-            </a:r>
-            <a:r>
-              <a:rPr lang="en-US" sz="1200" b="0" i="0" kern="1200" dirty="0">
-                <a:solidFill>
-                  <a:schemeClr val="tx1"/>
-                </a:solidFill>
-                <a:effectLst/>
-                <a:latin typeface="+mn-lt"/>
-                <a:ea typeface="+mn-ea"/>
-                <a:cs typeface="+mn-cs"/>
-              </a:rPr>
-              <a:t> o </a:t>
-            </a:r>
-            <a:r>
-              <a:rPr lang="en-US" sz="1200" b="0" i="0" kern="1200" dirty="0" err="1">
-                <a:solidFill>
-                  <a:schemeClr val="tx1"/>
-                </a:solidFill>
-                <a:effectLst/>
-                <a:latin typeface="+mn-lt"/>
-                <a:ea typeface="+mn-ea"/>
-                <a:cs typeface="+mn-cs"/>
-              </a:rPr>
-              <a:t>bom</a:t>
-            </a:r>
-            <a:r>
-              <a:rPr lang="en-US" sz="1200" b="0" i="0" kern="1200" dirty="0">
-                <a:solidFill>
-                  <a:schemeClr val="tx1"/>
-                </a:solidFill>
-                <a:effectLst/>
-                <a:latin typeface="+mn-lt"/>
-                <a:ea typeface="+mn-ea"/>
-                <a:cs typeface="+mn-cs"/>
-              </a:rPr>
-              <a:t> </a:t>
-            </a:r>
-            <a:r>
-              <a:rPr lang="en-US" sz="1200" b="0" i="0" kern="1200" dirty="0" err="1">
-                <a:solidFill>
-                  <a:schemeClr val="tx1"/>
-                </a:solidFill>
-                <a:effectLst/>
-                <a:latin typeface="+mn-lt"/>
-                <a:ea typeface="+mn-ea"/>
-                <a:cs typeface="+mn-cs"/>
-              </a:rPr>
-              <a:t>funcionamento</a:t>
-            </a:r>
-            <a:r>
-              <a:rPr lang="en-US" sz="1200" b="0" i="0" kern="1200" dirty="0">
-                <a:solidFill>
-                  <a:schemeClr val="tx1"/>
-                </a:solidFill>
-                <a:effectLst/>
-                <a:latin typeface="+mn-lt"/>
-                <a:ea typeface="+mn-ea"/>
-                <a:cs typeface="+mn-cs"/>
-              </a:rPr>
-              <a:t> do </a:t>
-            </a:r>
-            <a:r>
-              <a:rPr lang="en-US" sz="1200" b="0" i="0" kern="1200" dirty="0" err="1">
-                <a:solidFill>
-                  <a:schemeClr val="tx1"/>
-                </a:solidFill>
-                <a:effectLst/>
-                <a:latin typeface="+mn-lt"/>
-                <a:ea typeface="+mn-ea"/>
-                <a:cs typeface="+mn-cs"/>
-              </a:rPr>
-              <a:t>sistema</a:t>
-            </a:r>
-            <a:r>
-              <a:rPr lang="en-US" sz="1200" b="0" i="0" kern="1200" dirty="0">
-                <a:solidFill>
-                  <a:schemeClr val="tx1"/>
-                </a:solidFill>
-                <a:effectLst/>
-                <a:latin typeface="+mn-lt"/>
-                <a:ea typeface="+mn-ea"/>
-                <a:cs typeface="+mn-cs"/>
-              </a:rPr>
-              <a:t>.</a:t>
-            </a:r>
-          </a:p>
-          <a:p>
-            <a:pPr marL="0" indent="0">
-              <a:buFont typeface="Arial" panose="020B0604020202020204" pitchFamily="34" charset="0"/>
-              <a:buNone/>
-            </a:pPr>
-            <a:endParaRPr lang="en-US" sz="1200" b="0" i="0" kern="1200" dirty="0">
-              <a:solidFill>
-                <a:schemeClr val="tx1"/>
-              </a:solidFill>
-              <a:effectLst/>
-              <a:latin typeface="+mn-lt"/>
-              <a:ea typeface="+mn-ea"/>
-              <a:cs typeface="+mn-cs"/>
-            </a:endParaRPr>
-          </a:p>
-          <a:p>
-            <a:pPr marL="0" indent="0">
-              <a:buFont typeface="Arial" panose="020B0604020202020204" pitchFamily="34" charset="0"/>
-              <a:buNone/>
-            </a:pPr>
-            <a:endParaRPr lang="en-US" sz="1200" b="0" i="0" kern="1200" dirty="0">
-              <a:solidFill>
-                <a:schemeClr val="tx1"/>
-              </a:solidFill>
-              <a:effectLst/>
-              <a:latin typeface="+mn-lt"/>
-              <a:ea typeface="+mn-ea"/>
-              <a:cs typeface="+mn-cs"/>
-            </a:endParaRPr>
+              <a:rPr lang="pt-PT" dirty="0" err="1"/>
+              <a:t>nomeamente</a:t>
+            </a:r>
+            <a:r>
+              <a:rPr lang="pt-PT" dirty="0"/>
+              <a:t> o que ele é e como funciona de uma maneira geral</a:t>
+            </a:r>
+          </a:p>
+          <a:p>
+            <a:r>
+              <a:rPr lang="pt-PT" dirty="0"/>
+              <a:t>3 – Na terceira parte da agenda vamos falar sobre algumas considerações que eu tirei durante a minha pesquisa, com isto quero dizer alguns aspetos positivos e negativos na sua utilização</a:t>
+            </a:r>
+          </a:p>
+          <a:p>
+            <a:r>
+              <a:rPr lang="pt-PT" dirty="0"/>
+              <a:t>4 – E para encerrar mostrar algumas aplicações contruídas com base no </a:t>
+            </a:r>
+            <a:r>
+              <a:rPr lang="pt-PT" dirty="0" err="1"/>
+              <a:t>Electron</a:t>
+            </a:r>
+            <a:r>
+              <a:rPr lang="pt-PT" dirty="0"/>
+              <a:t>, que nós utilizamos todos os dias, e provavelmente não sabíamos que tinham sido criadas com esta </a:t>
+            </a:r>
+            <a:r>
+              <a:rPr lang="pt-PT" dirty="0" err="1"/>
+              <a:t>framework</a:t>
+            </a:r>
+            <a:r>
+              <a:rPr lang="pt-PT"/>
+              <a:t> (eu </a:t>
+            </a:r>
+            <a:r>
+              <a:rPr lang="pt-PT" dirty="0"/>
+              <a:t>pelo menos </a:t>
+            </a:r>
+            <a:r>
+              <a:rPr lang="pt-PT"/>
+              <a:t>não sabia)</a:t>
+            </a:r>
+            <a:endParaRPr lang="pt-PT" dirty="0"/>
           </a:p>
         </p:txBody>
       </p:sp>
@@ -3150,7 +2523,7 @@
             <a:fld id="{FC77E7C4-E54C-465D-ABEB-E0CB3A6B840B}" type="slidenum">
               <a:rPr lang="pt-PT" smtClean="0"/>
               <a:pPr/>
-              <a:t>3</a:t>
+              <a:t>2</a:t>
             </a:fld>
             <a:endParaRPr lang="pt-PT"/>
           </a:p>
@@ -3159,7 +2532,7 @@
     </p:spTree>
     <p:extLst>
       <p:ext uri="{BB962C8B-B14F-4D97-AF65-F5344CB8AC3E}">
-        <p14:creationId xmlns:p14="http://schemas.microsoft.com/office/powerpoint/2010/main" val="2788708707"/>
+        <p14:creationId xmlns:p14="http://schemas.microsoft.com/office/powerpoint/2010/main" val="3251639144"/>
       </p:ext>
     </p:extLst>
   </p:cSld>
@@ -3213,30 +2586,1663 @@
           <a:bodyPr/>
           <a:lstStyle/>
           <a:p>
-            <a:pPr algn="just"/>
-            <a:r>
-              <a:rPr lang="pt-PT" dirty="0"/>
-              <a:t>1- Além de que no desenho da aplicação é ainda necessário traduzir a criatividade do código  para os diferentes sistemas operativos se se quiser tirar partido de “</a:t>
-            </a:r>
-            <a:r>
-              <a:rPr lang="pt-PT" i="1" dirty="0" err="1"/>
-              <a:t>features</a:t>
-            </a:r>
-            <a:r>
-              <a:rPr lang="pt-PT" i="1" dirty="0"/>
-              <a:t>”</a:t>
-            </a:r>
-            <a:r>
-              <a:rPr lang="pt-PT" dirty="0"/>
-              <a:t> nativas, como os menus e notificações.</a:t>
-            </a:r>
-          </a:p>
-          <a:p>
-            <a:pPr algn="just"/>
-            <a:r>
-              <a:rPr lang="pt-PT" dirty="0"/>
-              <a:t>2- Fazer código para multiplataformas não é uma tarefa trivial e requer bastante conhecimento das nuances da implementação de cada OS.</a:t>
-            </a:r>
+            <a:pPr marL="0" indent="0" algn="just">
+              <a:buFont typeface="Arial" panose="020B0604020202020204" pitchFamily="34" charset="0"/>
+              <a:buNone/>
+            </a:pPr>
+            <a:r>
+              <a:rPr lang="en-US" sz="1200" b="0" i="0" kern="1200" dirty="0">
+                <a:solidFill>
+                  <a:schemeClr val="tx1"/>
+                </a:solidFill>
+                <a:effectLst/>
+                <a:latin typeface="+mn-lt"/>
+                <a:ea typeface="+mn-ea"/>
+                <a:cs typeface="+mn-cs"/>
+              </a:rPr>
+              <a:t>1 – As </a:t>
+            </a:r>
+            <a:r>
+              <a:rPr lang="en-US" sz="1200" b="0" i="0" kern="1200" dirty="0" err="1">
+                <a:solidFill>
+                  <a:schemeClr val="tx1"/>
+                </a:solidFill>
+                <a:effectLst/>
+                <a:latin typeface="+mn-lt"/>
+                <a:ea typeface="+mn-ea"/>
+                <a:cs typeface="+mn-cs"/>
+              </a:rPr>
+              <a:t>aplicações</a:t>
+            </a:r>
+            <a:r>
+              <a:rPr lang="en-US" sz="1200" b="0" i="0" kern="1200" dirty="0">
+                <a:solidFill>
+                  <a:schemeClr val="tx1"/>
+                </a:solidFill>
+                <a:effectLst/>
+                <a:latin typeface="+mn-lt"/>
+                <a:ea typeface="+mn-ea"/>
+                <a:cs typeface="+mn-cs"/>
+              </a:rPr>
+              <a:t> </a:t>
+            </a:r>
+            <a:r>
+              <a:rPr lang="en-US" sz="1200" b="0" i="0" kern="1200" dirty="0" err="1">
+                <a:solidFill>
+                  <a:schemeClr val="tx1"/>
+                </a:solidFill>
+                <a:effectLst/>
+                <a:latin typeface="+mn-lt"/>
+                <a:ea typeface="+mn-ea"/>
+                <a:cs typeface="+mn-cs"/>
+              </a:rPr>
+              <a:t>desenvolvidas</a:t>
+            </a:r>
+            <a:r>
+              <a:rPr lang="en-US" sz="1200" b="0" i="0" kern="1200" dirty="0">
+                <a:solidFill>
+                  <a:schemeClr val="tx1"/>
+                </a:solidFill>
+                <a:effectLst/>
+                <a:latin typeface="+mn-lt"/>
+                <a:ea typeface="+mn-ea"/>
+                <a:cs typeface="+mn-cs"/>
+              </a:rPr>
+              <a:t> </a:t>
+            </a:r>
+            <a:r>
+              <a:rPr lang="en-US" sz="1200" b="0" i="0" kern="1200" dirty="0" err="1">
+                <a:solidFill>
+                  <a:schemeClr val="tx1"/>
+                </a:solidFill>
+                <a:effectLst/>
+                <a:latin typeface="+mn-lt"/>
+                <a:ea typeface="+mn-ea"/>
+                <a:cs typeface="+mn-cs"/>
+              </a:rPr>
+              <a:t>tem</a:t>
+            </a:r>
+            <a:r>
+              <a:rPr lang="en-US" sz="1200" b="0" i="0" kern="1200" dirty="0">
+                <a:solidFill>
+                  <a:schemeClr val="tx1"/>
+                </a:solidFill>
+                <a:effectLst/>
+                <a:latin typeface="+mn-lt"/>
+                <a:ea typeface="+mn-ea"/>
+                <a:cs typeface="+mn-cs"/>
+              </a:rPr>
+              <a:t> </a:t>
+            </a:r>
+            <a:r>
+              <a:rPr lang="en-US" sz="1200" b="0" i="0" kern="1200" dirty="0" err="1">
+                <a:solidFill>
+                  <a:schemeClr val="tx1"/>
+                </a:solidFill>
+                <a:effectLst/>
+                <a:latin typeface="+mn-lt"/>
+                <a:ea typeface="+mn-ea"/>
+                <a:cs typeface="+mn-cs"/>
+              </a:rPr>
+              <a:t>sempre</a:t>
+            </a:r>
+            <a:r>
+              <a:rPr lang="en-US" sz="1200" b="0" i="0" kern="1200" dirty="0">
+                <a:solidFill>
+                  <a:schemeClr val="tx1"/>
+                </a:solidFill>
+                <a:effectLst/>
+                <a:latin typeface="+mn-lt"/>
+                <a:ea typeface="+mn-ea"/>
+                <a:cs typeface="+mn-cs"/>
+              </a:rPr>
+              <a:t> </a:t>
+            </a:r>
+            <a:r>
+              <a:rPr lang="en-US" sz="1200" b="0" i="0" kern="1200" dirty="0" err="1">
+                <a:solidFill>
+                  <a:schemeClr val="tx1"/>
+                </a:solidFill>
+                <a:effectLst/>
+                <a:latin typeface="+mn-lt"/>
+                <a:ea typeface="+mn-ea"/>
+                <a:cs typeface="+mn-cs"/>
+              </a:rPr>
+              <a:t>inerente</a:t>
+            </a:r>
+            <a:r>
+              <a:rPr lang="en-US" sz="1200" b="0" i="0" kern="1200" dirty="0">
+                <a:solidFill>
+                  <a:schemeClr val="tx1"/>
+                </a:solidFill>
+                <a:effectLst/>
+                <a:latin typeface="+mn-lt"/>
+                <a:ea typeface="+mn-ea"/>
+                <a:cs typeface="+mn-cs"/>
+              </a:rPr>
+              <a:t> </a:t>
+            </a:r>
+            <a:r>
+              <a:rPr lang="en-US" sz="1200" b="0" i="0" kern="1200" dirty="0" err="1">
+                <a:solidFill>
+                  <a:schemeClr val="tx1"/>
+                </a:solidFill>
+                <a:effectLst/>
+                <a:latin typeface="+mn-lt"/>
+                <a:ea typeface="+mn-ea"/>
+                <a:cs typeface="+mn-cs"/>
+              </a:rPr>
+              <a:t>algumas</a:t>
+            </a:r>
+            <a:r>
+              <a:rPr lang="en-US" sz="1200" b="0" i="0" kern="1200" dirty="0">
+                <a:solidFill>
+                  <a:schemeClr val="tx1"/>
+                </a:solidFill>
+                <a:effectLst/>
+                <a:latin typeface="+mn-lt"/>
+                <a:ea typeface="+mn-ea"/>
+                <a:cs typeface="+mn-cs"/>
+              </a:rPr>
+              <a:t> </a:t>
+            </a:r>
+            <a:r>
+              <a:rPr lang="en-US" sz="1200" b="0" i="0" kern="1200" dirty="0" err="1">
+                <a:solidFill>
+                  <a:schemeClr val="tx1"/>
+                </a:solidFill>
+                <a:effectLst/>
+                <a:latin typeface="+mn-lt"/>
+                <a:ea typeface="+mn-ea"/>
+                <a:cs typeface="+mn-cs"/>
+              </a:rPr>
+              <a:t>limitaçoes</a:t>
+            </a:r>
+            <a:endParaRPr lang="en-US" sz="1200" b="0" i="0" kern="1200" dirty="0">
+              <a:solidFill>
+                <a:schemeClr val="tx1"/>
+              </a:solidFill>
+              <a:effectLst/>
+              <a:latin typeface="+mn-lt"/>
+              <a:ea typeface="+mn-ea"/>
+              <a:cs typeface="+mn-cs"/>
+            </a:endParaRPr>
+          </a:p>
+          <a:p>
+            <a:pPr marL="0" indent="0" algn="just">
+              <a:buFont typeface="Arial" panose="020B0604020202020204" pitchFamily="34" charset="0"/>
+              <a:buNone/>
+            </a:pPr>
+            <a:r>
+              <a:rPr lang="en-US" sz="1200" b="0" i="0" kern="1200" dirty="0">
+                <a:solidFill>
+                  <a:schemeClr val="tx1"/>
+                </a:solidFill>
+                <a:effectLst/>
+                <a:latin typeface="+mn-lt"/>
+                <a:ea typeface="+mn-ea"/>
+                <a:cs typeface="+mn-cs"/>
+              </a:rPr>
+              <a:t>2 – No </a:t>
+            </a:r>
+            <a:r>
+              <a:rPr lang="en-US" sz="1200" b="0" i="0" kern="1200" dirty="0" err="1">
+                <a:solidFill>
+                  <a:schemeClr val="tx1"/>
+                </a:solidFill>
+                <a:effectLst/>
+                <a:latin typeface="+mn-lt"/>
+                <a:ea typeface="+mn-ea"/>
+                <a:cs typeface="+mn-cs"/>
+              </a:rPr>
+              <a:t>caso</a:t>
+            </a:r>
+            <a:r>
+              <a:rPr lang="en-US" sz="1200" b="0" i="0" kern="1200" dirty="0">
+                <a:solidFill>
+                  <a:schemeClr val="tx1"/>
+                </a:solidFill>
+                <a:effectLst/>
+                <a:latin typeface="+mn-lt"/>
+                <a:ea typeface="+mn-ea"/>
+                <a:cs typeface="+mn-cs"/>
+              </a:rPr>
+              <a:t> de </a:t>
+            </a:r>
+            <a:r>
+              <a:rPr lang="en-US" sz="1200" b="0" i="0" kern="1200" dirty="0" err="1">
+                <a:solidFill>
+                  <a:schemeClr val="tx1"/>
+                </a:solidFill>
+                <a:effectLst/>
+                <a:latin typeface="+mn-lt"/>
+                <a:ea typeface="+mn-ea"/>
+                <a:cs typeface="+mn-cs"/>
+              </a:rPr>
+              <a:t>aplicações</a:t>
+            </a:r>
+            <a:r>
+              <a:rPr lang="en-US" sz="1200" b="0" i="0" kern="1200" dirty="0">
+                <a:solidFill>
+                  <a:schemeClr val="tx1"/>
+                </a:solidFill>
+                <a:effectLst/>
+                <a:latin typeface="+mn-lt"/>
+                <a:ea typeface="+mn-ea"/>
+                <a:cs typeface="+mn-cs"/>
+              </a:rPr>
+              <a:t> Desktop </a:t>
+            </a:r>
+            <a:r>
+              <a:rPr lang="en-US" sz="1200" b="0" i="0" kern="1200" dirty="0" err="1">
+                <a:solidFill>
+                  <a:schemeClr val="tx1"/>
+                </a:solidFill>
+                <a:effectLst/>
+                <a:latin typeface="+mn-lt"/>
+                <a:ea typeface="+mn-ea"/>
+                <a:cs typeface="+mn-cs"/>
+              </a:rPr>
+              <a:t>estas</a:t>
+            </a:r>
+            <a:r>
+              <a:rPr lang="en-US" sz="1200" b="0" i="0" kern="1200" dirty="0">
+                <a:solidFill>
+                  <a:schemeClr val="tx1"/>
+                </a:solidFill>
+                <a:effectLst/>
+                <a:latin typeface="+mn-lt"/>
+                <a:ea typeface="+mn-ea"/>
+                <a:cs typeface="+mn-cs"/>
+              </a:rPr>
+              <a:t> </a:t>
+            </a:r>
+            <a:r>
+              <a:rPr lang="en-US" sz="1200" b="0" i="0" kern="1200" dirty="0" err="1">
+                <a:solidFill>
+                  <a:schemeClr val="tx1"/>
+                </a:solidFill>
+                <a:effectLst/>
+                <a:latin typeface="+mn-lt"/>
+                <a:ea typeface="+mn-ea"/>
+                <a:cs typeface="+mn-cs"/>
+              </a:rPr>
+              <a:t>estão</a:t>
+            </a:r>
+            <a:r>
+              <a:rPr lang="en-US" sz="1200" b="0" i="0" kern="1200" dirty="0">
+                <a:solidFill>
+                  <a:schemeClr val="tx1"/>
+                </a:solidFill>
+                <a:effectLst/>
+                <a:latin typeface="+mn-lt"/>
+                <a:ea typeface="+mn-ea"/>
+                <a:cs typeface="+mn-cs"/>
+              </a:rPr>
+              <a:t> </a:t>
+            </a:r>
+            <a:r>
+              <a:rPr lang="en-US" sz="1200" b="0" i="0" kern="1200" dirty="0" err="1">
+                <a:solidFill>
+                  <a:schemeClr val="tx1"/>
+                </a:solidFill>
+                <a:effectLst/>
+                <a:latin typeface="+mn-lt"/>
+                <a:ea typeface="+mn-ea"/>
+                <a:cs typeface="+mn-cs"/>
+              </a:rPr>
+              <a:t>geralmente</a:t>
+            </a:r>
+            <a:r>
+              <a:rPr lang="en-US" sz="1200" b="0" i="0" kern="1200" dirty="0">
+                <a:solidFill>
+                  <a:schemeClr val="tx1"/>
+                </a:solidFill>
+                <a:effectLst/>
+                <a:latin typeface="+mn-lt"/>
+                <a:ea typeface="+mn-ea"/>
+                <a:cs typeface="+mn-cs"/>
+              </a:rPr>
+              <a:t> </a:t>
+            </a:r>
+            <a:r>
+              <a:rPr lang="en-US" sz="1200" b="0" i="0" kern="1200" dirty="0" err="1">
+                <a:solidFill>
+                  <a:schemeClr val="tx1"/>
+                </a:solidFill>
+                <a:effectLst/>
+                <a:latin typeface="+mn-lt"/>
+                <a:ea typeface="+mn-ea"/>
+                <a:cs typeface="+mn-cs"/>
+              </a:rPr>
+              <a:t>limitadas</a:t>
+            </a:r>
+            <a:r>
+              <a:rPr lang="en-US" sz="1200" b="0" i="0" kern="1200" dirty="0">
+                <a:solidFill>
+                  <a:schemeClr val="tx1"/>
+                </a:solidFill>
+                <a:effectLst/>
+                <a:latin typeface="+mn-lt"/>
+                <a:ea typeface="+mn-ea"/>
+                <a:cs typeface="+mn-cs"/>
+              </a:rPr>
+              <a:t> </a:t>
+            </a:r>
+            <a:r>
+              <a:rPr lang="en-US" sz="1200" b="0" i="0" kern="1200" dirty="0" err="1">
+                <a:solidFill>
+                  <a:schemeClr val="tx1"/>
+                </a:solidFill>
+                <a:effectLst/>
+                <a:latin typeface="+mn-lt"/>
+                <a:ea typeface="+mn-ea"/>
+                <a:cs typeface="+mn-cs"/>
+              </a:rPr>
+              <a:t>pelo</a:t>
+            </a:r>
+            <a:r>
+              <a:rPr lang="en-US" sz="1200" b="0" i="0" kern="1200" dirty="0">
+                <a:solidFill>
+                  <a:schemeClr val="tx1"/>
+                </a:solidFill>
+                <a:effectLst/>
+                <a:latin typeface="+mn-lt"/>
+                <a:ea typeface="+mn-ea"/>
+                <a:cs typeface="+mn-cs"/>
+              </a:rPr>
+              <a:t> </a:t>
+            </a:r>
+            <a:r>
+              <a:rPr lang="en-US" sz="1200" b="1" i="0" kern="1200" dirty="0">
+                <a:solidFill>
+                  <a:schemeClr val="tx1"/>
+                </a:solidFill>
+                <a:effectLst/>
+                <a:latin typeface="+mn-lt"/>
+                <a:ea typeface="+mn-ea"/>
+                <a:cs typeface="+mn-cs"/>
+              </a:rPr>
+              <a:t>HARDWARE</a:t>
+            </a:r>
+            <a:r>
+              <a:rPr lang="en-US" sz="1200" b="0" i="0" kern="1200" dirty="0">
+                <a:solidFill>
+                  <a:schemeClr val="tx1"/>
+                </a:solidFill>
+                <a:effectLst/>
+                <a:latin typeface="+mn-lt"/>
+                <a:ea typeface="+mn-ea"/>
+                <a:cs typeface="+mn-cs"/>
+              </a:rPr>
+              <a:t> </a:t>
+            </a:r>
+            <a:r>
+              <a:rPr lang="en-US" sz="1200" b="0" i="0" kern="1200" dirty="0" err="1">
+                <a:solidFill>
+                  <a:schemeClr val="tx1"/>
+                </a:solidFill>
+                <a:effectLst/>
+                <a:latin typeface="+mn-lt"/>
+                <a:ea typeface="+mn-ea"/>
+                <a:cs typeface="+mn-cs"/>
+              </a:rPr>
+              <a:t>onde</a:t>
+            </a:r>
+            <a:r>
+              <a:rPr lang="en-US" sz="1200" b="0" i="0" kern="1200" dirty="0">
+                <a:solidFill>
+                  <a:schemeClr val="tx1"/>
+                </a:solidFill>
+                <a:effectLst/>
+                <a:latin typeface="+mn-lt"/>
+                <a:ea typeface="+mn-ea"/>
+                <a:cs typeface="+mn-cs"/>
+              </a:rPr>
+              <a:t> </a:t>
+            </a:r>
+            <a:r>
+              <a:rPr lang="en-US" sz="1200" b="0" i="0" kern="1200" dirty="0" err="1">
+                <a:solidFill>
+                  <a:schemeClr val="tx1"/>
+                </a:solidFill>
+                <a:effectLst/>
+                <a:latin typeface="+mn-lt"/>
+                <a:ea typeface="+mn-ea"/>
+                <a:cs typeface="+mn-cs"/>
+              </a:rPr>
+              <a:t>correm</a:t>
+            </a:r>
+            <a:r>
+              <a:rPr lang="en-US" sz="1200" b="0" i="0" kern="1200" dirty="0">
+                <a:solidFill>
+                  <a:schemeClr val="tx1"/>
+                </a:solidFill>
+                <a:effectLst/>
+                <a:latin typeface="+mn-lt"/>
+                <a:ea typeface="+mn-ea"/>
+                <a:cs typeface="+mn-cs"/>
+              </a:rPr>
+              <a:t>.</a:t>
+            </a:r>
+          </a:p>
+          <a:p>
+            <a:pPr marL="0" indent="0" algn="just">
+              <a:buFont typeface="Arial" panose="020B0604020202020204" pitchFamily="34" charset="0"/>
+              <a:buNone/>
+            </a:pPr>
+            <a:r>
+              <a:rPr lang="en-US" sz="1200" b="0" i="0" kern="1200" dirty="0">
+                <a:solidFill>
+                  <a:schemeClr val="tx1"/>
+                </a:solidFill>
+                <a:effectLst/>
+                <a:latin typeface="+mn-lt"/>
+                <a:ea typeface="+mn-ea"/>
+                <a:cs typeface="+mn-cs"/>
+              </a:rPr>
+              <a:t>3 – </a:t>
+            </a:r>
+            <a:r>
+              <a:rPr lang="en-US" sz="1200" b="0" i="0" kern="1200" dirty="0" err="1">
+                <a:solidFill>
+                  <a:schemeClr val="tx1"/>
+                </a:solidFill>
+                <a:effectLst/>
+                <a:latin typeface="+mn-lt"/>
+                <a:ea typeface="+mn-ea"/>
+                <a:cs typeface="+mn-cs"/>
+              </a:rPr>
+              <a:t>Também</a:t>
+            </a:r>
+            <a:r>
+              <a:rPr lang="en-US" sz="1200" b="0" i="0" kern="1200" dirty="0">
+                <a:solidFill>
+                  <a:schemeClr val="tx1"/>
+                </a:solidFill>
+                <a:effectLst/>
+                <a:latin typeface="+mn-lt"/>
+                <a:ea typeface="+mn-ea"/>
+                <a:cs typeface="+mn-cs"/>
+              </a:rPr>
+              <a:t> </a:t>
+            </a:r>
+            <a:r>
+              <a:rPr lang="en-US" sz="1200" b="0" i="0" kern="1200" dirty="0" err="1">
+                <a:solidFill>
+                  <a:schemeClr val="tx1"/>
+                </a:solidFill>
+                <a:effectLst/>
+                <a:latin typeface="+mn-lt"/>
+                <a:ea typeface="+mn-ea"/>
+                <a:cs typeface="+mn-cs"/>
+              </a:rPr>
+              <a:t>tem</a:t>
+            </a:r>
+            <a:r>
+              <a:rPr lang="en-US" sz="1200" b="0" i="0" kern="1200" dirty="0">
+                <a:solidFill>
+                  <a:schemeClr val="tx1"/>
+                </a:solidFill>
+                <a:effectLst/>
+                <a:latin typeface="+mn-lt"/>
+                <a:ea typeface="+mn-ea"/>
+                <a:cs typeface="+mn-cs"/>
+              </a:rPr>
+              <a:t> de ser </a:t>
+            </a:r>
+            <a:r>
+              <a:rPr lang="en-US" sz="1200" b="1" i="0" kern="1200" dirty="0">
+                <a:solidFill>
+                  <a:schemeClr val="tx1"/>
+                </a:solidFill>
+                <a:effectLst/>
+                <a:latin typeface="+mn-lt"/>
+                <a:ea typeface="+mn-ea"/>
+                <a:cs typeface="+mn-cs"/>
+              </a:rPr>
+              <a:t>INSTALADAS</a:t>
+            </a:r>
+            <a:r>
+              <a:rPr lang="en-US" sz="1200" b="0" i="0" kern="1200" dirty="0">
+                <a:solidFill>
+                  <a:schemeClr val="tx1"/>
+                </a:solidFill>
+                <a:effectLst/>
+                <a:latin typeface="+mn-lt"/>
+                <a:ea typeface="+mn-ea"/>
+                <a:cs typeface="+mn-cs"/>
+              </a:rPr>
+              <a:t> num </a:t>
+            </a:r>
+            <a:r>
+              <a:rPr lang="en-US" sz="1200" b="0" i="0" kern="1200" dirty="0" err="1">
+                <a:solidFill>
+                  <a:schemeClr val="tx1"/>
+                </a:solidFill>
+                <a:effectLst/>
+                <a:latin typeface="+mn-lt"/>
+                <a:ea typeface="+mn-ea"/>
+                <a:cs typeface="+mn-cs"/>
+              </a:rPr>
+              <a:t>sistema</a:t>
+            </a:r>
+            <a:r>
+              <a:rPr lang="en-US" sz="1200" b="0" i="0" kern="1200" dirty="0">
+                <a:solidFill>
+                  <a:schemeClr val="tx1"/>
+                </a:solidFill>
+                <a:effectLst/>
+                <a:latin typeface="+mn-lt"/>
+                <a:ea typeface="+mn-ea"/>
+                <a:cs typeface="+mn-cs"/>
+              </a:rPr>
+              <a:t> </a:t>
+            </a:r>
+            <a:r>
+              <a:rPr lang="en-US" sz="1200" b="0" i="0" kern="1200" dirty="0" err="1">
+                <a:solidFill>
+                  <a:schemeClr val="tx1"/>
+                </a:solidFill>
+                <a:effectLst/>
+                <a:latin typeface="+mn-lt"/>
+                <a:ea typeface="+mn-ea"/>
+                <a:cs typeface="+mn-cs"/>
+              </a:rPr>
+              <a:t>operativo</a:t>
+            </a:r>
+            <a:r>
+              <a:rPr lang="en-US" sz="1200" b="0" i="0" kern="1200" dirty="0">
+                <a:solidFill>
+                  <a:schemeClr val="tx1"/>
+                </a:solidFill>
+                <a:effectLst/>
+                <a:latin typeface="+mn-lt"/>
+                <a:ea typeface="+mn-ea"/>
+                <a:cs typeface="+mn-cs"/>
+              </a:rPr>
+              <a:t> </a:t>
+            </a:r>
+            <a:r>
+              <a:rPr lang="en-US" sz="1200" b="0" i="0" kern="1200" dirty="0" err="1">
+                <a:solidFill>
+                  <a:schemeClr val="tx1"/>
+                </a:solidFill>
+                <a:effectLst/>
+                <a:latin typeface="+mn-lt"/>
+                <a:ea typeface="+mn-ea"/>
+                <a:cs typeface="+mn-cs"/>
+              </a:rPr>
+              <a:t>específico</a:t>
+            </a:r>
+            <a:r>
+              <a:rPr lang="en-US" sz="1200" b="0" i="0" kern="1200" dirty="0">
+                <a:solidFill>
+                  <a:schemeClr val="tx1"/>
+                </a:solidFill>
+                <a:effectLst/>
+                <a:latin typeface="+mn-lt"/>
+                <a:ea typeface="+mn-ea"/>
+                <a:cs typeface="+mn-cs"/>
+              </a:rPr>
+              <a:t>, </a:t>
+            </a:r>
+            <a:r>
+              <a:rPr lang="en-US" sz="1200" b="0" i="0" kern="1200" dirty="0" err="1">
+                <a:solidFill>
+                  <a:schemeClr val="tx1"/>
+                </a:solidFill>
+                <a:effectLst/>
+                <a:latin typeface="+mn-lt"/>
+                <a:ea typeface="+mn-ea"/>
+                <a:cs typeface="+mn-cs"/>
+              </a:rPr>
+              <a:t>onde</a:t>
+            </a:r>
+            <a:r>
+              <a:rPr lang="en-US" sz="1200" b="0" i="0" kern="1200" dirty="0">
+                <a:solidFill>
+                  <a:schemeClr val="tx1"/>
+                </a:solidFill>
+                <a:effectLst/>
+                <a:latin typeface="+mn-lt"/>
+                <a:ea typeface="+mn-ea"/>
+                <a:cs typeface="+mn-cs"/>
+              </a:rPr>
+              <a:t> </a:t>
+            </a:r>
+            <a:r>
+              <a:rPr lang="en-US" sz="1200" b="0" i="0" kern="1200" dirty="0" err="1">
+                <a:solidFill>
+                  <a:schemeClr val="tx1"/>
+                </a:solidFill>
+                <a:effectLst/>
+                <a:latin typeface="+mn-lt"/>
+                <a:ea typeface="+mn-ea"/>
+                <a:cs typeface="+mn-cs"/>
+              </a:rPr>
+              <a:t>ele</a:t>
+            </a:r>
+            <a:r>
+              <a:rPr lang="en-US" sz="1200" b="0" i="0" kern="1200" dirty="0">
+                <a:solidFill>
+                  <a:schemeClr val="tx1"/>
+                </a:solidFill>
+                <a:effectLst/>
+                <a:latin typeface="+mn-lt"/>
+                <a:ea typeface="+mn-ea"/>
+                <a:cs typeface="+mn-cs"/>
+              </a:rPr>
+              <a:t> </a:t>
+            </a:r>
+            <a:r>
+              <a:rPr lang="en-US" sz="1200" b="0" i="0" kern="1200" dirty="0" err="1">
+                <a:solidFill>
+                  <a:schemeClr val="tx1"/>
+                </a:solidFill>
+                <a:effectLst/>
+                <a:latin typeface="+mn-lt"/>
+                <a:ea typeface="+mn-ea"/>
+                <a:cs typeface="+mn-cs"/>
+              </a:rPr>
+              <a:t>próprio</a:t>
+            </a:r>
+            <a:r>
+              <a:rPr lang="en-US" sz="1200" b="0" i="0" kern="1200" dirty="0">
+                <a:solidFill>
+                  <a:schemeClr val="tx1"/>
+                </a:solidFill>
+                <a:effectLst/>
+                <a:latin typeface="+mn-lt"/>
+                <a:ea typeface="+mn-ea"/>
+                <a:cs typeface="+mn-cs"/>
+              </a:rPr>
+              <a:t> </a:t>
+            </a:r>
+            <a:r>
+              <a:rPr lang="en-US" sz="1200" b="0" i="0" kern="1200" dirty="0" err="1">
+                <a:solidFill>
+                  <a:schemeClr val="tx1"/>
+                </a:solidFill>
+                <a:effectLst/>
+                <a:latin typeface="+mn-lt"/>
+                <a:ea typeface="+mn-ea"/>
+                <a:cs typeface="+mn-cs"/>
+              </a:rPr>
+              <a:t>pode</a:t>
+            </a:r>
+            <a:r>
+              <a:rPr lang="en-US" sz="1200" b="0" i="0" kern="1200" dirty="0">
+                <a:solidFill>
+                  <a:schemeClr val="tx1"/>
+                </a:solidFill>
+                <a:effectLst/>
+                <a:latin typeface="+mn-lt"/>
+                <a:ea typeface="+mn-ea"/>
+                <a:cs typeface="+mn-cs"/>
+              </a:rPr>
+              <a:t> </a:t>
+            </a:r>
+            <a:r>
+              <a:rPr lang="en-US" sz="1200" b="0" i="0" kern="1200" dirty="0" err="1">
+                <a:solidFill>
+                  <a:schemeClr val="tx1"/>
+                </a:solidFill>
+                <a:effectLst/>
+                <a:latin typeface="+mn-lt"/>
+                <a:ea typeface="+mn-ea"/>
+                <a:cs typeface="+mn-cs"/>
+              </a:rPr>
+              <a:t>ter</a:t>
+            </a:r>
+            <a:r>
+              <a:rPr lang="en-US" sz="1200" b="0" i="0" kern="1200" dirty="0">
+                <a:solidFill>
+                  <a:schemeClr val="tx1"/>
+                </a:solidFill>
+                <a:effectLst/>
+                <a:latin typeface="+mn-lt"/>
+                <a:ea typeface="+mn-ea"/>
+                <a:cs typeface="+mn-cs"/>
+              </a:rPr>
+              <a:t> </a:t>
+            </a:r>
+            <a:r>
+              <a:rPr lang="en-US" sz="1200" b="0" i="0" kern="1200" dirty="0" err="1">
+                <a:solidFill>
+                  <a:schemeClr val="tx1"/>
+                </a:solidFill>
+                <a:effectLst/>
+                <a:latin typeface="+mn-lt"/>
+                <a:ea typeface="+mn-ea"/>
+                <a:cs typeface="+mn-cs"/>
+              </a:rPr>
+              <a:t>restrições</a:t>
+            </a:r>
+            <a:r>
+              <a:rPr lang="en-US" sz="1200" b="0" i="0" kern="1200" dirty="0">
+                <a:solidFill>
+                  <a:schemeClr val="tx1"/>
+                </a:solidFill>
+                <a:effectLst/>
+                <a:latin typeface="+mn-lt"/>
+                <a:ea typeface="+mn-ea"/>
+                <a:cs typeface="+mn-cs"/>
+              </a:rPr>
+              <a:t> de hardware para </a:t>
+            </a:r>
+            <a:r>
+              <a:rPr lang="en-US" sz="1200" b="0" i="0" kern="1200" dirty="0" err="1">
+                <a:solidFill>
+                  <a:schemeClr val="tx1"/>
+                </a:solidFill>
+                <a:effectLst/>
+                <a:latin typeface="+mn-lt"/>
+                <a:ea typeface="+mn-ea"/>
+                <a:cs typeface="+mn-cs"/>
+              </a:rPr>
+              <a:t>garantir</a:t>
+            </a:r>
+            <a:r>
+              <a:rPr lang="en-US" sz="1200" b="0" i="0" kern="1200" dirty="0">
+                <a:solidFill>
+                  <a:schemeClr val="tx1"/>
+                </a:solidFill>
+                <a:effectLst/>
+                <a:latin typeface="+mn-lt"/>
+                <a:ea typeface="+mn-ea"/>
+                <a:cs typeface="+mn-cs"/>
+              </a:rPr>
+              <a:t> o </a:t>
+            </a:r>
+            <a:r>
+              <a:rPr lang="en-US" sz="1200" b="0" i="0" kern="1200" dirty="0" err="1">
+                <a:solidFill>
+                  <a:schemeClr val="tx1"/>
+                </a:solidFill>
+                <a:effectLst/>
+                <a:latin typeface="+mn-lt"/>
+                <a:ea typeface="+mn-ea"/>
+                <a:cs typeface="+mn-cs"/>
+              </a:rPr>
+              <a:t>bom</a:t>
+            </a:r>
+            <a:r>
+              <a:rPr lang="en-US" sz="1200" b="0" i="0" kern="1200" dirty="0">
+                <a:solidFill>
+                  <a:schemeClr val="tx1"/>
+                </a:solidFill>
+                <a:effectLst/>
+                <a:latin typeface="+mn-lt"/>
+                <a:ea typeface="+mn-ea"/>
+                <a:cs typeface="+mn-cs"/>
+              </a:rPr>
+              <a:t> </a:t>
+            </a:r>
+            <a:r>
+              <a:rPr lang="en-US" sz="1200" b="0" i="0" kern="1200" dirty="0" err="1">
+                <a:solidFill>
+                  <a:schemeClr val="tx1"/>
+                </a:solidFill>
+                <a:effectLst/>
+                <a:latin typeface="+mn-lt"/>
+                <a:ea typeface="+mn-ea"/>
+                <a:cs typeface="+mn-cs"/>
+              </a:rPr>
+              <a:t>funcionamento</a:t>
+            </a:r>
+            <a:r>
+              <a:rPr lang="en-US" sz="1200" b="0" i="0" kern="1200" dirty="0">
+                <a:solidFill>
+                  <a:schemeClr val="tx1"/>
+                </a:solidFill>
+                <a:effectLst/>
+                <a:latin typeface="+mn-lt"/>
+                <a:ea typeface="+mn-ea"/>
+                <a:cs typeface="+mn-cs"/>
+              </a:rPr>
+              <a:t> da </a:t>
+            </a:r>
+            <a:r>
+              <a:rPr lang="en-US" sz="1200" b="0" i="0" kern="1200" dirty="0" err="1">
+                <a:solidFill>
+                  <a:schemeClr val="tx1"/>
+                </a:solidFill>
+                <a:effectLst/>
+                <a:latin typeface="+mn-lt"/>
+                <a:ea typeface="+mn-ea"/>
+                <a:cs typeface="+mn-cs"/>
+              </a:rPr>
+              <a:t>aplicação</a:t>
+            </a:r>
+            <a:r>
+              <a:rPr lang="en-US" sz="1200" b="0" i="0" kern="1200" dirty="0">
+                <a:solidFill>
+                  <a:schemeClr val="tx1"/>
+                </a:solidFill>
+                <a:effectLst/>
+                <a:latin typeface="+mn-lt"/>
+                <a:ea typeface="+mn-ea"/>
+                <a:cs typeface="+mn-cs"/>
+              </a:rPr>
+              <a:t>.</a:t>
+            </a:r>
+          </a:p>
+          <a:p>
+            <a:pPr marL="0" indent="0" algn="just">
+              <a:buFont typeface="Arial" panose="020B0604020202020204" pitchFamily="34" charset="0"/>
+              <a:buNone/>
+            </a:pPr>
+            <a:r>
+              <a:rPr lang="en-US" sz="1200" b="0" i="0" kern="1200" dirty="0">
+                <a:solidFill>
+                  <a:schemeClr val="tx1"/>
+                </a:solidFill>
+                <a:effectLst/>
+                <a:latin typeface="+mn-lt"/>
+                <a:ea typeface="+mn-ea"/>
+                <a:cs typeface="+mn-cs"/>
+              </a:rPr>
+              <a:t>4 – E </a:t>
+            </a:r>
+            <a:r>
+              <a:rPr lang="en-US" sz="1200" b="0" i="0" kern="1200" dirty="0" err="1">
+                <a:solidFill>
+                  <a:schemeClr val="tx1"/>
+                </a:solidFill>
+                <a:effectLst/>
+                <a:latin typeface="+mn-lt"/>
+                <a:ea typeface="+mn-ea"/>
+                <a:cs typeface="+mn-cs"/>
+              </a:rPr>
+              <a:t>são</a:t>
+            </a:r>
+            <a:r>
+              <a:rPr lang="en-US" sz="1200" b="0" i="0" kern="1200" dirty="0">
+                <a:solidFill>
+                  <a:schemeClr val="tx1"/>
+                </a:solidFill>
+                <a:effectLst/>
+                <a:latin typeface="+mn-lt"/>
+                <a:ea typeface="+mn-ea"/>
+                <a:cs typeface="+mn-cs"/>
+              </a:rPr>
+              <a:t> </a:t>
+            </a:r>
+            <a:r>
+              <a:rPr lang="en-US" sz="1200" b="0" i="0" kern="1200" dirty="0" err="1">
+                <a:solidFill>
+                  <a:schemeClr val="tx1"/>
+                </a:solidFill>
+                <a:effectLst/>
+                <a:latin typeface="+mn-lt"/>
+                <a:ea typeface="+mn-ea"/>
+                <a:cs typeface="+mn-cs"/>
+              </a:rPr>
+              <a:t>recorrentes</a:t>
+            </a:r>
+            <a:r>
+              <a:rPr lang="en-US" sz="1200" b="0" i="0" kern="1200" dirty="0">
+                <a:solidFill>
+                  <a:schemeClr val="tx1"/>
+                </a:solidFill>
+                <a:effectLst/>
+                <a:latin typeface="+mn-lt"/>
+                <a:ea typeface="+mn-ea"/>
+                <a:cs typeface="+mn-cs"/>
+              </a:rPr>
+              <a:t> </a:t>
+            </a:r>
+            <a:r>
+              <a:rPr lang="en-US" sz="1200" b="0" i="0" kern="1200" dirty="0" err="1">
+                <a:solidFill>
+                  <a:schemeClr val="tx1"/>
+                </a:solidFill>
+                <a:effectLst/>
+                <a:latin typeface="+mn-lt"/>
+                <a:ea typeface="+mn-ea"/>
+                <a:cs typeface="+mn-cs"/>
+              </a:rPr>
+              <a:t>os</a:t>
+            </a:r>
+            <a:r>
+              <a:rPr lang="en-US" sz="1200" b="0" i="0" kern="1200" dirty="0">
+                <a:solidFill>
+                  <a:schemeClr val="tx1"/>
+                </a:solidFill>
+                <a:effectLst/>
+                <a:latin typeface="+mn-lt"/>
+                <a:ea typeface="+mn-ea"/>
+                <a:cs typeface="+mn-cs"/>
+              </a:rPr>
+              <a:t> </a:t>
+            </a:r>
+            <a:r>
+              <a:rPr lang="en-US" sz="1200" b="1" i="0" kern="1200" dirty="0">
+                <a:solidFill>
+                  <a:schemeClr val="tx1"/>
+                </a:solidFill>
+                <a:effectLst/>
+                <a:latin typeface="+mn-lt"/>
+                <a:ea typeface="+mn-ea"/>
+                <a:cs typeface="+mn-cs"/>
+              </a:rPr>
+              <a:t>UPDATES</a:t>
+            </a:r>
+            <a:r>
+              <a:rPr lang="en-US" sz="1200" b="0" i="0" kern="1200" dirty="0">
+                <a:solidFill>
+                  <a:schemeClr val="tx1"/>
+                </a:solidFill>
+                <a:effectLst/>
+                <a:latin typeface="+mn-lt"/>
+                <a:ea typeface="+mn-ea"/>
+                <a:cs typeface="+mn-cs"/>
+              </a:rPr>
+              <a:t> </a:t>
+            </a:r>
+            <a:r>
+              <a:rPr lang="en-US" sz="1200" b="0" i="0" kern="1200" dirty="0" err="1">
+                <a:solidFill>
+                  <a:schemeClr val="tx1"/>
+                </a:solidFill>
+                <a:effectLst/>
+                <a:latin typeface="+mn-lt"/>
+                <a:ea typeface="+mn-ea"/>
+                <a:cs typeface="+mn-cs"/>
+              </a:rPr>
+              <a:t>nas</a:t>
+            </a:r>
+            <a:r>
+              <a:rPr lang="en-US" sz="1200" b="0" i="0" kern="1200" dirty="0">
+                <a:solidFill>
+                  <a:schemeClr val="tx1"/>
+                </a:solidFill>
+                <a:effectLst/>
+                <a:latin typeface="+mn-lt"/>
+                <a:ea typeface="+mn-ea"/>
+                <a:cs typeface="+mn-cs"/>
+              </a:rPr>
+              <a:t> </a:t>
+            </a:r>
+            <a:r>
+              <a:rPr lang="en-US" sz="1200" b="0" i="0" kern="1200" dirty="0" err="1">
+                <a:solidFill>
+                  <a:schemeClr val="tx1"/>
+                </a:solidFill>
+                <a:effectLst/>
+                <a:latin typeface="+mn-lt"/>
+                <a:ea typeface="+mn-ea"/>
+                <a:cs typeface="+mn-cs"/>
+              </a:rPr>
+              <a:t>aplicações</a:t>
+            </a:r>
+            <a:r>
+              <a:rPr lang="en-US" sz="1200" b="0" i="0" kern="1200" dirty="0">
+                <a:solidFill>
+                  <a:schemeClr val="tx1"/>
+                </a:solidFill>
+                <a:effectLst/>
+                <a:latin typeface="+mn-lt"/>
+                <a:ea typeface="+mn-ea"/>
+                <a:cs typeface="+mn-cs"/>
+              </a:rPr>
+              <a:t>, </a:t>
+            </a:r>
+            <a:r>
+              <a:rPr lang="en-US" sz="1200" b="0" i="0" kern="1200" dirty="0" err="1">
+                <a:solidFill>
+                  <a:schemeClr val="tx1"/>
+                </a:solidFill>
+                <a:effectLst/>
+                <a:latin typeface="+mn-lt"/>
+                <a:ea typeface="+mn-ea"/>
+                <a:cs typeface="+mn-cs"/>
+              </a:rPr>
+              <a:t>são</a:t>
+            </a:r>
+            <a:r>
+              <a:rPr lang="en-US" sz="1200" b="0" i="0" kern="1200" dirty="0">
+                <a:solidFill>
+                  <a:schemeClr val="tx1"/>
+                </a:solidFill>
+                <a:effectLst/>
+                <a:latin typeface="+mn-lt"/>
+                <a:ea typeface="+mn-ea"/>
+                <a:cs typeface="+mn-cs"/>
+              </a:rPr>
+              <a:t> </a:t>
+            </a:r>
+            <a:r>
+              <a:rPr lang="en-US" sz="1200" b="0" i="0" kern="1200" dirty="0" err="1">
+                <a:solidFill>
+                  <a:schemeClr val="tx1"/>
+                </a:solidFill>
+                <a:effectLst/>
+                <a:latin typeface="+mn-lt"/>
+                <a:ea typeface="+mn-ea"/>
+                <a:cs typeface="+mn-cs"/>
+              </a:rPr>
+              <a:t>feitas</a:t>
+            </a:r>
+            <a:r>
+              <a:rPr lang="en-US" sz="1200" b="0" i="0" kern="1200" dirty="0">
+                <a:solidFill>
+                  <a:schemeClr val="tx1"/>
+                </a:solidFill>
+                <a:effectLst/>
+                <a:latin typeface="+mn-lt"/>
+                <a:ea typeface="+mn-ea"/>
+                <a:cs typeface="+mn-cs"/>
+              </a:rPr>
+              <a:t> </a:t>
+            </a:r>
+            <a:r>
+              <a:rPr lang="en-US" sz="1200" b="0" i="0" kern="1200" dirty="0" err="1">
+                <a:solidFill>
+                  <a:schemeClr val="tx1"/>
+                </a:solidFill>
+                <a:effectLst/>
+                <a:latin typeface="+mn-lt"/>
+                <a:ea typeface="+mn-ea"/>
+                <a:cs typeface="+mn-cs"/>
+              </a:rPr>
+              <a:t>pelo</a:t>
+            </a:r>
+            <a:r>
+              <a:rPr lang="en-US" sz="1200" b="0" i="0" kern="1200" dirty="0">
+                <a:solidFill>
+                  <a:schemeClr val="tx1"/>
+                </a:solidFill>
+                <a:effectLst/>
+                <a:latin typeface="+mn-lt"/>
+                <a:ea typeface="+mn-ea"/>
+                <a:cs typeface="+mn-cs"/>
+              </a:rPr>
+              <a:t> </a:t>
+            </a:r>
+            <a:r>
+              <a:rPr lang="en-US" sz="1200" b="0" i="0" kern="1200" dirty="0" err="1">
+                <a:solidFill>
+                  <a:schemeClr val="tx1"/>
+                </a:solidFill>
+                <a:effectLst/>
+                <a:latin typeface="+mn-lt"/>
+                <a:ea typeface="+mn-ea"/>
+                <a:cs typeface="+mn-cs"/>
+              </a:rPr>
+              <a:t>utilizador</a:t>
+            </a:r>
+            <a:r>
+              <a:rPr lang="en-US" sz="1200" b="0" i="0" kern="1200" dirty="0">
+                <a:solidFill>
+                  <a:schemeClr val="tx1"/>
+                </a:solidFill>
+                <a:effectLst/>
+                <a:latin typeface="+mn-lt"/>
+                <a:ea typeface="+mn-ea"/>
+                <a:cs typeface="+mn-cs"/>
+              </a:rPr>
+              <a:t> </a:t>
+            </a:r>
+            <a:r>
+              <a:rPr lang="en-US" sz="1200" b="0" i="0" kern="1200" dirty="0" err="1">
+                <a:solidFill>
+                  <a:schemeClr val="tx1"/>
+                </a:solidFill>
+                <a:effectLst/>
+                <a:latin typeface="+mn-lt"/>
+                <a:ea typeface="+mn-ea"/>
+                <a:cs typeface="+mn-cs"/>
+              </a:rPr>
+              <a:t>na</a:t>
+            </a:r>
+            <a:r>
+              <a:rPr lang="en-US" sz="1200" b="0" i="0" kern="1200" dirty="0">
+                <a:solidFill>
+                  <a:schemeClr val="tx1"/>
+                </a:solidFill>
+                <a:effectLst/>
+                <a:latin typeface="+mn-lt"/>
+                <a:ea typeface="+mn-ea"/>
+                <a:cs typeface="+mn-cs"/>
+              </a:rPr>
+              <a:t> </a:t>
+            </a:r>
+            <a:r>
+              <a:rPr lang="en-US" sz="1200" b="0" i="0" kern="1200" dirty="0" err="1">
+                <a:solidFill>
+                  <a:schemeClr val="tx1"/>
+                </a:solidFill>
+                <a:effectLst/>
+                <a:latin typeface="+mn-lt"/>
+                <a:ea typeface="+mn-ea"/>
+                <a:cs typeface="+mn-cs"/>
+              </a:rPr>
+              <a:t>sua</a:t>
+            </a:r>
+            <a:r>
+              <a:rPr lang="en-US" sz="1200" b="0" i="0" kern="1200" dirty="0">
+                <a:solidFill>
+                  <a:schemeClr val="tx1"/>
+                </a:solidFill>
+                <a:effectLst/>
+                <a:latin typeface="+mn-lt"/>
+                <a:ea typeface="+mn-ea"/>
+                <a:cs typeface="+mn-cs"/>
+              </a:rPr>
+              <a:t> propria </a:t>
+            </a:r>
+            <a:r>
+              <a:rPr lang="en-US" sz="1200" b="0" i="0" kern="1200" dirty="0" err="1">
+                <a:solidFill>
+                  <a:schemeClr val="tx1"/>
+                </a:solidFill>
+                <a:effectLst/>
+                <a:latin typeface="+mn-lt"/>
+                <a:ea typeface="+mn-ea"/>
+                <a:cs typeface="+mn-cs"/>
+              </a:rPr>
+              <a:t>instalação</a:t>
+            </a:r>
+            <a:r>
+              <a:rPr lang="en-US" sz="1200" b="0" i="0" kern="1200" dirty="0">
+                <a:solidFill>
+                  <a:schemeClr val="tx1"/>
+                </a:solidFill>
+                <a:effectLst/>
+                <a:latin typeface="+mn-lt"/>
+                <a:ea typeface="+mn-ea"/>
+                <a:cs typeface="+mn-cs"/>
+              </a:rPr>
+              <a:t>, </a:t>
+            </a:r>
+            <a:r>
+              <a:rPr lang="en-US" sz="1200" b="0" i="0" kern="1200" dirty="0" err="1">
+                <a:solidFill>
+                  <a:schemeClr val="tx1"/>
+                </a:solidFill>
+                <a:effectLst/>
+                <a:latin typeface="+mn-lt"/>
+                <a:ea typeface="+mn-ea"/>
+                <a:cs typeface="+mn-cs"/>
+              </a:rPr>
+              <a:t>além</a:t>
+            </a:r>
+            <a:r>
+              <a:rPr lang="en-US" sz="1200" b="0" i="0" kern="1200" dirty="0">
+                <a:solidFill>
+                  <a:schemeClr val="tx1"/>
+                </a:solidFill>
+                <a:effectLst/>
+                <a:latin typeface="+mn-lt"/>
+                <a:ea typeface="+mn-ea"/>
+                <a:cs typeface="+mn-cs"/>
+              </a:rPr>
+              <a:t> de que </a:t>
+            </a:r>
+            <a:r>
+              <a:rPr lang="en-US" sz="1200" b="0" i="0" kern="1200" dirty="0" err="1">
+                <a:solidFill>
+                  <a:schemeClr val="tx1"/>
+                </a:solidFill>
+                <a:effectLst/>
+                <a:latin typeface="+mn-lt"/>
+                <a:ea typeface="+mn-ea"/>
+                <a:cs typeface="+mn-cs"/>
+              </a:rPr>
+              <a:t>estas</a:t>
+            </a:r>
+            <a:r>
+              <a:rPr lang="en-US" sz="1200" b="0" i="0" kern="1200" dirty="0">
+                <a:solidFill>
+                  <a:schemeClr val="tx1"/>
+                </a:solidFill>
+                <a:effectLst/>
+                <a:latin typeface="+mn-lt"/>
+                <a:ea typeface="+mn-ea"/>
+                <a:cs typeface="+mn-cs"/>
+              </a:rPr>
+              <a:t> </a:t>
+            </a:r>
+            <a:r>
+              <a:rPr lang="en-US" sz="1200" b="0" i="0" kern="1200" dirty="0" err="1">
+                <a:solidFill>
+                  <a:schemeClr val="tx1"/>
+                </a:solidFill>
+                <a:effectLst/>
+                <a:latin typeface="+mn-lt"/>
+                <a:ea typeface="+mn-ea"/>
+                <a:cs typeface="+mn-cs"/>
+              </a:rPr>
+              <a:t>mesmas</a:t>
+            </a:r>
+            <a:r>
+              <a:rPr lang="en-US" sz="1200" b="0" i="0" kern="1200" dirty="0">
+                <a:solidFill>
+                  <a:schemeClr val="tx1"/>
+                </a:solidFill>
+                <a:effectLst/>
+                <a:latin typeface="+mn-lt"/>
+                <a:ea typeface="+mn-ea"/>
+                <a:cs typeface="+mn-cs"/>
+              </a:rPr>
+              <a:t> </a:t>
+            </a:r>
+            <a:r>
+              <a:rPr lang="en-US" sz="1200" b="0" i="0" kern="1200" dirty="0" err="1">
+                <a:solidFill>
+                  <a:schemeClr val="tx1"/>
+                </a:solidFill>
+                <a:effectLst/>
+                <a:latin typeface="+mn-lt"/>
+                <a:ea typeface="+mn-ea"/>
+                <a:cs typeface="+mn-cs"/>
+              </a:rPr>
+              <a:t>atualizações</a:t>
+            </a:r>
+            <a:r>
+              <a:rPr lang="en-US" sz="1200" b="0" i="0" kern="1200" dirty="0">
+                <a:solidFill>
+                  <a:schemeClr val="tx1"/>
+                </a:solidFill>
+                <a:effectLst/>
+                <a:latin typeface="+mn-lt"/>
+                <a:ea typeface="+mn-ea"/>
+                <a:cs typeface="+mn-cs"/>
+              </a:rPr>
+              <a:t> </a:t>
+            </a:r>
+            <a:r>
+              <a:rPr lang="en-US" sz="1200" b="0" i="0" kern="1200" dirty="0" err="1">
+                <a:solidFill>
+                  <a:schemeClr val="tx1"/>
+                </a:solidFill>
+                <a:effectLst/>
+                <a:latin typeface="+mn-lt"/>
+                <a:ea typeface="+mn-ea"/>
+                <a:cs typeface="+mn-cs"/>
+              </a:rPr>
+              <a:t>podem</a:t>
+            </a:r>
+            <a:r>
+              <a:rPr lang="en-US" sz="1200" b="0" i="0" kern="1200" dirty="0">
+                <a:solidFill>
+                  <a:schemeClr val="tx1"/>
+                </a:solidFill>
+                <a:effectLst/>
+                <a:latin typeface="+mn-lt"/>
+                <a:ea typeface="+mn-ea"/>
+                <a:cs typeface="+mn-cs"/>
+              </a:rPr>
+              <a:t> </a:t>
+            </a:r>
+            <a:r>
+              <a:rPr lang="en-US" sz="1200" b="0" i="0" kern="1200" dirty="0" err="1">
+                <a:solidFill>
+                  <a:schemeClr val="tx1"/>
+                </a:solidFill>
+                <a:effectLst/>
+                <a:latin typeface="+mn-lt"/>
+                <a:ea typeface="+mn-ea"/>
+                <a:cs typeface="+mn-cs"/>
+              </a:rPr>
+              <a:t>necessitar</a:t>
+            </a:r>
+            <a:r>
+              <a:rPr lang="en-US" sz="1200" b="0" i="0" kern="1200" dirty="0">
+                <a:solidFill>
+                  <a:schemeClr val="tx1"/>
+                </a:solidFill>
+                <a:effectLst/>
+                <a:latin typeface="+mn-lt"/>
+                <a:ea typeface="+mn-ea"/>
+                <a:cs typeface="+mn-cs"/>
+              </a:rPr>
+              <a:t> de </a:t>
+            </a:r>
+            <a:r>
+              <a:rPr lang="en-US" sz="1200" b="0" i="0" kern="1200" dirty="0" err="1">
+                <a:solidFill>
+                  <a:schemeClr val="tx1"/>
+                </a:solidFill>
+                <a:effectLst/>
+                <a:latin typeface="+mn-lt"/>
+                <a:ea typeface="+mn-ea"/>
+                <a:cs typeface="+mn-cs"/>
+              </a:rPr>
+              <a:t>melhoramentos</a:t>
+            </a:r>
+            <a:r>
+              <a:rPr lang="en-US" sz="1200" b="0" i="0" kern="1200" dirty="0">
+                <a:solidFill>
+                  <a:schemeClr val="tx1"/>
+                </a:solidFill>
+                <a:effectLst/>
+                <a:latin typeface="+mn-lt"/>
+                <a:ea typeface="+mn-ea"/>
+                <a:cs typeface="+mn-cs"/>
+              </a:rPr>
+              <a:t> a </a:t>
+            </a:r>
+            <a:r>
+              <a:rPr lang="en-US" sz="1200" b="0" i="0" kern="1200" dirty="0" err="1">
+                <a:solidFill>
+                  <a:schemeClr val="tx1"/>
+                </a:solidFill>
+                <a:effectLst/>
+                <a:latin typeface="+mn-lt"/>
+                <a:ea typeface="+mn-ea"/>
+                <a:cs typeface="+mn-cs"/>
+              </a:rPr>
+              <a:t>níveis</a:t>
+            </a:r>
+            <a:r>
+              <a:rPr lang="en-US" sz="1200" b="0" i="0" kern="1200" dirty="0">
+                <a:solidFill>
+                  <a:schemeClr val="tx1"/>
+                </a:solidFill>
+                <a:effectLst/>
+                <a:latin typeface="+mn-lt"/>
+                <a:ea typeface="+mn-ea"/>
+                <a:cs typeface="+mn-cs"/>
+              </a:rPr>
+              <a:t> de hardware </a:t>
+            </a:r>
+            <a:r>
+              <a:rPr lang="en-US" sz="1200" b="0" i="0" kern="1200" dirty="0" err="1">
+                <a:solidFill>
+                  <a:schemeClr val="tx1"/>
+                </a:solidFill>
+                <a:effectLst/>
+                <a:latin typeface="+mn-lt"/>
+                <a:ea typeface="+mn-ea"/>
+                <a:cs typeface="+mn-cs"/>
+              </a:rPr>
+              <a:t>ou</a:t>
+            </a:r>
+            <a:r>
+              <a:rPr lang="en-US" sz="1200" b="0" i="0" kern="1200" dirty="0">
+                <a:solidFill>
+                  <a:schemeClr val="tx1"/>
+                </a:solidFill>
+                <a:effectLst/>
+                <a:latin typeface="+mn-lt"/>
+                <a:ea typeface="+mn-ea"/>
+                <a:cs typeface="+mn-cs"/>
+              </a:rPr>
+              <a:t> </a:t>
+            </a:r>
+            <a:r>
+              <a:rPr lang="en-US" sz="1200" b="0" i="0" kern="1200" dirty="0" err="1">
+                <a:solidFill>
+                  <a:schemeClr val="tx1"/>
+                </a:solidFill>
+                <a:effectLst/>
+                <a:latin typeface="+mn-lt"/>
+                <a:ea typeface="+mn-ea"/>
+                <a:cs typeface="+mn-cs"/>
+              </a:rPr>
+              <a:t>outras</a:t>
+            </a:r>
+            <a:r>
+              <a:rPr lang="en-US" sz="1200" b="0" i="0" kern="1200" dirty="0">
+                <a:solidFill>
+                  <a:schemeClr val="tx1"/>
+                </a:solidFill>
+                <a:effectLst/>
+                <a:latin typeface="+mn-lt"/>
+                <a:ea typeface="+mn-ea"/>
+                <a:cs typeface="+mn-cs"/>
+              </a:rPr>
+              <a:t> </a:t>
+            </a:r>
+            <a:r>
+              <a:rPr lang="en-US" sz="1200" b="0" i="0" kern="1200" dirty="0" err="1">
+                <a:solidFill>
+                  <a:schemeClr val="tx1"/>
+                </a:solidFill>
+                <a:effectLst/>
+                <a:latin typeface="+mn-lt"/>
+                <a:ea typeface="+mn-ea"/>
+                <a:cs typeface="+mn-cs"/>
+              </a:rPr>
+              <a:t>mudanças</a:t>
+            </a:r>
+            <a:r>
+              <a:rPr lang="en-US" sz="1200" b="0" i="0" kern="1200" dirty="0">
+                <a:solidFill>
+                  <a:schemeClr val="tx1"/>
+                </a:solidFill>
+                <a:effectLst/>
+                <a:latin typeface="+mn-lt"/>
+                <a:ea typeface="+mn-ea"/>
+                <a:cs typeface="+mn-cs"/>
+              </a:rPr>
+              <a:t> para </a:t>
+            </a:r>
+            <a:r>
+              <a:rPr lang="en-US" sz="1200" b="0" i="0" kern="1200" dirty="0" err="1">
+                <a:solidFill>
+                  <a:schemeClr val="tx1"/>
+                </a:solidFill>
+                <a:effectLst/>
+                <a:latin typeface="+mn-lt"/>
+                <a:ea typeface="+mn-ea"/>
+                <a:cs typeface="+mn-cs"/>
+              </a:rPr>
+              <a:t>garatir</a:t>
+            </a:r>
+            <a:r>
+              <a:rPr lang="en-US" sz="1200" b="0" i="0" kern="1200" dirty="0">
+                <a:solidFill>
+                  <a:schemeClr val="tx1"/>
+                </a:solidFill>
+                <a:effectLst/>
+                <a:latin typeface="+mn-lt"/>
+                <a:ea typeface="+mn-ea"/>
+                <a:cs typeface="+mn-cs"/>
+              </a:rPr>
+              <a:t> o </a:t>
+            </a:r>
+            <a:r>
+              <a:rPr lang="en-US" sz="1200" b="0" i="0" kern="1200" dirty="0" err="1">
+                <a:solidFill>
+                  <a:schemeClr val="tx1"/>
+                </a:solidFill>
+                <a:effectLst/>
+                <a:latin typeface="+mn-lt"/>
+                <a:ea typeface="+mn-ea"/>
+                <a:cs typeface="+mn-cs"/>
+              </a:rPr>
+              <a:t>bom</a:t>
+            </a:r>
+            <a:r>
+              <a:rPr lang="en-US" sz="1200" b="0" i="0" kern="1200" dirty="0">
+                <a:solidFill>
+                  <a:schemeClr val="tx1"/>
+                </a:solidFill>
+                <a:effectLst/>
+                <a:latin typeface="+mn-lt"/>
+                <a:ea typeface="+mn-ea"/>
+                <a:cs typeface="+mn-cs"/>
+              </a:rPr>
+              <a:t> </a:t>
+            </a:r>
+            <a:r>
+              <a:rPr lang="en-US" sz="1200" b="0" i="0" kern="1200" dirty="0" err="1">
+                <a:solidFill>
+                  <a:schemeClr val="tx1"/>
+                </a:solidFill>
+                <a:effectLst/>
+                <a:latin typeface="+mn-lt"/>
+                <a:ea typeface="+mn-ea"/>
+                <a:cs typeface="+mn-cs"/>
+              </a:rPr>
+              <a:t>funcionamento</a:t>
+            </a:r>
+            <a:r>
+              <a:rPr lang="en-US" sz="1200" b="0" i="0" kern="1200" dirty="0">
+                <a:solidFill>
+                  <a:schemeClr val="tx1"/>
+                </a:solidFill>
+                <a:effectLst/>
+                <a:latin typeface="+mn-lt"/>
+                <a:ea typeface="+mn-ea"/>
+                <a:cs typeface="+mn-cs"/>
+              </a:rPr>
+              <a:t> do </a:t>
+            </a:r>
+            <a:r>
+              <a:rPr lang="en-US" sz="1200" b="0" i="0" kern="1200" dirty="0" err="1">
+                <a:solidFill>
+                  <a:schemeClr val="tx1"/>
+                </a:solidFill>
+                <a:effectLst/>
+                <a:latin typeface="+mn-lt"/>
+                <a:ea typeface="+mn-ea"/>
+                <a:cs typeface="+mn-cs"/>
+              </a:rPr>
+              <a:t>sistema</a:t>
+            </a:r>
+            <a:r>
+              <a:rPr lang="en-US" sz="1200" b="0" i="0" kern="1200" dirty="0">
+                <a:solidFill>
+                  <a:schemeClr val="tx1"/>
+                </a:solidFill>
+                <a:effectLst/>
+                <a:latin typeface="+mn-lt"/>
+                <a:ea typeface="+mn-ea"/>
+                <a:cs typeface="+mn-cs"/>
+              </a:rPr>
+              <a:t>. É </a:t>
+            </a:r>
+            <a:r>
+              <a:rPr lang="en-US" sz="1200" b="0" i="0" kern="1200" dirty="0" err="1">
+                <a:solidFill>
+                  <a:schemeClr val="tx1"/>
+                </a:solidFill>
+                <a:effectLst/>
+                <a:latin typeface="+mn-lt"/>
+                <a:ea typeface="+mn-ea"/>
+                <a:cs typeface="+mn-cs"/>
+              </a:rPr>
+              <a:t>uma</a:t>
+            </a:r>
+            <a:r>
+              <a:rPr lang="en-US" sz="1200" b="0" i="0" kern="1200" dirty="0">
+                <a:solidFill>
+                  <a:schemeClr val="tx1"/>
+                </a:solidFill>
+                <a:effectLst/>
+                <a:latin typeface="+mn-lt"/>
+                <a:ea typeface="+mn-ea"/>
+                <a:cs typeface="+mn-cs"/>
+              </a:rPr>
+              <a:t> </a:t>
+            </a:r>
+            <a:r>
+              <a:rPr lang="en-US" sz="1200" b="0" i="0" kern="1200" dirty="0" err="1">
+                <a:solidFill>
+                  <a:schemeClr val="tx1"/>
+                </a:solidFill>
+                <a:effectLst/>
+                <a:latin typeface="+mn-lt"/>
+                <a:ea typeface="+mn-ea"/>
+                <a:cs typeface="+mn-cs"/>
+              </a:rPr>
+              <a:t>pesacadinha</a:t>
+            </a:r>
+            <a:r>
+              <a:rPr lang="en-US" sz="1200" b="0" i="0" kern="1200" dirty="0">
+                <a:solidFill>
+                  <a:schemeClr val="tx1"/>
+                </a:solidFill>
+                <a:effectLst/>
+                <a:latin typeface="+mn-lt"/>
+                <a:ea typeface="+mn-ea"/>
+                <a:cs typeface="+mn-cs"/>
+              </a:rPr>
+              <a:t> de </a:t>
+            </a:r>
+            <a:r>
+              <a:rPr lang="en-US" sz="1200" b="0" i="0" kern="1200" dirty="0" err="1">
+                <a:solidFill>
+                  <a:schemeClr val="tx1"/>
+                </a:solidFill>
+                <a:effectLst/>
+                <a:latin typeface="+mn-lt"/>
+                <a:ea typeface="+mn-ea"/>
+                <a:cs typeface="+mn-cs"/>
+              </a:rPr>
+              <a:t>rabo</a:t>
+            </a:r>
+            <a:r>
+              <a:rPr lang="en-US" sz="1200" b="0" i="0" kern="1200" dirty="0">
+                <a:solidFill>
+                  <a:schemeClr val="tx1"/>
+                </a:solidFill>
+                <a:effectLst/>
+                <a:latin typeface="+mn-lt"/>
+                <a:ea typeface="+mn-ea"/>
+                <a:cs typeface="+mn-cs"/>
+              </a:rPr>
+              <a:t> </a:t>
+            </a:r>
+            <a:r>
+              <a:rPr lang="en-US" sz="1200" b="0" i="0" kern="1200" dirty="0" err="1">
+                <a:solidFill>
+                  <a:schemeClr val="tx1"/>
+                </a:solidFill>
+                <a:effectLst/>
+                <a:latin typeface="+mn-lt"/>
+                <a:ea typeface="+mn-ea"/>
+                <a:cs typeface="+mn-cs"/>
+              </a:rPr>
+              <a:t>na</a:t>
+            </a:r>
+            <a:r>
+              <a:rPr lang="en-US" sz="1200" b="0" i="0" kern="1200" dirty="0">
+                <a:solidFill>
+                  <a:schemeClr val="tx1"/>
+                </a:solidFill>
+                <a:effectLst/>
+                <a:latin typeface="+mn-lt"/>
+                <a:ea typeface="+mn-ea"/>
+                <a:cs typeface="+mn-cs"/>
+              </a:rPr>
+              <a:t> boca</a:t>
+            </a:r>
+          </a:p>
+          <a:p>
+            <a:pPr marL="0" indent="0">
+              <a:buFont typeface="Arial" panose="020B0604020202020204" pitchFamily="34" charset="0"/>
+              <a:buNone/>
+            </a:pPr>
+            <a:endParaRPr lang="en-US" sz="1200" b="0" i="0" kern="1200" dirty="0">
+              <a:solidFill>
+                <a:schemeClr val="tx1"/>
+              </a:solidFill>
+              <a:effectLst/>
+              <a:latin typeface="+mn-lt"/>
+              <a:ea typeface="+mn-ea"/>
+              <a:cs typeface="+mn-cs"/>
+            </a:endParaRPr>
+          </a:p>
+          <a:p>
+            <a:pPr marL="0" indent="0">
+              <a:buFont typeface="Arial" panose="020B0604020202020204" pitchFamily="34" charset="0"/>
+              <a:buNone/>
+            </a:pPr>
+            <a:endParaRPr lang="en-US" sz="1200" b="0" i="0" kern="1200" dirty="0">
+              <a:solidFill>
+                <a:schemeClr val="tx1"/>
+              </a:solidFill>
+              <a:effectLst/>
+              <a:latin typeface="+mn-lt"/>
+              <a:ea typeface="+mn-ea"/>
+              <a:cs typeface="+mn-cs"/>
+            </a:endParaRPr>
           </a:p>
         </p:txBody>
       </p:sp>
@@ -3258,7 +4264,7 @@
             <a:fld id="{FC77E7C4-E54C-465D-ABEB-E0CB3A6B840B}" type="slidenum">
               <a:rPr lang="pt-PT" smtClean="0"/>
               <a:pPr/>
-              <a:t>4</a:t>
+              <a:t>3</a:t>
             </a:fld>
             <a:endParaRPr lang="pt-PT"/>
           </a:p>
@@ -3267,7 +4273,7 @@
     </p:spTree>
     <p:extLst>
       <p:ext uri="{BB962C8B-B14F-4D97-AF65-F5344CB8AC3E}">
-        <p14:creationId xmlns:p14="http://schemas.microsoft.com/office/powerpoint/2010/main" val="2308686508"/>
+        <p14:creationId xmlns:p14="http://schemas.microsoft.com/office/powerpoint/2010/main" val="2788708707"/>
       </p:ext>
     </p:extLst>
   </p:cSld>
@@ -3324,37 +4330,27 @@
             <a:pPr algn="just"/>
             <a:r>
               <a:rPr lang="pt-PT" dirty="0"/>
-              <a:t>1- As aplicações web em comparação parecem ser bastantes mais fáceis.</a:t>
+              <a:t>1- Além disso, quando se está no desenho da aplicação, ou seja, quando ainda estamos na fase de desenvolvimento, é necessário ainda ter de traduzir a criatividade do código que estamos a fazer  para os diferentes sistemas operativos se quisermos tirar partido de “</a:t>
+            </a:r>
+            <a:r>
+              <a:rPr lang="pt-PT" i="1" dirty="0" err="1"/>
+              <a:t>features</a:t>
+            </a:r>
+            <a:r>
+              <a:rPr lang="pt-PT" i="1" dirty="0"/>
+              <a:t>”</a:t>
+            </a:r>
+            <a:r>
+              <a:rPr lang="pt-PT" dirty="0"/>
+              <a:t> nativas, como os menus e notificações.</a:t>
             </a:r>
           </a:p>
           <a:p>
             <a:pPr algn="just"/>
             <a:r>
               <a:rPr lang="pt-PT" dirty="0"/>
-              <a:t>2- Quase toda a gente tem instalado um web browser no computador, e os browser mais recentes até estão munidos de ferramentas poderosas de </a:t>
-            </a:r>
-            <a:r>
-              <a:rPr lang="pt-PT" i="1" dirty="0"/>
-              <a:t>“</a:t>
-            </a:r>
-            <a:r>
-              <a:rPr lang="pt-PT" i="1" dirty="0" err="1"/>
-              <a:t>debugging</a:t>
-            </a:r>
-            <a:r>
-              <a:rPr lang="pt-PT" i="1" dirty="0"/>
-              <a:t>”.</a:t>
-            </a:r>
-          </a:p>
-          <a:p>
-            <a:pPr algn="just"/>
-            <a:r>
-              <a:rPr lang="pt-PT" dirty="0"/>
-              <a:t>3- E estão fortemente assentes em linguagens de multiplataforma, com enorme suporte, como é o caso do HTML, CSS e JavaScript.</a:t>
-            </a:r>
-          </a:p>
-          <a:p>
-            <a:endParaRPr lang="pt-PT" dirty="0"/>
+              <a:t>2- E isto não é trivial, fazer código para multiplataformas requer bastante conhecimento das nuances da implementação de cada OS.</a:t>
+            </a:r>
           </a:p>
         </p:txBody>
       </p:sp>
@@ -3376,7 +4372,7 @@
             <a:fld id="{FC77E7C4-E54C-465D-ABEB-E0CB3A6B840B}" type="slidenum">
               <a:rPr lang="pt-PT" smtClean="0"/>
               <a:pPr/>
-              <a:t>5</a:t>
+              <a:t>4</a:t>
             </a:fld>
             <a:endParaRPr lang="pt-PT"/>
           </a:p>
@@ -3385,7 +4381,7 @@
     </p:spTree>
     <p:extLst>
       <p:ext uri="{BB962C8B-B14F-4D97-AF65-F5344CB8AC3E}">
-        <p14:creationId xmlns:p14="http://schemas.microsoft.com/office/powerpoint/2010/main" val="2291333045"/>
+        <p14:creationId xmlns:p14="http://schemas.microsoft.com/office/powerpoint/2010/main" val="2308686508"/>
       </p:ext>
     </p:extLst>
   </p:cSld>
@@ -3442,45 +4438,37 @@
             <a:pPr algn="just"/>
             <a:r>
               <a:rPr lang="pt-PT" dirty="0"/>
-              <a:t>Porém elas também tem as suas limitações:</a:t>
+              <a:t>1- Em contrapartida as aplicações web quando comparadas com as aplicações desktop parecem ser bastantes mais fáceis.</a:t>
             </a:r>
           </a:p>
           <a:p>
             <a:pPr algn="just"/>
             <a:r>
               <a:rPr lang="pt-PT" dirty="0"/>
-              <a:t>1- Produzir código condicional para suportar dezenas de versões de browsers pode ser tão ou mais complicado como escreves código para diferentes sistemas operativos.</a:t>
+              <a:t>2- Quase toda a gente tem instalado um web browser no computador, e hoje em dia os browser mais recentes até estão munidos de ferramentas de </a:t>
+            </a:r>
+            <a:r>
+              <a:rPr lang="pt-PT" i="1" dirty="0"/>
+              <a:t>“</a:t>
+            </a:r>
+            <a:r>
+              <a:rPr lang="pt-PT" i="1" dirty="0" err="1"/>
+              <a:t>debugging</a:t>
+            </a:r>
+            <a:r>
+              <a:rPr lang="pt-PT" i="1" dirty="0"/>
+              <a:t>”.</a:t>
             </a:r>
           </a:p>
           <a:p>
             <a:pPr algn="just"/>
             <a:r>
               <a:rPr lang="pt-PT" dirty="0"/>
-              <a:t>2- Estão limitadas na habilidade de interagir com o “</a:t>
-            </a:r>
-            <a:r>
-              <a:rPr lang="pt-PT" i="1" dirty="0"/>
-              <a:t>file </a:t>
-            </a:r>
-            <a:r>
-              <a:rPr lang="pt-PT" i="1" dirty="0" err="1"/>
-              <a:t>system</a:t>
-            </a:r>
-            <a:r>
-              <a:rPr lang="pt-PT" i="1" dirty="0"/>
-              <a:t>” </a:t>
-            </a:r>
-            <a:r>
-              <a:rPr lang="pt-PT" dirty="0"/>
-              <a:t>do computador.</a:t>
-            </a:r>
-          </a:p>
-          <a:p>
-            <a:pPr algn="just"/>
-            <a:r>
-              <a:rPr lang="pt-PT" dirty="0"/>
-              <a:t>3- E são fortemente afetadas em performance devido a más conexões de internet.</a:t>
-            </a:r>
+              <a:t>3- E o mais importante talvez, é estão fortemente assentes em linguagens de multiplataforma, com enorme suporte, como é o caso do HTML, CSS e JavaScript, que funcionada de igual forma em qualquer sistema operativo.</a:t>
+            </a:r>
+          </a:p>
+          <a:p>
+            <a:endParaRPr lang="pt-PT" dirty="0"/>
           </a:p>
         </p:txBody>
       </p:sp>
@@ -3502,7 +4490,7 @@
             <a:fld id="{FC77E7C4-E54C-465D-ABEB-E0CB3A6B840B}" type="slidenum">
               <a:rPr lang="pt-PT" smtClean="0"/>
               <a:pPr/>
-              <a:t>6</a:t>
+              <a:t>5</a:t>
             </a:fld>
             <a:endParaRPr lang="pt-PT"/>
           </a:p>
@@ -3511,7 +4499,7 @@
     </p:spTree>
     <p:extLst>
       <p:ext uri="{BB962C8B-B14F-4D97-AF65-F5344CB8AC3E}">
-        <p14:creationId xmlns:p14="http://schemas.microsoft.com/office/powerpoint/2010/main" val="2650468113"/>
+        <p14:creationId xmlns:p14="http://schemas.microsoft.com/office/powerpoint/2010/main" val="2291333045"/>
       </p:ext>
     </p:extLst>
   </p:cSld>
@@ -3565,36 +4553,47 @@
           <a:bodyPr/>
           <a:lstStyle/>
           <a:p>
+            <a:pPr algn="just"/>
             <a:r>
               <a:rPr lang="pt-PT" dirty="0"/>
-              <a:t>A combinação:</a:t>
-            </a:r>
-          </a:p>
-          <a:p>
+              <a:t>Porém elas também tem as suas limitações:</a:t>
+            </a:r>
+          </a:p>
+          <a:p>
+            <a:pPr algn="just"/>
             <a:r>
               <a:rPr lang="pt-PT" dirty="0"/>
-              <a:t>1- das bases da tecnologia web</a:t>
-            </a:r>
-          </a:p>
-          <a:p>
+              <a:t>1- Produzir código condicional para suportar dezenas de versões de browsers pode ser tão ou mais complicado como escrever código para diferentes sistemas operativos.</a:t>
+            </a:r>
+          </a:p>
+          <a:p>
+            <a:pPr algn="just"/>
             <a:r>
               <a:rPr lang="pt-PT" dirty="0"/>
-              <a:t>2- a experiência nativa das aplicações desktop</a:t>
-            </a:r>
-          </a:p>
-          <a:p>
+              <a:t>2- Estão limitadas na habilidade de interagir com o “</a:t>
+            </a:r>
+            <a:r>
+              <a:rPr lang="pt-PT" i="1" dirty="0"/>
+              <a:t>file </a:t>
+            </a:r>
+            <a:r>
+              <a:rPr lang="pt-PT" i="1" dirty="0" err="1"/>
+              <a:t>system</a:t>
+            </a:r>
+            <a:r>
+              <a:rPr lang="pt-PT" i="1" dirty="0"/>
+              <a:t>” </a:t>
+            </a:r>
             <a:r>
               <a:rPr lang="pt-PT" dirty="0"/>
-              <a:t>3- e a versatilidade de multiplataforma do web browser</a:t>
-            </a:r>
-          </a:p>
-          <a:p>
-            <a:endParaRPr lang="pt-PT" dirty="0"/>
-          </a:p>
-          <a:p>
+              <a:t>do computador.</a:t>
+            </a:r>
+          </a:p>
+          <a:p>
+            <a:pPr algn="just"/>
             <a:r>
               <a:rPr lang="pt-PT" dirty="0"/>
-              <a:t>num único pacote, com todas as vantagens e nenhuma das barreiras deu origem ao…</a:t>
+              <a:t>3- E são fortemente afetadas a nível de performance devido a más conexões de internet.</a:t>
             </a:r>
           </a:p>
         </p:txBody>
@@ -3617,7 +4616,7 @@
             <a:fld id="{FC77E7C4-E54C-465D-ABEB-E0CB3A6B840B}" type="slidenum">
               <a:rPr lang="pt-PT" smtClean="0"/>
               <a:pPr/>
-              <a:t>7</a:t>
+              <a:t>6</a:t>
             </a:fld>
             <a:endParaRPr lang="pt-PT"/>
           </a:p>
@@ -3626,7 +4625,7 @@
     </p:spTree>
     <p:extLst>
       <p:ext uri="{BB962C8B-B14F-4D97-AF65-F5344CB8AC3E}">
-        <p14:creationId xmlns:p14="http://schemas.microsoft.com/office/powerpoint/2010/main" val="2457170372"/>
+        <p14:creationId xmlns:p14="http://schemas.microsoft.com/office/powerpoint/2010/main" val="2650468113"/>
       </p:ext>
     </p:extLst>
   </p:cSld>
@@ -3680,114 +4679,37 @@
           <a:bodyPr/>
           <a:lstStyle/>
           <a:p>
-            <a:pPr marL="0" marR="0" indent="0" algn="l" defTabSz="914400" rtl="0" eaLnBrk="1" fontAlgn="auto" latinLnBrk="0" hangingPunct="1">
-              <a:lnSpc>
-                <a:spcPct val="100000"/>
-              </a:lnSpc>
-              <a:spcBef>
-                <a:spcPts val="0"/>
-              </a:spcBef>
-              <a:spcAft>
-                <a:spcPts val="0"/>
-              </a:spcAft>
-              <a:buClrTx/>
-              <a:buSzTx/>
-              <a:buFontTx/>
-              <a:buNone/>
-              <a:tabLst/>
-              <a:defRPr/>
-            </a:pPr>
-            <a:r>
-              <a:rPr lang="pt-PT" b="1" baseline="0" dirty="0" err="1"/>
-              <a:t>Node.js</a:t>
-            </a:r>
-            <a:r>
-              <a:rPr lang="pt-PT" baseline="0" dirty="0"/>
-              <a:t>: Foi projetado para criar aplicações web de forma escalável, e orientado a eventos em </a:t>
-            </a:r>
-            <a:r>
-              <a:rPr lang="pt-PT" baseline="0" dirty="0" err="1"/>
-              <a:t>JavaScript</a:t>
-            </a:r>
-            <a:r>
-              <a:rPr lang="pt-PT" baseline="0" dirty="0"/>
-              <a:t> assíncronos</a:t>
-            </a:r>
+            <a:r>
+              <a:rPr lang="pt-PT" dirty="0"/>
+              <a:t>Com isto, seria excelente se fosse possível a combinação:</a:t>
+            </a:r>
+          </a:p>
+          <a:p>
+            <a:r>
+              <a:rPr lang="pt-PT" dirty="0"/>
+              <a:t>1- das bases da tecnologia web</a:t>
+            </a:r>
+          </a:p>
+          <a:p>
+            <a:r>
+              <a:rPr lang="pt-PT" dirty="0"/>
+              <a:t>2- a experiência nativa das aplicações desktop</a:t>
+            </a:r>
+          </a:p>
+          <a:p>
+            <a:r>
+              <a:rPr lang="pt-PT" dirty="0"/>
+              <a:t>3- e a versatilidade de multiplataforma do web browser</a:t>
+            </a:r>
+          </a:p>
+          <a:p>
             <a:endParaRPr lang="pt-PT" dirty="0"/>
           </a:p>
           <a:p>
-            <a:endParaRPr lang="pt-PT" dirty="0"/>
-          </a:p>
-          <a:p>
-            <a:r>
-              <a:rPr lang="pt-PT" b="1" dirty="0" err="1"/>
-              <a:t>Chromium</a:t>
-            </a:r>
             <a:r>
               <a:rPr lang="pt-PT" dirty="0"/>
-              <a:t>:</a:t>
-            </a:r>
-            <a:r>
-              <a:rPr lang="pt-PT" baseline="0" dirty="0"/>
-              <a:t> é um projeto de browser open-</a:t>
-            </a:r>
-            <a:r>
-              <a:rPr lang="pt-PT" baseline="0" dirty="0" err="1"/>
-              <a:t>source</a:t>
-            </a:r>
-            <a:r>
-              <a:rPr lang="pt-PT" baseline="0" dirty="0"/>
-              <a:t>, que visa criar uma maneira mais segura e rápida e mais estável para todos.</a:t>
-            </a:r>
-          </a:p>
-          <a:p>
-            <a:endParaRPr lang="pt-PT" baseline="0" dirty="0"/>
-          </a:p>
-          <a:p>
-            <a:r>
-              <a:rPr lang="pt-PT" dirty="0"/>
-              <a:t>O</a:t>
-            </a:r>
-            <a:r>
-              <a:rPr lang="pt-PT" baseline="0" dirty="0"/>
-              <a:t> Google </a:t>
-            </a:r>
-            <a:r>
-              <a:rPr lang="pt-PT" dirty="0" err="1"/>
-              <a:t>Chrome</a:t>
-            </a:r>
-            <a:r>
-              <a:rPr lang="pt-PT" dirty="0"/>
-              <a:t> é baseado no </a:t>
-            </a:r>
-            <a:r>
-              <a:rPr lang="pt-PT" dirty="0" err="1"/>
-              <a:t>Chromium</a:t>
-            </a:r>
-            <a:r>
-              <a:rPr lang="pt-PT" dirty="0"/>
-              <a:t>, mas adiciona vários recursos proprietários, como atualizações automáticas, suporte para formatos de vídeo adicionais (AAC, H.264, MP3, </a:t>
-            </a:r>
-            <a:r>
-              <a:rPr lang="pt-PT" dirty="0" err="1"/>
-              <a:t>codecs</a:t>
-            </a:r>
-            <a:r>
-              <a:rPr lang="pt-PT" dirty="0"/>
-              <a:t> licenciados para formatos de </a:t>
-            </a:r>
-            <a:r>
-              <a:rPr lang="pt-PT" dirty="0" err="1"/>
-              <a:t>mídia</a:t>
-            </a:r>
-            <a:r>
-              <a:rPr lang="pt-PT" dirty="0"/>
-              <a:t> proprietários). </a:t>
-            </a:r>
-            <a:endParaRPr lang="pt-PT" baseline="0" dirty="0"/>
-          </a:p>
-          <a:p>
-            <a:endParaRPr lang="pt-PT" baseline="0" dirty="0"/>
+              <a:t>num único pacote, com todas as vantagens e nenhuma das barreiras deu origem ao…</a:t>
+            </a:r>
           </a:p>
         </p:txBody>
       </p:sp>
@@ -3809,7 +4731,7 @@
             <a:fld id="{FC77E7C4-E54C-465D-ABEB-E0CB3A6B840B}" type="slidenum">
               <a:rPr lang="pt-PT" smtClean="0"/>
               <a:pPr/>
-              <a:t>8</a:t>
+              <a:t>7</a:t>
             </a:fld>
             <a:endParaRPr lang="pt-PT"/>
           </a:p>
@@ -3872,50 +4794,128 @@
           <a:bodyPr/>
           <a:lstStyle/>
           <a:p>
+            <a:pPr marL="0" marR="0" indent="0" algn="l" defTabSz="914400" rtl="0" eaLnBrk="1" fontAlgn="auto" latinLnBrk="0" hangingPunct="1">
+              <a:lnSpc>
+                <a:spcPct val="100000"/>
+              </a:lnSpc>
+              <a:spcBef>
+                <a:spcPts val="0"/>
+              </a:spcBef>
+              <a:spcAft>
+                <a:spcPts val="0"/>
+              </a:spcAft>
+              <a:buClrTx/>
+              <a:buSzTx/>
+              <a:buFontTx/>
+              <a:buNone/>
+              <a:tabLst/>
+              <a:defRPr/>
+            </a:pPr>
+            <a:r>
+              <a:rPr lang="pt-PT" b="1" baseline="0" dirty="0" err="1"/>
+              <a:t>Node.js</a:t>
+            </a:r>
+            <a:r>
+              <a:rPr lang="pt-PT" baseline="0" dirty="0"/>
+              <a:t>: Foi projetado para criar aplicações web de forma escalável, e orientado a eventos em </a:t>
+            </a:r>
+            <a:r>
+              <a:rPr lang="pt-PT" baseline="0" dirty="0" err="1"/>
+              <a:t>JavaScript</a:t>
+            </a:r>
+            <a:r>
+              <a:rPr lang="pt-PT" baseline="0" dirty="0"/>
+              <a:t> assíncronos</a:t>
+            </a:r>
+            <a:endParaRPr lang="pt-PT" dirty="0"/>
+          </a:p>
+          <a:p>
+            <a:endParaRPr lang="pt-PT" dirty="0"/>
+          </a:p>
+          <a:p>
+            <a:r>
+              <a:rPr lang="pt-PT" b="1" dirty="0" err="1"/>
+              <a:t>Chromium</a:t>
+            </a:r>
             <a:r>
               <a:rPr lang="pt-PT" dirty="0"/>
-              <a:t>Desta forma</a:t>
-            </a:r>
+              <a:t>:</a:t>
+            </a:r>
+            <a:r>
+              <a:rPr lang="pt-PT" baseline="0" dirty="0"/>
+              <a:t> é um projeto de browser open-</a:t>
+            </a:r>
+            <a:r>
+              <a:rPr lang="pt-PT" baseline="0" dirty="0" err="1"/>
+              <a:t>source</a:t>
+            </a:r>
+            <a:endParaRPr lang="pt-PT" baseline="0" dirty="0"/>
+          </a:p>
+          <a:p>
+            <a:endParaRPr lang="pt-PT" baseline="0" dirty="0"/>
+          </a:p>
+          <a:p>
+            <a:r>
+              <a:rPr lang="pt-PT" baseline="0" dirty="0"/>
+              <a:t>Este empacotar, que é uma tarefa realizada por uma ferramenta do </a:t>
+            </a:r>
+            <a:r>
+              <a:rPr lang="pt-PT" baseline="0" dirty="0" err="1"/>
+              <a:t>Electron</a:t>
+            </a:r>
+            <a:r>
+              <a:rPr lang="pt-PT" baseline="0" dirty="0"/>
+              <a:t>, é o que permite agrupar o código fonte da aplicação e criar distribuíveis (como os instaladores ou pacotes) para os vários SO.</a:t>
+            </a:r>
+          </a:p>
+          <a:p>
+            <a:endParaRPr lang="pt-PT" baseline="0" dirty="0"/>
           </a:p>
           <a:p>
             <a:r>
               <a:rPr lang="pt-PT" dirty="0"/>
-              <a:t>1- Utiliza as páginas web do </a:t>
-            </a:r>
-            <a:r>
-              <a:rPr lang="pt-PT" i="1" dirty="0" err="1"/>
+              <a:t>O</a:t>
+            </a:r>
+            <a:r>
+              <a:rPr lang="pt-PT" baseline="0" dirty="0"/>
+              <a:t> Google </a:t>
+            </a:r>
+            <a:r>
+              <a:rPr lang="pt-PT" dirty="0" err="1"/>
+              <a:t>Chrome</a:t>
+            </a:r>
+            <a:r>
+              <a:rPr lang="pt-PT" dirty="0"/>
+              <a:t> é baseado no </a:t>
+            </a:r>
+            <a:r>
+              <a:rPr lang="pt-PT" dirty="0" err="1"/>
               <a:t>Chromium</a:t>
             </a:r>
             <a:r>
-              <a:rPr lang="pt-PT" i="1" dirty="0"/>
-              <a:t> “</a:t>
-            </a:r>
-            <a:r>
-              <a:rPr lang="pt-PT" i="1" dirty="0" err="1"/>
-              <a:t>engine</a:t>
-            </a:r>
-            <a:r>
-              <a:rPr lang="pt-PT" i="1" dirty="0"/>
-              <a:t>” </a:t>
-            </a:r>
-            <a:r>
               <a:rPr lang="pt-PT" dirty="0"/>
-              <a:t>para criar as interfaces do utilizador</a:t>
-            </a:r>
-          </a:p>
-          <a:p>
+              <a:t>, mas adiciona vários recursos proprietários, como atualizações automáticas, suporte para formatos de vídeo adicionais (AAC, H.264, MP3, </a:t>
+            </a:r>
+            <a:r>
+              <a:rPr lang="pt-PT" dirty="0" err="1"/>
+              <a:t>codecs</a:t>
+            </a:r>
             <a:r>
               <a:rPr lang="pt-PT" dirty="0"/>
-              <a:t>2- E fornece uma API rica em </a:t>
+              <a:t> licenciados para formatos de </a:t>
             </a:r>
             <a:r>
               <a:rPr lang="pt-PT" dirty="0" err="1"/>
-              <a:t>JavaScrip</a:t>
+              <a:t>mídia</a:t>
             </a:r>
             <a:r>
               <a:rPr lang="pt-PT" dirty="0"/>
-              <a:t> que lida com os detalhes de comunicação com os vários diferentes sistemas operativos</a:t>
-            </a:r>
+              <a:t> proprietários). </a:t>
+            </a:r>
+            <a:endParaRPr lang="pt-PT" baseline="0" dirty="0"/>
+          </a:p>
+          <a:p>
+            <a:endParaRPr lang="pt-PT" baseline="0" dirty="0"/>
           </a:p>
         </p:txBody>
       </p:sp>
@@ -3937,7 +4937,7 @@
             <a:fld id="{FC77E7C4-E54C-465D-ABEB-E0CB3A6B840B}" type="slidenum">
               <a:rPr lang="pt-PT" smtClean="0"/>
               <a:pPr/>
-              <a:t>9</a:t>
+              <a:t>8</a:t>
             </a:fld>
             <a:endParaRPr lang="pt-PT"/>
           </a:p>
@@ -3946,7 +4946,7 @@
     </p:spTree>
     <p:extLst>
       <p:ext uri="{BB962C8B-B14F-4D97-AF65-F5344CB8AC3E}">
-        <p14:creationId xmlns:p14="http://schemas.microsoft.com/office/powerpoint/2010/main" val="3044835528"/>
+        <p14:creationId xmlns:p14="http://schemas.microsoft.com/office/powerpoint/2010/main" val="2457170372"/>
       </p:ext>
     </p:extLst>
   </p:cSld>
@@ -4002,33 +5002,55 @@
           <a:p>
             <a:r>
               <a:rPr lang="pt-PT" dirty="0"/>
-              <a:t>1- De forma simplista pode ser visto como um web browser capaz de interagir com o “</a:t>
+              <a:t>O </a:t>
+            </a:r>
+            <a:r>
+              <a:rPr lang="pt-PT" dirty="0" err="1"/>
+              <a:t>electron</a:t>
+            </a:r>
+            <a:r>
+              <a:rPr lang="pt-PT" dirty="0"/>
+              <a:t> </a:t>
+            </a:r>
+          </a:p>
+          <a:p>
+            <a:r>
+              <a:rPr lang="pt-PT" dirty="0"/>
+              <a:t>1- Utiliza as páginas web do </a:t>
+            </a:r>
+            <a:r>
+              <a:rPr lang="pt-PT" i="1" dirty="0" err="1"/>
+              <a:t>Chromium</a:t>
             </a:r>
             <a:r>
               <a:rPr lang="pt-PT" i="1" dirty="0"/>
-              <a:t>file </a:t>
+              <a:t> “</a:t>
             </a:r>
             <a:r>
               <a:rPr lang="pt-PT" i="1" dirty="0" err="1"/>
-              <a:t>system</a:t>
+              <a:t>engine</a:t>
             </a:r>
             <a:r>
               <a:rPr lang="pt-PT" i="1" dirty="0"/>
-              <a:t>”.</a:t>
-            </a:r>
-          </a:p>
-          <a:p>
+              <a:t>” </a:t>
+            </a:r>
             <a:r>
               <a:rPr lang="pt-PT" dirty="0"/>
-              <a:t>2- E este web browser é parte de um pacote da aplicação, fazendo com que toda a gente corra o aplicativo sobre as mesmas condições, </a:t>
+              <a:t>para criar as interfaces do utilizador</a:t>
+            </a:r>
+          </a:p>
+          <a:p>
+            <a:r>
+              <a:rPr lang="pt-PT" dirty="0"/>
+              <a:t>2- E fornece uma API rica em </a:t>
             </a:r>
             <a:r>
               <a:rPr lang="pt-PT" dirty="0" err="1"/>
-              <a:t>independetemente</a:t>
+              <a:t>JavaScrip</a:t>
             </a:r>
             <a:r>
               <a:rPr lang="pt-PT" dirty="0"/>
-              <a:t> do sistema operativo.</a:t>
+              <a:t> que lida com os detalhes de comunicação com os vários diferentes sistemas operativos</a:t>
             </a:r>
           </a:p>
         </p:txBody>
@@ -4051,7 +5073,7 @@
             <a:fld id="{FC77E7C4-E54C-465D-ABEB-E0CB3A6B840B}" type="slidenum">
               <a:rPr lang="pt-PT" smtClean="0"/>
               <a:pPr/>
-              <a:t>10</a:t>
+              <a:t>9</a:t>
             </a:fld>
             <a:endParaRPr lang="pt-PT"/>
           </a:p>
@@ -4060,7 +5082,7 @@
     </p:spTree>
     <p:extLst>
       <p:ext uri="{BB962C8B-B14F-4D97-AF65-F5344CB8AC3E}">
-        <p14:creationId xmlns:p14="http://schemas.microsoft.com/office/powerpoint/2010/main" val="3248588812"/>
+        <p14:creationId xmlns:p14="http://schemas.microsoft.com/office/powerpoint/2010/main" val="3044835528"/>
       </p:ext>
     </p:extLst>
   </p:cSld>
@@ -4240,7 +5262,7 @@
             <a:fld id="{BB780E10-2340-4FA9-B5B2-BEE50CFFF348}" type="datetimeFigureOut">
               <a:rPr lang="pt-PT" smtClean="0"/>
               <a:pPr/>
-              <a:t>22/04/2020</a:t>
+              <a:t>08/06/2020</a:t>
             </a:fld>
             <a:endParaRPr lang="pt-PT"/>
           </a:p>
@@ -4572,7 +5594,7 @@
             <a:fld id="{BB780E10-2340-4FA9-B5B2-BEE50CFFF348}" type="datetimeFigureOut">
               <a:rPr lang="pt-PT" smtClean="0"/>
               <a:pPr/>
-              <a:t>22/04/2020</a:t>
+              <a:t>08/06/2020</a:t>
             </a:fld>
             <a:endParaRPr lang="pt-PT"/>
           </a:p>
@@ -4754,7 +5776,7 @@
             <a:fld id="{BB780E10-2340-4FA9-B5B2-BEE50CFFF348}" type="datetimeFigureOut">
               <a:rPr lang="pt-PT" smtClean="0"/>
               <a:pPr/>
-              <a:t>22/04/2020</a:t>
+              <a:t>08/06/2020</a:t>
             </a:fld>
             <a:endParaRPr lang="pt-PT"/>
           </a:p>
@@ -4926,7 +5948,7 @@
             <a:fld id="{BB780E10-2340-4FA9-B5B2-BEE50CFFF348}" type="datetimeFigureOut">
               <a:rPr lang="pt-PT" smtClean="0"/>
               <a:pPr/>
-              <a:t>22/04/2020</a:t>
+              <a:t>08/06/2020</a:t>
             </a:fld>
             <a:endParaRPr lang="pt-PT"/>
           </a:p>
@@ -5205,7 +6227,7 @@
             <a:fld id="{BB780E10-2340-4FA9-B5B2-BEE50CFFF348}" type="datetimeFigureOut">
               <a:rPr lang="pt-PT" smtClean="0"/>
               <a:pPr/>
-              <a:t>22/04/2020</a:t>
+              <a:t>08/06/2020</a:t>
             </a:fld>
             <a:endParaRPr lang="pt-PT"/>
           </a:p>
@@ -5601,7 +6623,7 @@
             <a:fld id="{BB780E10-2340-4FA9-B5B2-BEE50CFFF348}" type="datetimeFigureOut">
               <a:rPr lang="pt-PT" smtClean="0"/>
               <a:pPr/>
-              <a:t>22/04/2020</a:t>
+              <a:t>08/06/2020</a:t>
             </a:fld>
             <a:endParaRPr lang="pt-PT"/>
           </a:p>
@@ -6080,7 +7102,7 @@
             <a:fld id="{BB780E10-2340-4FA9-B5B2-BEE50CFFF348}" type="datetimeFigureOut">
               <a:rPr lang="pt-PT" smtClean="0"/>
               <a:pPr/>
-              <a:t>22/04/2020</a:t>
+              <a:t>08/06/2020</a:t>
             </a:fld>
             <a:endParaRPr lang="pt-PT"/>
           </a:p>
@@ -6200,7 +7222,7 @@
             <a:fld id="{BB780E10-2340-4FA9-B5B2-BEE50CFFF348}" type="datetimeFigureOut">
               <a:rPr lang="pt-PT" smtClean="0"/>
               <a:pPr/>
-              <a:t>22/04/2020</a:t>
+              <a:t>08/06/2020</a:t>
             </a:fld>
             <a:endParaRPr lang="pt-PT"/>
           </a:p>
@@ -6297,7 +7319,7 @@
             <a:fld id="{BB780E10-2340-4FA9-B5B2-BEE50CFFF348}" type="datetimeFigureOut">
               <a:rPr lang="pt-PT" smtClean="0"/>
               <a:pPr/>
-              <a:t>22/04/2020</a:t>
+              <a:t>08/06/2020</a:t>
             </a:fld>
             <a:endParaRPr lang="pt-PT"/>
           </a:p>
@@ -6645,7 +7667,7 @@
             <a:fld id="{BB780E10-2340-4FA9-B5B2-BEE50CFFF348}" type="datetimeFigureOut">
               <a:rPr lang="pt-PT" smtClean="0"/>
               <a:pPr/>
-              <a:t>22/04/2020</a:t>
+              <a:t>08/06/2020</a:t>
             </a:fld>
             <a:endParaRPr lang="pt-PT"/>
           </a:p>
@@ -7035,7 +8057,7 @@
             <a:fld id="{BB780E10-2340-4FA9-B5B2-BEE50CFFF348}" type="datetimeFigureOut">
               <a:rPr lang="pt-PT" smtClean="0"/>
               <a:pPr/>
-              <a:t>22/04/2020</a:t>
+              <a:t>08/06/2020</a:t>
             </a:fld>
             <a:endParaRPr lang="pt-PT"/>
           </a:p>
@@ -7315,7 +8337,7 @@
             <a:fld id="{BB780E10-2340-4FA9-B5B2-BEE50CFFF348}" type="datetimeFigureOut">
               <a:rPr lang="pt-PT" smtClean="0"/>
               <a:pPr/>
-              <a:t>22/04/2020</a:t>
+              <a:t>08/06/2020</a:t>
             </a:fld>
             <a:endParaRPr lang="pt-PT"/>
           </a:p>
